--- a/slides/01-operators-assignment-functions.pptx
+++ b/slides/01-operators-assignment-functions.pptx
@@ -129,6 +129,43 @@
 </p:presentation>
 </file>
 
+<file path=ppt/changesInfos/changesInfo1.xml><?xml version="1.0" encoding="utf-8"?>
+<pc:chgInfo xmlns:a="http://schemas.openxmlformats.org/drawingml/2006/main" xmlns:r="http://schemas.openxmlformats.org/officeDocument/2006/relationships" xmlns:ac="http://schemas.microsoft.com/office/drawing/2013/main/command" xmlns:pc="http://schemas.microsoft.com/office/powerpoint/2013/main/command">
+  <pc:docChgLst>
+    <pc:chgData name="Badrinath R" userId="155a43e7-1f5f-414f-9bca-c8a1af989a19" providerId="ADAL" clId="{C392A6AF-ABEB-4834-A7B6-F887D36BA966}"/>
+    <pc:docChg chg="modSld">
+      <pc:chgData name="Badrinath R" userId="155a43e7-1f5f-414f-9bca-c8a1af989a19" providerId="ADAL" clId="{C392A6AF-ABEB-4834-A7B6-F887D36BA966}" dt="2025-08-01T10:33:13.395" v="6" actId="207"/>
+      <pc:docMkLst>
+        <pc:docMk/>
+      </pc:docMkLst>
+      <pc:sldChg chg="modSp mod">
+        <pc:chgData name="Badrinath R" userId="155a43e7-1f5f-414f-9bca-c8a1af989a19" providerId="ADAL" clId="{C392A6AF-ABEB-4834-A7B6-F887D36BA966}" dt="2025-08-01T10:33:13.395" v="6" actId="207"/>
+        <pc:sldMkLst>
+          <pc:docMk/>
+          <pc:sldMk cId="3381946778" sldId="261"/>
+        </pc:sldMkLst>
+        <pc:spChg chg="mod">
+          <ac:chgData name="Badrinath R" userId="155a43e7-1f5f-414f-9bca-c8a1af989a19" providerId="ADAL" clId="{C392A6AF-ABEB-4834-A7B6-F887D36BA966}" dt="2025-08-01T10:32:40.776" v="3" actId="113"/>
+          <ac:spMkLst>
+            <pc:docMk/>
+            <pc:sldMk cId="3381946778" sldId="261"/>
+            <ac:spMk id="3" creationId="{00000000-0000-0000-0000-000000000000}"/>
+          </ac:spMkLst>
+        </pc:spChg>
+        <pc:spChg chg="mod">
+          <ac:chgData name="Badrinath R" userId="155a43e7-1f5f-414f-9bca-c8a1af989a19" providerId="ADAL" clId="{C392A6AF-ABEB-4834-A7B6-F887D36BA966}" dt="2025-08-01T10:33:13.395" v="6" actId="207"/>
+          <ac:spMkLst>
+            <pc:docMk/>
+            <pc:sldMk cId="3381946778" sldId="261"/>
+            <ac:spMk id="5" creationId="{00000000-0000-0000-0000-000000000000}"/>
+          </ac:spMkLst>
+        </pc:spChg>
+      </pc:sldChg>
+    </pc:docChg>
+  </pc:docChgLst>
+</pc:chgInfo>
+</file>
+
 <file path=ppt/slideLayouts/slideLayout1.xml><?xml version="1.0" encoding="utf-8"?>
 <p:sldLayout xmlns:a="http://schemas.openxmlformats.org/drawingml/2006/main" xmlns:r="http://schemas.openxmlformats.org/officeDocument/2006/relationships" xmlns:p="http://schemas.openxmlformats.org/presentationml/2006/main" type="title" preserve="1">
   <p:cSld name="Title Slide">
@@ -171,10 +208,9 @@
           </a:lstStyle>
           <a:p>
             <a:r>
-              <a:rPr lang="en-US" smtClean="0"/>
+              <a:rPr lang="en-US"/>
               <a:t>Click to edit Master title style</a:t>
             </a:r>
-            <a:endParaRPr lang="en-US"/>
           </a:p>
         </p:txBody>
       </p:sp>
@@ -236,10 +272,9 @@
           </a:lstStyle>
           <a:p>
             <a:r>
-              <a:rPr lang="en-US" smtClean="0"/>
+              <a:rPr lang="en-US"/>
               <a:t>Click to edit Master subtitle style</a:t>
             </a:r>
-            <a:endParaRPr lang="en-US"/>
           </a:p>
         </p:txBody>
       </p:sp>
@@ -260,7 +295,7 @@
           <a:p>
             <a:fld id="{44DE90E4-0BE9-46B2-B913-37DA2C3229A5}" type="datetimeFigureOut">
               <a:rPr lang="en-US" smtClean="0"/>
-              <a:t>7/24/2023</a:t>
+              <a:t>8/1/2025</a:t>
             </a:fld>
             <a:endParaRPr lang="en-US"/>
           </a:p>
@@ -354,10 +389,9 @@
           <a:lstStyle/>
           <a:p>
             <a:r>
-              <a:rPr lang="en-US" smtClean="0"/>
+              <a:rPr lang="en-US"/>
               <a:t>Click to edit Master title style</a:t>
             </a:r>
-            <a:endParaRPr lang="en-US"/>
           </a:p>
         </p:txBody>
       </p:sp>
@@ -378,38 +412,37 @@
           <a:p>
             <a:pPr lvl="0"/>
             <a:r>
-              <a:rPr lang="en-US" smtClean="0"/>
+              <a:rPr lang="en-US"/>
               <a:t>Edit Master text styles</a:t>
             </a:r>
           </a:p>
           <a:p>
             <a:pPr lvl="1"/>
             <a:r>
-              <a:rPr lang="en-US" smtClean="0"/>
+              <a:rPr lang="en-US"/>
               <a:t>Second level</a:t>
             </a:r>
           </a:p>
           <a:p>
             <a:pPr lvl="2"/>
             <a:r>
-              <a:rPr lang="en-US" smtClean="0"/>
+              <a:rPr lang="en-US"/>
               <a:t>Third level</a:t>
             </a:r>
           </a:p>
           <a:p>
             <a:pPr lvl="3"/>
             <a:r>
-              <a:rPr lang="en-US" smtClean="0"/>
+              <a:rPr lang="en-US"/>
               <a:t>Fourth level</a:t>
             </a:r>
           </a:p>
           <a:p>
             <a:pPr lvl="4"/>
             <a:r>
-              <a:rPr lang="en-US" smtClean="0"/>
+              <a:rPr lang="en-US"/>
               <a:t>Fifth level</a:t>
             </a:r>
-            <a:endParaRPr lang="en-US"/>
           </a:p>
         </p:txBody>
       </p:sp>
@@ -430,7 +463,7 @@
           <a:p>
             <a:fld id="{44DE90E4-0BE9-46B2-B913-37DA2C3229A5}" type="datetimeFigureOut">
               <a:rPr lang="en-US" smtClean="0"/>
-              <a:t>7/24/2023</a:t>
+              <a:t>8/1/2025</a:t>
             </a:fld>
             <a:endParaRPr lang="en-US"/>
           </a:p>
@@ -529,10 +562,9 @@
           <a:lstStyle/>
           <a:p>
             <a:r>
-              <a:rPr lang="en-US" smtClean="0"/>
+              <a:rPr lang="en-US"/>
               <a:t>Click to edit Master title style</a:t>
             </a:r>
-            <a:endParaRPr lang="en-US"/>
           </a:p>
         </p:txBody>
       </p:sp>
@@ -558,38 +590,37 @@
           <a:p>
             <a:pPr lvl="0"/>
             <a:r>
-              <a:rPr lang="en-US" smtClean="0"/>
+              <a:rPr lang="en-US"/>
               <a:t>Edit Master text styles</a:t>
             </a:r>
           </a:p>
           <a:p>
             <a:pPr lvl="1"/>
             <a:r>
-              <a:rPr lang="en-US" smtClean="0"/>
+              <a:rPr lang="en-US"/>
               <a:t>Second level</a:t>
             </a:r>
           </a:p>
           <a:p>
             <a:pPr lvl="2"/>
             <a:r>
-              <a:rPr lang="en-US" smtClean="0"/>
+              <a:rPr lang="en-US"/>
               <a:t>Third level</a:t>
             </a:r>
           </a:p>
           <a:p>
             <a:pPr lvl="3"/>
             <a:r>
-              <a:rPr lang="en-US" smtClean="0"/>
+              <a:rPr lang="en-US"/>
               <a:t>Fourth level</a:t>
             </a:r>
           </a:p>
           <a:p>
             <a:pPr lvl="4"/>
             <a:r>
-              <a:rPr lang="en-US" smtClean="0"/>
+              <a:rPr lang="en-US"/>
               <a:t>Fifth level</a:t>
             </a:r>
-            <a:endParaRPr lang="en-US"/>
           </a:p>
         </p:txBody>
       </p:sp>
@@ -610,7 +641,7 @@
           <a:p>
             <a:fld id="{44DE90E4-0BE9-46B2-B913-37DA2C3229A5}" type="datetimeFigureOut">
               <a:rPr lang="en-US" smtClean="0"/>
-              <a:t>7/24/2023</a:t>
+              <a:t>8/1/2025</a:t>
             </a:fld>
             <a:endParaRPr lang="en-US"/>
           </a:p>
@@ -704,10 +735,9 @@
           <a:lstStyle/>
           <a:p>
             <a:r>
-              <a:rPr lang="en-US" smtClean="0"/>
+              <a:rPr lang="en-US"/>
               <a:t>Click to edit Master title style</a:t>
             </a:r>
-            <a:endParaRPr lang="en-US"/>
           </a:p>
         </p:txBody>
       </p:sp>
@@ -728,38 +758,37 @@
           <a:p>
             <a:pPr lvl="0"/>
             <a:r>
-              <a:rPr lang="en-US" smtClean="0"/>
+              <a:rPr lang="en-US"/>
               <a:t>Edit Master text styles</a:t>
             </a:r>
           </a:p>
           <a:p>
             <a:pPr lvl="1"/>
             <a:r>
-              <a:rPr lang="en-US" smtClean="0"/>
+              <a:rPr lang="en-US"/>
               <a:t>Second level</a:t>
             </a:r>
           </a:p>
           <a:p>
             <a:pPr lvl="2"/>
             <a:r>
-              <a:rPr lang="en-US" smtClean="0"/>
+              <a:rPr lang="en-US"/>
               <a:t>Third level</a:t>
             </a:r>
           </a:p>
           <a:p>
             <a:pPr lvl="3"/>
             <a:r>
-              <a:rPr lang="en-US" smtClean="0"/>
+              <a:rPr lang="en-US"/>
               <a:t>Fourth level</a:t>
             </a:r>
           </a:p>
           <a:p>
             <a:pPr lvl="4"/>
             <a:r>
-              <a:rPr lang="en-US" smtClean="0"/>
+              <a:rPr lang="en-US"/>
               <a:t>Fifth level</a:t>
             </a:r>
-            <a:endParaRPr lang="en-US"/>
           </a:p>
         </p:txBody>
       </p:sp>
@@ -780,7 +809,7 @@
           <a:p>
             <a:fld id="{44DE90E4-0BE9-46B2-B913-37DA2C3229A5}" type="datetimeFigureOut">
               <a:rPr lang="en-US" smtClean="0"/>
-              <a:t>7/24/2023</a:t>
+              <a:t>8/1/2025</a:t>
             </a:fld>
             <a:endParaRPr lang="en-US"/>
           </a:p>
@@ -883,10 +912,9 @@
           </a:lstStyle>
           <a:p>
             <a:r>
-              <a:rPr lang="en-US" smtClean="0"/>
+              <a:rPr lang="en-US"/>
               <a:t>Click to edit Master title style</a:t>
             </a:r>
-            <a:endParaRPr lang="en-US"/>
           </a:p>
         </p:txBody>
       </p:sp>
@@ -1003,7 +1031,7 @@
           <a:p>
             <a:pPr lvl="0"/>
             <a:r>
-              <a:rPr lang="en-US" smtClean="0"/>
+              <a:rPr lang="en-US"/>
               <a:t>Edit Master text styles</a:t>
             </a:r>
           </a:p>
@@ -1026,7 +1054,7 @@
           <a:p>
             <a:fld id="{44DE90E4-0BE9-46B2-B913-37DA2C3229A5}" type="datetimeFigureOut">
               <a:rPr lang="en-US" smtClean="0"/>
-              <a:t>7/24/2023</a:t>
+              <a:t>8/1/2025</a:t>
             </a:fld>
             <a:endParaRPr lang="en-US"/>
           </a:p>
@@ -1120,10 +1148,9 @@
           <a:lstStyle/>
           <a:p>
             <a:r>
-              <a:rPr lang="en-US" smtClean="0"/>
+              <a:rPr lang="en-US"/>
               <a:t>Click to edit Master title style</a:t>
             </a:r>
-            <a:endParaRPr lang="en-US"/>
           </a:p>
         </p:txBody>
       </p:sp>
@@ -1149,38 +1176,37 @@
           <a:p>
             <a:pPr lvl="0"/>
             <a:r>
-              <a:rPr lang="en-US" smtClean="0"/>
+              <a:rPr lang="en-US"/>
               <a:t>Edit Master text styles</a:t>
             </a:r>
           </a:p>
           <a:p>
             <a:pPr lvl="1"/>
             <a:r>
-              <a:rPr lang="en-US" smtClean="0"/>
+              <a:rPr lang="en-US"/>
               <a:t>Second level</a:t>
             </a:r>
           </a:p>
           <a:p>
             <a:pPr lvl="2"/>
             <a:r>
-              <a:rPr lang="en-US" smtClean="0"/>
+              <a:rPr lang="en-US"/>
               <a:t>Third level</a:t>
             </a:r>
           </a:p>
           <a:p>
             <a:pPr lvl="3"/>
             <a:r>
-              <a:rPr lang="en-US" smtClean="0"/>
+              <a:rPr lang="en-US"/>
               <a:t>Fourth level</a:t>
             </a:r>
           </a:p>
           <a:p>
             <a:pPr lvl="4"/>
             <a:r>
-              <a:rPr lang="en-US" smtClean="0"/>
+              <a:rPr lang="en-US"/>
               <a:t>Fifth level</a:t>
             </a:r>
-            <a:endParaRPr lang="en-US"/>
           </a:p>
         </p:txBody>
       </p:sp>
@@ -1206,38 +1232,37 @@
           <a:p>
             <a:pPr lvl="0"/>
             <a:r>
-              <a:rPr lang="en-US" smtClean="0"/>
+              <a:rPr lang="en-US"/>
               <a:t>Edit Master text styles</a:t>
             </a:r>
           </a:p>
           <a:p>
             <a:pPr lvl="1"/>
             <a:r>
-              <a:rPr lang="en-US" smtClean="0"/>
+              <a:rPr lang="en-US"/>
               <a:t>Second level</a:t>
             </a:r>
           </a:p>
           <a:p>
             <a:pPr lvl="2"/>
             <a:r>
-              <a:rPr lang="en-US" smtClean="0"/>
+              <a:rPr lang="en-US"/>
               <a:t>Third level</a:t>
             </a:r>
           </a:p>
           <a:p>
             <a:pPr lvl="3"/>
             <a:r>
-              <a:rPr lang="en-US" smtClean="0"/>
+              <a:rPr lang="en-US"/>
               <a:t>Fourth level</a:t>
             </a:r>
           </a:p>
           <a:p>
             <a:pPr lvl="4"/>
             <a:r>
-              <a:rPr lang="en-US" smtClean="0"/>
+              <a:rPr lang="en-US"/>
               <a:t>Fifth level</a:t>
             </a:r>
-            <a:endParaRPr lang="en-US"/>
           </a:p>
         </p:txBody>
       </p:sp>
@@ -1258,7 +1283,7 @@
           <a:p>
             <a:fld id="{44DE90E4-0BE9-46B2-B913-37DA2C3229A5}" type="datetimeFigureOut">
               <a:rPr lang="en-US" smtClean="0"/>
-              <a:t>7/24/2023</a:t>
+              <a:t>8/1/2025</a:t>
             </a:fld>
             <a:endParaRPr lang="en-US"/>
           </a:p>
@@ -1357,10 +1382,9 @@
           <a:lstStyle/>
           <a:p>
             <a:r>
-              <a:rPr lang="en-US" smtClean="0"/>
+              <a:rPr lang="en-US"/>
               <a:t>Click to edit Master title style</a:t>
             </a:r>
-            <a:endParaRPr lang="en-US"/>
           </a:p>
         </p:txBody>
       </p:sp>
@@ -1423,7 +1447,7 @@
           <a:p>
             <a:pPr lvl="0"/>
             <a:r>
-              <a:rPr lang="en-US" smtClean="0"/>
+              <a:rPr lang="en-US"/>
               <a:t>Edit Master text styles</a:t>
             </a:r>
           </a:p>
@@ -1451,38 +1475,37 @@
           <a:p>
             <a:pPr lvl="0"/>
             <a:r>
-              <a:rPr lang="en-US" smtClean="0"/>
+              <a:rPr lang="en-US"/>
               <a:t>Edit Master text styles</a:t>
             </a:r>
           </a:p>
           <a:p>
             <a:pPr lvl="1"/>
             <a:r>
-              <a:rPr lang="en-US" smtClean="0"/>
+              <a:rPr lang="en-US"/>
               <a:t>Second level</a:t>
             </a:r>
           </a:p>
           <a:p>
             <a:pPr lvl="2"/>
             <a:r>
-              <a:rPr lang="en-US" smtClean="0"/>
+              <a:rPr lang="en-US"/>
               <a:t>Third level</a:t>
             </a:r>
           </a:p>
           <a:p>
             <a:pPr lvl="3"/>
             <a:r>
-              <a:rPr lang="en-US" smtClean="0"/>
+              <a:rPr lang="en-US"/>
               <a:t>Fourth level</a:t>
             </a:r>
           </a:p>
           <a:p>
             <a:pPr lvl="4"/>
             <a:r>
-              <a:rPr lang="en-US" smtClean="0"/>
+              <a:rPr lang="en-US"/>
               <a:t>Fifth level</a:t>
             </a:r>
-            <a:endParaRPr lang="en-US"/>
           </a:p>
         </p:txBody>
       </p:sp>
@@ -1545,7 +1568,7 @@
           <a:p>
             <a:pPr lvl="0"/>
             <a:r>
-              <a:rPr lang="en-US" smtClean="0"/>
+              <a:rPr lang="en-US"/>
               <a:t>Edit Master text styles</a:t>
             </a:r>
           </a:p>
@@ -1573,38 +1596,37 @@
           <a:p>
             <a:pPr lvl="0"/>
             <a:r>
-              <a:rPr lang="en-US" smtClean="0"/>
+              <a:rPr lang="en-US"/>
               <a:t>Edit Master text styles</a:t>
             </a:r>
           </a:p>
           <a:p>
             <a:pPr lvl="1"/>
             <a:r>
-              <a:rPr lang="en-US" smtClean="0"/>
+              <a:rPr lang="en-US"/>
               <a:t>Second level</a:t>
             </a:r>
           </a:p>
           <a:p>
             <a:pPr lvl="2"/>
             <a:r>
-              <a:rPr lang="en-US" smtClean="0"/>
+              <a:rPr lang="en-US"/>
               <a:t>Third level</a:t>
             </a:r>
           </a:p>
           <a:p>
             <a:pPr lvl="3"/>
             <a:r>
-              <a:rPr lang="en-US" smtClean="0"/>
+              <a:rPr lang="en-US"/>
               <a:t>Fourth level</a:t>
             </a:r>
           </a:p>
           <a:p>
             <a:pPr lvl="4"/>
             <a:r>
-              <a:rPr lang="en-US" smtClean="0"/>
+              <a:rPr lang="en-US"/>
               <a:t>Fifth level</a:t>
             </a:r>
-            <a:endParaRPr lang="en-US"/>
           </a:p>
         </p:txBody>
       </p:sp>
@@ -1625,7 +1647,7 @@
           <a:p>
             <a:fld id="{44DE90E4-0BE9-46B2-B913-37DA2C3229A5}" type="datetimeFigureOut">
               <a:rPr lang="en-US" smtClean="0"/>
-              <a:t>7/24/2023</a:t>
+              <a:t>8/1/2025</a:t>
             </a:fld>
             <a:endParaRPr lang="en-US"/>
           </a:p>
@@ -1719,10 +1741,9 @@
           <a:lstStyle/>
           <a:p>
             <a:r>
-              <a:rPr lang="en-US" smtClean="0"/>
+              <a:rPr lang="en-US"/>
               <a:t>Click to edit Master title style</a:t>
             </a:r>
-            <a:endParaRPr lang="en-US"/>
           </a:p>
         </p:txBody>
       </p:sp>
@@ -1743,7 +1764,7 @@
           <a:p>
             <a:fld id="{44DE90E4-0BE9-46B2-B913-37DA2C3229A5}" type="datetimeFigureOut">
               <a:rPr lang="en-US" smtClean="0"/>
-              <a:t>7/24/2023</a:t>
+              <a:t>8/1/2025</a:t>
             </a:fld>
             <a:endParaRPr lang="en-US"/>
           </a:p>
@@ -1838,7 +1859,7 @@
           <a:p>
             <a:fld id="{44DE90E4-0BE9-46B2-B913-37DA2C3229A5}" type="datetimeFigureOut">
               <a:rPr lang="en-US" smtClean="0"/>
-              <a:t>7/24/2023</a:t>
+              <a:t>8/1/2025</a:t>
             </a:fld>
             <a:endParaRPr lang="en-US"/>
           </a:p>
@@ -1941,10 +1962,9 @@
           </a:lstStyle>
           <a:p>
             <a:r>
-              <a:rPr lang="en-US" smtClean="0"/>
+              <a:rPr lang="en-US"/>
               <a:t>Click to edit Master title style</a:t>
             </a:r>
-            <a:endParaRPr lang="en-US"/>
           </a:p>
         </p:txBody>
       </p:sp>
@@ -1998,38 +2018,37 @@
           <a:p>
             <a:pPr lvl="0"/>
             <a:r>
-              <a:rPr lang="en-US" smtClean="0"/>
+              <a:rPr lang="en-US"/>
               <a:t>Edit Master text styles</a:t>
             </a:r>
           </a:p>
           <a:p>
             <a:pPr lvl="1"/>
             <a:r>
-              <a:rPr lang="en-US" smtClean="0"/>
+              <a:rPr lang="en-US"/>
               <a:t>Second level</a:t>
             </a:r>
           </a:p>
           <a:p>
             <a:pPr lvl="2"/>
             <a:r>
-              <a:rPr lang="en-US" smtClean="0"/>
+              <a:rPr lang="en-US"/>
               <a:t>Third level</a:t>
             </a:r>
           </a:p>
           <a:p>
             <a:pPr lvl="3"/>
             <a:r>
-              <a:rPr lang="en-US" smtClean="0"/>
+              <a:rPr lang="en-US"/>
               <a:t>Fourth level</a:t>
             </a:r>
           </a:p>
           <a:p>
             <a:pPr lvl="4"/>
             <a:r>
-              <a:rPr lang="en-US" smtClean="0"/>
+              <a:rPr lang="en-US"/>
               <a:t>Fifth level</a:t>
             </a:r>
-            <a:endParaRPr lang="en-US"/>
           </a:p>
         </p:txBody>
       </p:sp>
@@ -2092,7 +2111,7 @@
           <a:p>
             <a:pPr lvl="0"/>
             <a:r>
-              <a:rPr lang="en-US" smtClean="0"/>
+              <a:rPr lang="en-US"/>
               <a:t>Edit Master text styles</a:t>
             </a:r>
           </a:p>
@@ -2115,7 +2134,7 @@
           <a:p>
             <a:fld id="{44DE90E4-0BE9-46B2-B913-37DA2C3229A5}" type="datetimeFigureOut">
               <a:rPr lang="en-US" smtClean="0"/>
-              <a:t>7/24/2023</a:t>
+              <a:t>8/1/2025</a:t>
             </a:fld>
             <a:endParaRPr lang="en-US"/>
           </a:p>
@@ -2218,10 +2237,9 @@
           </a:lstStyle>
           <a:p>
             <a:r>
-              <a:rPr lang="en-US" smtClean="0"/>
+              <a:rPr lang="en-US"/>
               <a:t>Click to edit Master title style</a:t>
             </a:r>
-            <a:endParaRPr lang="en-US"/>
           </a:p>
         </p:txBody>
       </p:sp>
@@ -2345,7 +2363,7 @@
           <a:p>
             <a:pPr lvl="0"/>
             <a:r>
-              <a:rPr lang="en-US" smtClean="0"/>
+              <a:rPr lang="en-US"/>
               <a:t>Edit Master text styles</a:t>
             </a:r>
           </a:p>
@@ -2368,7 +2386,7 @@
           <a:p>
             <a:fld id="{44DE90E4-0BE9-46B2-B913-37DA2C3229A5}" type="datetimeFigureOut">
               <a:rPr lang="en-US" smtClean="0"/>
-              <a:t>7/24/2023</a:t>
+              <a:t>8/1/2025</a:t>
             </a:fld>
             <a:endParaRPr lang="en-US"/>
           </a:p>
@@ -2477,10 +2495,9 @@
           <a:lstStyle/>
           <a:p>
             <a:r>
-              <a:rPr lang="en-US" smtClean="0"/>
+              <a:rPr lang="en-US"/>
               <a:t>Click to edit Master title style</a:t>
             </a:r>
-            <a:endParaRPr lang="en-US"/>
           </a:p>
         </p:txBody>
       </p:sp>
@@ -2511,38 +2528,37 @@
           <a:p>
             <a:pPr lvl="0"/>
             <a:r>
-              <a:rPr lang="en-US" smtClean="0"/>
+              <a:rPr lang="en-US"/>
               <a:t>Edit Master text styles</a:t>
             </a:r>
           </a:p>
           <a:p>
             <a:pPr lvl="1"/>
             <a:r>
-              <a:rPr lang="en-US" smtClean="0"/>
+              <a:rPr lang="en-US"/>
               <a:t>Second level</a:t>
             </a:r>
           </a:p>
           <a:p>
             <a:pPr lvl="2"/>
             <a:r>
-              <a:rPr lang="en-US" smtClean="0"/>
+              <a:rPr lang="en-US"/>
               <a:t>Third level</a:t>
             </a:r>
           </a:p>
           <a:p>
             <a:pPr lvl="3"/>
             <a:r>
-              <a:rPr lang="en-US" smtClean="0"/>
+              <a:rPr lang="en-US"/>
               <a:t>Fourth level</a:t>
             </a:r>
           </a:p>
           <a:p>
             <a:pPr lvl="4"/>
             <a:r>
-              <a:rPr lang="en-US" smtClean="0"/>
+              <a:rPr lang="en-US"/>
               <a:t>Fifth level</a:t>
             </a:r>
-            <a:endParaRPr lang="en-US"/>
           </a:p>
         </p:txBody>
       </p:sp>
@@ -2581,7 +2597,7 @@
           <a:p>
             <a:fld id="{44DE90E4-0BE9-46B2-B913-37DA2C3229A5}" type="datetimeFigureOut">
               <a:rPr lang="en-US" smtClean="0"/>
-              <a:t>7/24/2023</a:t>
+              <a:t>8/1/2025</a:t>
             </a:fld>
             <a:endParaRPr lang="en-US"/>
           </a:p>
@@ -3002,10 +3018,9 @@
           <a:lstStyle/>
           <a:p>
             <a:r>
-              <a:rPr lang="en-US" dirty="0" smtClean="0"/>
+              <a:rPr lang="en-US" dirty="0"/>
               <a:t>About constants, values and variables</a:t>
             </a:r>
-            <a:endParaRPr lang="en-US" dirty="0"/>
           </a:p>
         </p:txBody>
       </p:sp>
@@ -3025,10 +3040,9 @@
           <a:lstStyle/>
           <a:p>
             <a:r>
-              <a:rPr lang="en-US" dirty="0" smtClean="0"/>
+              <a:rPr lang="en-US" dirty="0"/>
               <a:t>Part -1 – getting familiarity with programs</a:t>
             </a:r>
-            <a:endParaRPr lang="en-US" dirty="0"/>
           </a:p>
         </p:txBody>
       </p:sp>
@@ -3042,13 +3056,6 @@
   <p:clrMapOvr>
     <a:masterClrMapping/>
   </p:clrMapOvr>
-  <p:timing>
-    <p:tnLst>
-      <p:par>
-        <p:cTn id="1" dur="indefinite" restart="never" nodeType="tmRoot"/>
-      </p:par>
-    </p:tnLst>
-  </p:timing>
 </p:sld>
 </file>
 
@@ -3085,10 +3092,9 @@
           <a:lstStyle/>
           <a:p>
             <a:r>
-              <a:rPr lang="en-US" dirty="0" smtClean="0"/>
+              <a:rPr lang="en-US" dirty="0"/>
               <a:t>Assignment Statements and expressions</a:t>
             </a:r>
-            <a:endParaRPr lang="en-US" dirty="0"/>
           </a:p>
         </p:txBody>
       </p:sp>
@@ -3110,27 +3116,27 @@
           <a:lstStyle/>
           <a:p>
             <a:r>
-              <a:rPr lang="en-US" i="1" dirty="0" smtClean="0">
+              <a:rPr lang="en-US" i="1" dirty="0">
                 <a:latin typeface="Garamond" panose="02020404030301010803" pitchFamily="18" charset="0"/>
               </a:rPr>
               <a:t>Expressions</a:t>
             </a:r>
             <a:r>
-              <a:rPr lang="en-US" dirty="0" smtClean="0"/>
+              <a:rPr lang="en-US" dirty="0"/>
               <a:t> give values:       125 + 5   </a:t>
             </a:r>
             <a:r>
-              <a:rPr lang="en-US" dirty="0" smtClean="0">
+              <a:rPr lang="en-US" dirty="0">
                 <a:sym typeface="Wingdings" panose="05000000000000000000" pitchFamily="2" charset="2"/>
               </a:rPr>
               <a:t>   130</a:t>
             </a:r>
-            <a:endParaRPr lang="en-US" dirty="0" smtClean="0"/>
+            <a:endParaRPr lang="en-US" dirty="0"/>
           </a:p>
           <a:p>
             <a:pPr lvl="1"/>
             <a:r>
-              <a:rPr lang="en-US" dirty="0" smtClean="0"/>
+              <a:rPr lang="en-US" dirty="0"/>
               <a:t>Arithmetic operators are used in </a:t>
             </a:r>
             <a:r>
@@ -3140,7 +3146,7 @@
               <a:t>arithmetic</a:t>
             </a:r>
             <a:r>
-              <a:rPr lang="en-US" dirty="0" smtClean="0"/>
+              <a:rPr lang="en-US" dirty="0"/>
               <a:t> </a:t>
             </a:r>
             <a:r>
@@ -3153,7 +3159,7 @@
           <a:p>
             <a:pPr lvl="1"/>
             <a:r>
-              <a:rPr lang="en-US" dirty="0" smtClean="0"/>
+              <a:rPr lang="en-US" dirty="0"/>
               <a:t>Relational operators are used in </a:t>
             </a:r>
             <a:r>
@@ -3163,7 +3169,7 @@
               <a:t>comparison</a:t>
             </a:r>
             <a:r>
-              <a:rPr lang="en-US" dirty="0" smtClean="0"/>
+              <a:rPr lang="en-US" dirty="0"/>
               <a:t> </a:t>
             </a:r>
             <a:r>
@@ -3176,7 +3182,7 @@
           <a:p>
             <a:pPr lvl="1"/>
             <a:r>
-              <a:rPr lang="en-US" dirty="0" smtClean="0"/>
+              <a:rPr lang="en-US" dirty="0"/>
               <a:t>Logical operators are used in </a:t>
             </a:r>
             <a:r>
@@ -3186,7 +3192,7 @@
               <a:t>logical</a:t>
             </a:r>
             <a:r>
-              <a:rPr lang="en-US" dirty="0" smtClean="0"/>
+              <a:rPr lang="en-US" dirty="0"/>
               <a:t> </a:t>
             </a:r>
             <a:r>
@@ -3199,58 +3205,54 @@
           <a:p>
             <a:r>
               <a:rPr lang="en-US" dirty="0"/>
-              <a:t> </a:t>
-            </a:r>
-            <a:r>
-              <a:rPr lang="en-US" dirty="0" smtClean="0"/>
-              <a:t>125 + 5 ;      with the semi colon is a valid statement, but useless.</a:t>
-            </a:r>
-          </a:p>
-          <a:p>
-            <a:r>
-              <a:rPr lang="en-US" dirty="0" smtClean="0"/>
+              <a:t> 125 + 5 ;      with the semi colon is a valid statement, but useless.</a:t>
+            </a:r>
+          </a:p>
+          <a:p>
+            <a:r>
+              <a:rPr lang="en-US" dirty="0"/>
               <a:t>But x = 125 + 5 ;       is useful!        ... Why ?</a:t>
             </a:r>
           </a:p>
           <a:p>
             <a:r>
-              <a:rPr lang="en-US" b="1" dirty="0" smtClean="0"/>
+              <a:rPr lang="en-US" b="1" dirty="0"/>
               <a:t>Left side is a variable </a:t>
             </a:r>
             <a:r>
-              <a:rPr lang="en-US" dirty="0" smtClean="0"/>
+              <a:rPr lang="en-US" dirty="0"/>
               <a:t>who’s value changes as an effect of the statement. We also call in an </a:t>
             </a:r>
             <a:r>
-              <a:rPr lang="en-US" b="1" i="1" dirty="0" err="1" smtClean="0">
+              <a:rPr lang="en-US" b="1" i="1" dirty="0" err="1">
                 <a:latin typeface="Garamond" panose="02020404030301010803" pitchFamily="18" charset="0"/>
               </a:rPr>
               <a:t>lvalue</a:t>
             </a:r>
             <a:r>
-              <a:rPr lang="en-US" dirty="0" smtClean="0"/>
+              <a:rPr lang="en-US" dirty="0"/>
               <a:t>.  The new value is computed from the right side, that’s called an </a:t>
             </a:r>
             <a:r>
-              <a:rPr lang="en-US" b="1" i="1" dirty="0" err="1" smtClean="0">
+              <a:rPr lang="en-US" b="1" i="1" dirty="0" err="1">
                 <a:latin typeface="Garamond" panose="02020404030301010803" pitchFamily="18" charset="0"/>
               </a:rPr>
               <a:t>rvalue</a:t>
             </a:r>
             <a:r>
-              <a:rPr lang="en-US" dirty="0" smtClean="0"/>
+              <a:rPr lang="en-US" dirty="0"/>
               <a:t>.</a:t>
             </a:r>
           </a:p>
           <a:p>
             <a:r>
-              <a:rPr lang="en-US" dirty="0" smtClean="0"/>
+              <a:rPr lang="en-US" dirty="0"/>
               <a:t>125 = x + 5 ;           is meaningless</a:t>
             </a:r>
           </a:p>
           <a:p>
             <a:r>
-              <a:rPr lang="en-US" dirty="0" smtClean="0"/>
+              <a:rPr lang="en-US" dirty="0"/>
               <a:t>y = x = 125 + 5 ;     is meaningful too.   ‘=‘ works from right to left.</a:t>
             </a:r>
           </a:p>
@@ -3315,11 +3317,11 @@
           <a:lstStyle/>
           <a:p>
             <a:r>
-              <a:rPr lang="en-US" sz="2000" dirty="0" smtClean="0"/>
+              <a:rPr lang="en-US" sz="2000" dirty="0"/>
               <a:t>See </a:t>
             </a:r>
             <a:r>
-              <a:rPr lang="en-US" sz="2000" dirty="0" err="1" smtClean="0">
+              <a:rPr lang="en-US" sz="2000" dirty="0" err="1">
                 <a:latin typeface="Courier New" panose="02070309020205020404" pitchFamily="49" charset="0"/>
                 <a:cs typeface="Courier New" panose="02070309020205020404" pitchFamily="49" charset="0"/>
               </a:rPr>
@@ -3342,13 +3344,6 @@
   <p:clrMapOvr>
     <a:masterClrMapping/>
   </p:clrMapOvr>
-  <p:timing>
-    <p:tnLst>
-      <p:par>
-        <p:cTn id="1" dur="indefinite" restart="never" nodeType="tmRoot"/>
-      </p:par>
-    </p:tnLst>
-  </p:timing>
 </p:sld>
 </file>
 
@@ -3428,10 +3423,9 @@
           <a:lstStyle/>
           <a:p>
             <a:r>
-              <a:rPr lang="en-US" dirty="0" smtClean="0"/>
+              <a:rPr lang="en-US" dirty="0"/>
               <a:t>How the assignment operator works</a:t>
             </a:r>
-            <a:endParaRPr lang="en-US" dirty="0"/>
           </a:p>
         </p:txBody>
       </p:sp>
@@ -3458,10 +3452,9 @@
           <a:lstStyle/>
           <a:p>
             <a:r>
-              <a:rPr lang="en-US" sz="2400" dirty="0" smtClean="0"/>
+              <a:rPr lang="en-US" sz="2400" dirty="0"/>
               <a:t>y      =  </a:t>
             </a:r>
-            <a:endParaRPr lang="en-US" sz="2400" dirty="0"/>
           </a:p>
         </p:txBody>
       </p:sp>
@@ -3489,13 +3482,8 @@
           <a:p>
             <a:r>
               <a:rPr lang="en-US" sz="2400" dirty="0"/>
-              <a:t>x</a:t>
-            </a:r>
-            <a:r>
-              <a:rPr lang="en-US" sz="2400" dirty="0" smtClean="0"/>
-              <a:t>    =</a:t>
-            </a:r>
-            <a:endParaRPr lang="en-US" sz="2400" dirty="0"/>
+              <a:t>x    =</a:t>
+            </a:r>
           </a:p>
         </p:txBody>
       </p:sp>
@@ -3522,10 +3510,9 @@
           <a:lstStyle/>
           <a:p>
             <a:r>
-              <a:rPr lang="en-US" sz="2400" dirty="0" smtClean="0"/>
+              <a:rPr lang="en-US" sz="2400" dirty="0"/>
               <a:t>125 + 5         ;</a:t>
             </a:r>
-            <a:endParaRPr lang="en-US" sz="2400" dirty="0"/>
           </a:p>
         </p:txBody>
       </p:sp>
@@ -3629,10 +3616,9 @@
             <a:p>
               <a:pPr algn="ctr"/>
               <a:r>
-                <a:rPr lang="en-US" sz="2000" b="1" dirty="0" smtClean="0"/>
+                <a:rPr lang="en-US" sz="2000" b="1" dirty="0"/>
                 <a:t>1</a:t>
               </a:r>
-              <a:endParaRPr lang="en-US" sz="2000" b="1" dirty="0"/>
             </a:p>
           </p:txBody>
         </p:sp>
@@ -3720,18 +3706,13 @@
           <a:p>
             <a:pPr algn="ctr"/>
             <a:r>
-              <a:rPr lang="en-US" b="1" dirty="0" smtClean="0">
+              <a:rPr lang="en-US" b="1" dirty="0">
                 <a:solidFill>
                   <a:schemeClr val="accent5"/>
                 </a:solidFill>
               </a:rPr>
               <a:t>3</a:t>
             </a:r>
-            <a:endParaRPr lang="en-US" b="1" dirty="0">
-              <a:solidFill>
-                <a:schemeClr val="accent5"/>
-              </a:solidFill>
-            </a:endParaRPr>
           </a:p>
         </p:txBody>
       </p:sp>
@@ -3758,30 +3739,26 @@
           <a:lstStyle/>
           <a:p>
             <a:r>
-              <a:rPr lang="en-US" sz="2400" dirty="0" smtClean="0"/>
+              <a:rPr lang="en-US" sz="2400" dirty="0"/>
               <a:t>We call  ‘=‘ the assignment</a:t>
             </a:r>
             <a:r>
-              <a:rPr lang="en-US" sz="2400" b="1" dirty="0" smtClean="0"/>
+              <a:rPr lang="en-US" sz="2400" b="1" dirty="0"/>
               <a:t> operator</a:t>
-            </a:r>
-            <a:r>
-              <a:rPr lang="en-US" sz="2400" dirty="0"/>
-              <a:t/>
             </a:r>
             <a:br>
               <a:rPr lang="en-US" sz="2400" dirty="0"/>
             </a:br>
             <a:r>
-              <a:rPr lang="en-US" sz="2400" dirty="0" smtClean="0"/>
+              <a:rPr lang="en-US" sz="2400" dirty="0"/>
               <a:t>and it creates an </a:t>
             </a:r>
             <a:r>
-              <a:rPr lang="en-US" sz="2400" b="1" dirty="0" smtClean="0"/>
+              <a:rPr lang="en-US" sz="2400" b="1" dirty="0"/>
               <a:t>assignment expression</a:t>
             </a:r>
             <a:r>
-              <a:rPr lang="en-US" sz="2400" dirty="0" smtClean="0"/>
+              <a:rPr lang="en-US" sz="2400" dirty="0"/>
               <a:t>.</a:t>
             </a:r>
           </a:p>
@@ -3810,88 +3787,81 @@
           <a:lstStyle/>
           <a:p>
             <a:r>
-              <a:rPr lang="en-US" sz="2400" dirty="0" smtClean="0"/>
+              <a:rPr lang="en-US" sz="2400" dirty="0"/>
               <a:t>This gives interesting possibilities:</a:t>
             </a:r>
             <a:br>
-              <a:rPr lang="en-US" sz="2400" dirty="0" smtClean="0"/>
-            </a:br>
-            <a:r>
-              <a:rPr lang="en-US" sz="2400" dirty="0" smtClean="0">
-                <a:latin typeface="Courier New" panose="02070309020205020404" pitchFamily="49" charset="0"/>
-                <a:cs typeface="Courier New" panose="02070309020205020404" pitchFamily="49" charset="0"/>
-              </a:rPr>
-              <a:t>{</a:t>
-            </a:r>
-            <a:br>
-              <a:rPr lang="en-US" sz="2400" dirty="0" smtClean="0">
-                <a:latin typeface="Courier New" panose="02070309020205020404" pitchFamily="49" charset="0"/>
-                <a:cs typeface="Courier New" panose="02070309020205020404" pitchFamily="49" charset="0"/>
-              </a:rPr>
+              <a:rPr lang="en-US" sz="2400" dirty="0"/>
             </a:br>
             <a:r>
               <a:rPr lang="en-US" sz="2400" dirty="0">
                 <a:latin typeface="Courier New" panose="02070309020205020404" pitchFamily="49" charset="0"/>
                 <a:cs typeface="Courier New" panose="02070309020205020404" pitchFamily="49" charset="0"/>
               </a:rPr>
-              <a:t> </a:t>
-            </a:r>
-            <a:r>
-              <a:rPr lang="en-US" sz="2400" dirty="0" smtClean="0">
+              <a:t>{</a:t>
+            </a:r>
+            <a:br>
+              <a:rPr lang="en-US" sz="2400" dirty="0">
                 <a:latin typeface="Courier New" panose="02070309020205020404" pitchFamily="49" charset="0"/>
                 <a:cs typeface="Courier New" panose="02070309020205020404" pitchFamily="49" charset="0"/>
               </a:rPr>
-              <a:t>   </a:t>
-            </a:r>
-            <a:r>
-              <a:rPr lang="en-US" sz="2400" dirty="0" err="1" smtClean="0">
+            </a:br>
+            <a:r>
+              <a:rPr lang="en-US" sz="2400" dirty="0">
                 <a:latin typeface="Courier New" panose="02070309020205020404" pitchFamily="49" charset="0"/>
                 <a:cs typeface="Courier New" panose="02070309020205020404" pitchFamily="49" charset="0"/>
               </a:rPr>
-              <a:t>int</a:t>
-            </a:r>
-            <a:r>
-              <a:rPr lang="en-US" sz="2400" dirty="0" smtClean="0">
+              <a:t>    </a:t>
+            </a:r>
+            <a:r>
+              <a:rPr lang="en-US" sz="2400" dirty="0" err="1">
                 <a:latin typeface="Courier New" panose="02070309020205020404" pitchFamily="49" charset="0"/>
                 <a:cs typeface="Courier New" panose="02070309020205020404" pitchFamily="49" charset="0"/>
               </a:rPr>
-              <a:t> x;</a:t>
-            </a:r>
-            <a:br>
-              <a:rPr lang="en-US" sz="2400" dirty="0" smtClean="0">
+              <a:t>int</a:t>
+            </a:r>
+            <a:r>
+              <a:rPr lang="en-US" sz="2400" dirty="0">
                 <a:latin typeface="Courier New" panose="02070309020205020404" pitchFamily="49" charset="0"/>
                 <a:cs typeface="Courier New" panose="02070309020205020404" pitchFamily="49" charset="0"/>
               </a:rPr>
-            </a:br>
-            <a:r>
-              <a:rPr lang="en-US" sz="2400" dirty="0" smtClean="0">
+              <a:t> x;</a:t>
+            </a:r>
+            <a:br>
+              <a:rPr lang="en-US" sz="2400" dirty="0">
                 <a:latin typeface="Courier New" panose="02070309020205020404" pitchFamily="49" charset="0"/>
                 <a:cs typeface="Courier New" panose="02070309020205020404" pitchFamily="49" charset="0"/>
               </a:rPr>
-              <a:t>    </a:t>
-            </a:r>
-            <a:r>
-              <a:rPr lang="en-US" sz="2400" dirty="0" err="1" smtClean="0">
+            </a:br>
+            <a:r>
+              <a:rPr lang="en-US" sz="2400" dirty="0">
                 <a:latin typeface="Courier New" panose="02070309020205020404" pitchFamily="49" charset="0"/>
                 <a:cs typeface="Courier New" panose="02070309020205020404" pitchFamily="49" charset="0"/>
               </a:rPr>
-              <a:t>int</a:t>
-            </a:r>
-            <a:r>
-              <a:rPr lang="en-US" sz="2400" dirty="0" smtClean="0">
+              <a:t>    </a:t>
+            </a:r>
+            <a:r>
+              <a:rPr lang="en-US" sz="2400" dirty="0" err="1">
                 <a:latin typeface="Courier New" panose="02070309020205020404" pitchFamily="49" charset="0"/>
                 <a:cs typeface="Courier New" panose="02070309020205020404" pitchFamily="49" charset="0"/>
               </a:rPr>
-              <a:t> y;</a:t>
-            </a:r>
-            <a:br>
-              <a:rPr lang="en-US" sz="2400" dirty="0" smtClean="0">
+              <a:t>int</a:t>
+            </a:r>
+            <a:r>
+              <a:rPr lang="en-US" sz="2400" dirty="0">
                 <a:latin typeface="Courier New" panose="02070309020205020404" pitchFamily="49" charset="0"/>
                 <a:cs typeface="Courier New" panose="02070309020205020404" pitchFamily="49" charset="0"/>
               </a:rPr>
+              <a:t> y;</a:t>
+            </a:r>
+            <a:br>
+              <a:rPr lang="en-US" sz="2400" dirty="0">
+                <a:latin typeface="Courier New" panose="02070309020205020404" pitchFamily="49" charset="0"/>
+                <a:cs typeface="Courier New" panose="02070309020205020404" pitchFamily="49" charset="0"/>
+              </a:rPr>
             </a:br>
             <a:r>
-              <a:rPr lang="en-US" sz="2400" dirty="0" smtClean="0">
+              <a:rPr lang="en-US" sz="2400" dirty="0">
                 <a:latin typeface="Courier New" panose="02070309020205020404" pitchFamily="49" charset="0"/>
                 <a:cs typeface="Courier New" panose="02070309020205020404" pitchFamily="49" charset="0"/>
               </a:rPr>
@@ -3932,20 +3902,19 @@
           <a:lstStyle/>
           <a:p>
             <a:r>
-              <a:rPr lang="en-US" sz="2400" dirty="0" smtClean="0"/>
+              <a:rPr lang="en-US" sz="2400" dirty="0"/>
               <a:t>The </a:t>
             </a:r>
             <a:r>
-              <a:rPr lang="en-US" sz="2400" b="1" i="1" dirty="0" err="1" smtClean="0">
+              <a:rPr lang="en-US" sz="2400" b="1" i="1" dirty="0" err="1">
                 <a:latin typeface="+mj-lt"/>
               </a:rPr>
               <a:t>rvalue</a:t>
             </a:r>
             <a:r>
-              <a:rPr lang="en-US" sz="2400" dirty="0" smtClean="0"/>
+              <a:rPr lang="en-US" sz="2400" dirty="0"/>
               <a:t> of the assignment operator is the value that got put into the variable on it’s left.</a:t>
             </a:r>
-            <a:endParaRPr lang="en-US" sz="2400" dirty="0"/>
           </a:p>
         </p:txBody>
       </p:sp>
@@ -4330,11 +4299,11 @@
           <a:lstStyle/>
           <a:p>
             <a:r>
-              <a:rPr lang="en-US" dirty="0" smtClean="0"/>
+              <a:rPr lang="en-US" dirty="0"/>
               <a:t>Typical usage in </a:t>
             </a:r>
             <a:r>
-              <a:rPr lang="en-US" b="1" dirty="0" smtClean="0">
+              <a:rPr lang="en-US" b="1" dirty="0">
                 <a:solidFill>
                   <a:schemeClr val="accent5"/>
                 </a:solidFill>
@@ -4342,10 +4311,9 @@
               <a:t>assignment</a:t>
             </a:r>
             <a:r>
-              <a:rPr lang="en-US" dirty="0" smtClean="0"/>
+              <a:rPr lang="en-US" dirty="0"/>
               <a:t> statements</a:t>
             </a:r>
-            <a:endParaRPr lang="en-US" dirty="0"/>
           </a:p>
         </p:txBody>
       </p:sp>
@@ -4370,68 +4338,68 @@
               <a:buNone/>
             </a:pPr>
             <a:r>
-              <a:rPr lang="en-US" sz="2000" dirty="0" smtClean="0">
+              <a:rPr lang="en-US" sz="2000" dirty="0">
                 <a:latin typeface="Courier New" panose="02070309020205020404" pitchFamily="49" charset="0"/>
                 <a:cs typeface="Courier New" panose="02070309020205020404" pitchFamily="49" charset="0"/>
               </a:rPr>
               <a:t>void main(){</a:t>
             </a:r>
             <a:br>
-              <a:rPr lang="en-US" sz="2000" dirty="0" smtClean="0">
+              <a:rPr lang="en-US" sz="2000" dirty="0">
                 <a:latin typeface="Courier New" panose="02070309020205020404" pitchFamily="49" charset="0"/>
                 <a:cs typeface="Courier New" panose="02070309020205020404" pitchFamily="49" charset="0"/>
               </a:rPr>
             </a:br>
             <a:r>
-              <a:rPr lang="en-US" sz="2000" dirty="0" smtClean="0">
+              <a:rPr lang="en-US" sz="2000" dirty="0">
                 <a:latin typeface="Courier New" panose="02070309020205020404" pitchFamily="49" charset="0"/>
                 <a:cs typeface="Courier New" panose="02070309020205020404" pitchFamily="49" charset="0"/>
               </a:rPr>
               <a:t>    </a:t>
             </a:r>
             <a:r>
-              <a:rPr lang="en-US" sz="2000" dirty="0" err="1" smtClean="0">
+              <a:rPr lang="en-US" sz="2000" dirty="0" err="1">
                 <a:latin typeface="Courier New" panose="02070309020205020404" pitchFamily="49" charset="0"/>
                 <a:cs typeface="Courier New" panose="02070309020205020404" pitchFamily="49" charset="0"/>
               </a:rPr>
               <a:t>int</a:t>
             </a:r>
             <a:r>
-              <a:rPr lang="en-US" sz="2000" dirty="0" smtClean="0">
+              <a:rPr lang="en-US" sz="2000" dirty="0">
                 <a:latin typeface="Courier New" panose="02070309020205020404" pitchFamily="49" charset="0"/>
                 <a:cs typeface="Courier New" panose="02070309020205020404" pitchFamily="49" charset="0"/>
               </a:rPr>
               <a:t> x;      </a:t>
             </a:r>
             <a:r>
-              <a:rPr lang="en-US" sz="2000" dirty="0" err="1" smtClean="0">
+              <a:rPr lang="en-US" sz="2000" dirty="0" err="1">
                 <a:latin typeface="Courier New" panose="02070309020205020404" pitchFamily="49" charset="0"/>
                 <a:cs typeface="Courier New" panose="02070309020205020404" pitchFamily="49" charset="0"/>
               </a:rPr>
               <a:t>int</a:t>
             </a:r>
             <a:r>
-              <a:rPr lang="en-US" sz="2000" dirty="0" smtClean="0">
+              <a:rPr lang="en-US" sz="2000" dirty="0">
                 <a:latin typeface="Courier New" panose="02070309020205020404" pitchFamily="49" charset="0"/>
                 <a:cs typeface="Courier New" panose="02070309020205020404" pitchFamily="49" charset="0"/>
               </a:rPr>
               <a:t> y=42;      float z=9.81; // variables</a:t>
             </a:r>
             <a:br>
-              <a:rPr lang="en-US" sz="2000" dirty="0" smtClean="0">
+              <a:rPr lang="en-US" sz="2000" dirty="0">
                 <a:latin typeface="Courier New" panose="02070309020205020404" pitchFamily="49" charset="0"/>
                 <a:cs typeface="Courier New" panose="02070309020205020404" pitchFamily="49" charset="0"/>
               </a:rPr>
             </a:br>
             <a:r>
-              <a:rPr lang="en-US" sz="2000" dirty="0" smtClean="0">
+              <a:rPr lang="en-US" sz="2000" dirty="0">
                 <a:latin typeface="Courier New" panose="02070309020205020404" pitchFamily="49" charset="0"/>
                 <a:cs typeface="Courier New" panose="02070309020205020404" pitchFamily="49" charset="0"/>
               </a:rPr>
               <a:t>    x</a:t>
             </a:r>
             <a:r>
-              <a:rPr lang="en-US" sz="2000" b="1" dirty="0" smtClean="0">
+              <a:rPr lang="en-US" sz="2000" b="1" dirty="0">
                 <a:solidFill>
                   <a:schemeClr val="accent5"/>
                 </a:solidFill>
@@ -4441,27 +4409,27 @@
               <a:t> = </a:t>
             </a:r>
             <a:r>
-              <a:rPr lang="en-US" sz="2000" dirty="0" smtClean="0">
+              <a:rPr lang="en-US" sz="2000" dirty="0">
                 <a:latin typeface="Courier New" panose="02070309020205020404" pitchFamily="49" charset="0"/>
                 <a:cs typeface="Courier New" panose="02070309020205020404" pitchFamily="49" charset="0"/>
               </a:rPr>
               <a:t>100;</a:t>
             </a:r>
             <a:br>
-              <a:rPr lang="en-US" sz="2000" dirty="0" smtClean="0">
+              <a:rPr lang="en-US" sz="2000" dirty="0">
                 <a:latin typeface="Courier New" panose="02070309020205020404" pitchFamily="49" charset="0"/>
                 <a:cs typeface="Courier New" panose="02070309020205020404" pitchFamily="49" charset="0"/>
               </a:rPr>
             </a:br>
             <a:r>
-              <a:rPr lang="en-US" sz="2000" dirty="0" smtClean="0">
+              <a:rPr lang="en-US" sz="2000" dirty="0">
                 <a:latin typeface="Courier New" panose="02070309020205020404" pitchFamily="49" charset="0"/>
                 <a:cs typeface="Courier New" panose="02070309020205020404" pitchFamily="49" charset="0"/>
               </a:rPr>
               <a:t>    x </a:t>
             </a:r>
             <a:r>
-              <a:rPr lang="en-US" sz="2000" b="1" dirty="0" smtClean="0">
+              <a:rPr lang="en-US" sz="2000" b="1" dirty="0">
                 <a:solidFill>
                   <a:schemeClr val="accent5"/>
                 </a:solidFill>
@@ -4471,7 +4439,7 @@
               <a:t>=</a:t>
             </a:r>
             <a:r>
-              <a:rPr lang="en-US" sz="2000" dirty="0" smtClean="0">
+              <a:rPr lang="en-US" sz="2000" dirty="0">
                 <a:latin typeface="Courier New" panose="02070309020205020404" pitchFamily="49" charset="0"/>
                 <a:cs typeface="Courier New" panose="02070309020205020404" pitchFamily="49" charset="0"/>
               </a:rPr>
@@ -4487,23 +4455,16 @@
                 <a:latin typeface="Courier New" panose="02070309020205020404" pitchFamily="49" charset="0"/>
                 <a:cs typeface="Courier New" panose="02070309020205020404" pitchFamily="49" charset="0"/>
               </a:rPr>
-              <a:t>	</a:t>
-            </a:r>
-            <a:r>
-              <a:rPr lang="en-US" sz="2000" dirty="0" smtClean="0">
+              <a:t>			      // numbers starting with 0x -- hexadecimal</a:t>
+            </a:r>
+            <a:br>
+              <a:rPr lang="en-US" sz="2000" dirty="0">
                 <a:latin typeface="Courier New" panose="02070309020205020404" pitchFamily="49" charset="0"/>
                 <a:cs typeface="Courier New" panose="02070309020205020404" pitchFamily="49" charset="0"/>
               </a:rPr>
-              <a:t>		      // numbers starting with 0x -- hexadecimal</a:t>
-            </a:r>
-            <a:br>
-              <a:rPr lang="en-US" sz="2000" dirty="0" smtClean="0">
-                <a:latin typeface="Courier New" panose="02070309020205020404" pitchFamily="49" charset="0"/>
-                <a:cs typeface="Courier New" panose="02070309020205020404" pitchFamily="49" charset="0"/>
-              </a:rPr>
             </a:br>
             <a:r>
-              <a:rPr lang="en-US" sz="2000" dirty="0" smtClean="0">
+              <a:rPr lang="en-US" sz="2000" dirty="0">
                 <a:latin typeface="Courier New" panose="02070309020205020404" pitchFamily="49" charset="0"/>
                 <a:cs typeface="Courier New" panose="02070309020205020404" pitchFamily="49" charset="0"/>
               </a:rPr>
@@ -4519,17 +4480,10 @@
                 <a:latin typeface="Courier New" panose="02070309020205020404" pitchFamily="49" charset="0"/>
                 <a:cs typeface="Courier New" panose="02070309020205020404" pitchFamily="49" charset="0"/>
               </a:rPr>
-              <a:t> </a:t>
-            </a:r>
-            <a:r>
-              <a:rPr lang="en-US" sz="2000" dirty="0" smtClean="0">
-                <a:latin typeface="Courier New" panose="02070309020205020404" pitchFamily="49" charset="0"/>
-                <a:cs typeface="Courier New" panose="02070309020205020404" pitchFamily="49" charset="0"/>
-              </a:rPr>
-              <a:t>   x = </a:t>
-            </a:r>
-            <a:r>
-              <a:rPr lang="en-US" sz="2000" b="1" dirty="0" smtClean="0">
+              <a:t>    x = </a:t>
+            </a:r>
+            <a:r>
+              <a:rPr lang="en-US" sz="2000" b="1" dirty="0">
                 <a:solidFill>
                   <a:schemeClr val="accent4">
                     <a:lumMod val="50000"/>
@@ -4541,7 +4495,7 @@
               <a:t>(</a:t>
             </a:r>
             <a:r>
-              <a:rPr lang="en-US" sz="2000" b="1" dirty="0" err="1" smtClean="0">
+              <a:rPr lang="en-US" sz="2000" b="1" dirty="0" err="1">
                 <a:solidFill>
                   <a:schemeClr val="accent4">
                     <a:lumMod val="50000"/>
@@ -4553,7 +4507,7 @@
               <a:t>int</a:t>
             </a:r>
             <a:r>
-              <a:rPr lang="en-US" sz="2000" b="1" dirty="0" smtClean="0">
+              <a:rPr lang="en-US" sz="2000" b="1" dirty="0">
                 <a:solidFill>
                   <a:schemeClr val="accent4">
                     <a:lumMod val="50000"/>
@@ -4565,14 +4519,14 @@
               <a:t> ) </a:t>
             </a:r>
             <a:r>
-              <a:rPr lang="en-US" sz="2000" dirty="0" smtClean="0">
+              <a:rPr lang="en-US" sz="2000" dirty="0">
                 <a:latin typeface="Courier New" panose="02070309020205020404" pitchFamily="49" charset="0"/>
                 <a:cs typeface="Courier New" panose="02070309020205020404" pitchFamily="49" charset="0"/>
               </a:rPr>
               <a:t>1.5;     // x gets 1  </a:t>
             </a:r>
             <a:r>
-              <a:rPr lang="en-US" sz="2000" b="1" dirty="0" smtClean="0">
+              <a:rPr lang="en-US" sz="2000" b="1" dirty="0">
                 <a:solidFill>
                   <a:schemeClr val="accent4">
                     <a:lumMod val="50000"/>
@@ -4584,7 +4538,7 @@
               <a:t>- </a:t>
             </a:r>
             <a:r>
-              <a:rPr lang="en-US" sz="2000" b="1" dirty="0" smtClean="0">
+              <a:rPr lang="en-US" sz="2000" b="1" dirty="0">
                 <a:solidFill>
                   <a:schemeClr val="accent4">
                     <a:lumMod val="50000"/>
@@ -4604,17 +4558,10 @@
                 <a:latin typeface="Courier New" panose="02070309020205020404" pitchFamily="49" charset="0"/>
                 <a:cs typeface="Courier New" panose="02070309020205020404" pitchFamily="49" charset="0"/>
               </a:rPr>
-              <a:t> </a:t>
-            </a:r>
-            <a:r>
-              <a:rPr lang="en-US" sz="2000" dirty="0" smtClean="0">
-                <a:latin typeface="Courier New" panose="02070309020205020404" pitchFamily="49" charset="0"/>
-                <a:cs typeface="Courier New" panose="02070309020205020404" pitchFamily="49" charset="0"/>
-              </a:rPr>
-              <a:t>   x = </a:t>
-            </a:r>
-            <a:r>
-              <a:rPr lang="en-US" sz="2000" b="1" dirty="0" smtClean="0">
+              <a:t>    x = </a:t>
+            </a:r>
+            <a:r>
+              <a:rPr lang="en-US" sz="2000" b="1" dirty="0">
                 <a:solidFill>
                   <a:schemeClr val="accent4">
                     <a:lumMod val="50000"/>
@@ -4626,7 +4573,7 @@
               <a:t>(</a:t>
             </a:r>
             <a:r>
-              <a:rPr lang="en-US" sz="2000" b="1" dirty="0" err="1" smtClean="0">
+              <a:rPr lang="en-US" sz="2000" b="1" dirty="0" err="1">
                 <a:solidFill>
                   <a:schemeClr val="accent4">
                     <a:lumMod val="50000"/>
@@ -4638,7 +4585,7 @@
               <a:t>int</a:t>
             </a:r>
             <a:r>
-              <a:rPr lang="en-US" sz="2000" b="1" dirty="0" smtClean="0">
+              <a:rPr lang="en-US" sz="2000" b="1" dirty="0">
                 <a:solidFill>
                   <a:schemeClr val="accent4">
                     <a:lumMod val="50000"/>
@@ -4650,14 +4597,14 @@
               <a:t> ) </a:t>
             </a:r>
             <a:r>
-              <a:rPr lang="en-US" sz="2000" dirty="0" smtClean="0">
+              <a:rPr lang="en-US" sz="2000" dirty="0">
                 <a:latin typeface="Courier New" panose="02070309020205020404" pitchFamily="49" charset="0"/>
                 <a:cs typeface="Courier New" panose="02070309020205020404" pitchFamily="49" charset="0"/>
               </a:rPr>
               <a:t>z ;      // x gets 9  </a:t>
             </a:r>
             <a:r>
-              <a:rPr lang="en-US" sz="2000" b="1" dirty="0" smtClean="0">
+              <a:rPr lang="en-US" sz="2000" b="1" dirty="0">
                 <a:solidFill>
                   <a:schemeClr val="accent4">
                     <a:lumMod val="50000"/>
@@ -4669,7 +4616,7 @@
               <a:t>- </a:t>
             </a:r>
             <a:r>
-              <a:rPr lang="en-US" sz="2000" b="1" dirty="0" smtClean="0">
+              <a:rPr lang="en-US" sz="2000" b="1" dirty="0">
                 <a:solidFill>
                   <a:schemeClr val="accent4">
                     <a:lumMod val="50000"/>
@@ -4689,17 +4636,10 @@
                 <a:latin typeface="Courier New" panose="02070309020205020404" pitchFamily="49" charset="0"/>
                 <a:cs typeface="Courier New" panose="02070309020205020404" pitchFamily="49" charset="0"/>
               </a:rPr>
-              <a:t> </a:t>
-            </a:r>
-            <a:r>
-              <a:rPr lang="en-US" sz="2000" dirty="0" smtClean="0">
-                <a:latin typeface="Courier New" panose="02070309020205020404" pitchFamily="49" charset="0"/>
-                <a:cs typeface="Courier New" panose="02070309020205020404" pitchFamily="49" charset="0"/>
-              </a:rPr>
-              <a:t>   x = z   ;           // works the same – </a:t>
-            </a:r>
-            <a:r>
-              <a:rPr lang="en-US" sz="2000" b="1" dirty="0" smtClean="0">
+              <a:t>    x = z   ;           // works the same – </a:t>
+            </a:r>
+            <a:r>
+              <a:rPr lang="en-US" sz="2000" b="1" dirty="0">
                 <a:solidFill>
                   <a:schemeClr val="accent2"/>
                 </a:solidFill>
@@ -4717,14 +4657,7 @@
                 <a:latin typeface="Courier New" panose="02070309020205020404" pitchFamily="49" charset="0"/>
                 <a:cs typeface="Courier New" panose="02070309020205020404" pitchFamily="49" charset="0"/>
               </a:rPr>
-              <a:t> </a:t>
-            </a:r>
-            <a:r>
-              <a:rPr lang="en-US" sz="2000" dirty="0" smtClean="0">
-                <a:latin typeface="Courier New" panose="02070309020205020404" pitchFamily="49" charset="0"/>
-                <a:cs typeface="Courier New" panose="02070309020205020404" pitchFamily="49" charset="0"/>
-              </a:rPr>
-              <a:t>   z = 1.5;</a:t>
+              <a:t>    z = 1.5;</a:t>
             </a:r>
           </a:p>
           <a:p>
@@ -4736,14 +4669,7 @@
                 <a:latin typeface="Courier New" panose="02070309020205020404" pitchFamily="49" charset="0"/>
                 <a:cs typeface="Courier New" panose="02070309020205020404" pitchFamily="49" charset="0"/>
               </a:rPr>
-              <a:t> </a:t>
-            </a:r>
-            <a:r>
-              <a:rPr lang="en-US" sz="2000" dirty="0" smtClean="0">
-                <a:latin typeface="Courier New" panose="02070309020205020404" pitchFamily="49" charset="0"/>
-                <a:cs typeface="Courier New" panose="02070309020205020404" pitchFamily="49" charset="0"/>
-              </a:rPr>
-              <a:t>   z = x = z ;         // What is z now ? </a:t>
+              <a:t>    z = x = z ;         // What is z now ? </a:t>
             </a:r>
           </a:p>
           <a:p>
@@ -4751,16 +4677,12 @@
               <a:buNone/>
             </a:pPr>
             <a:r>
-              <a:rPr lang="en-US" sz="2000" dirty="0" smtClean="0">
+              <a:rPr lang="en-US" sz="2000" dirty="0">
                 <a:latin typeface="Courier New" panose="02070309020205020404" pitchFamily="49" charset="0"/>
                 <a:cs typeface="Courier New" panose="02070309020205020404" pitchFamily="49" charset="0"/>
               </a:rPr>
               <a:t>}    </a:t>
             </a:r>
-            <a:endParaRPr lang="en-US" sz="2000" dirty="0">
-              <a:latin typeface="Courier New" panose="02070309020205020404" pitchFamily="49" charset="0"/>
-              <a:cs typeface="Courier New" panose="02070309020205020404" pitchFamily="49" charset="0"/>
-            </a:endParaRPr>
           </a:p>
         </p:txBody>
       </p:sp>
@@ -4858,7 +4780,7 @@
           <a:p>
             <a:pPr algn="ctr"/>
             <a:r>
-              <a:rPr lang="en-US" sz="3200" b="1" dirty="0" smtClean="0">
+              <a:rPr lang="en-US" sz="3200" b="1" dirty="0">
                 <a:solidFill>
                   <a:schemeClr val="tx1"/>
                 </a:solidFill>
@@ -4997,10 +4919,9 @@
           <a:lstStyle/>
           <a:p>
             <a:r>
-              <a:rPr lang="en-US" dirty="0" smtClean="0"/>
+              <a:rPr lang="en-US" dirty="0"/>
               <a:t>Basic Numerical Operators and Expressions</a:t>
             </a:r>
-            <a:endParaRPr lang="en-US" dirty="0"/>
           </a:p>
         </p:txBody>
       </p:sp>
@@ -5022,7 +4943,7 @@
           <a:lstStyle/>
           <a:p>
             <a:r>
-              <a:rPr lang="en-US" dirty="0" smtClean="0"/>
+              <a:rPr lang="en-US" dirty="0"/>
               <a:t>INTEGER OPERATORS</a:t>
             </a:r>
           </a:p>
@@ -5031,23 +4952,23 @@
               <a:buNone/>
             </a:pPr>
             <a:r>
-              <a:rPr lang="en-US" sz="2800" dirty="0" smtClean="0"/>
+              <a:rPr lang="en-US" sz="2800" dirty="0"/>
               <a:t>+   -  *  /  %                  - (</a:t>
             </a:r>
             <a:r>
-              <a:rPr lang="en-US" sz="2800" i="1" dirty="0" smtClean="0">
+              <a:rPr lang="en-US" sz="2800" i="1" dirty="0">
                 <a:latin typeface="Garamond" panose="02020404030301010803" pitchFamily="18" charset="0"/>
               </a:rPr>
               <a:t>minus</a:t>
             </a:r>
             <a:r>
-              <a:rPr lang="en-US" sz="2800" dirty="0" smtClean="0"/>
+              <a:rPr lang="en-US" sz="2800" dirty="0"/>
               <a:t>) is also a unary operator</a:t>
             </a:r>
           </a:p>
           <a:p>
             <a:r>
-              <a:rPr lang="en-US" dirty="0" smtClean="0"/>
+              <a:rPr lang="en-US" dirty="0"/>
               <a:t>FLOATING POINT OPERATORS</a:t>
             </a:r>
           </a:p>
@@ -5057,11 +4978,7 @@
             </a:pPr>
             <a:r>
               <a:rPr lang="en-US" dirty="0"/>
-              <a:t> </a:t>
-            </a:r>
-            <a:r>
-              <a:rPr lang="en-US" dirty="0" smtClean="0"/>
-              <a:t>     +  -   *  /  </a:t>
+              <a:t>      +  -   *  /  </a:t>
             </a:r>
           </a:p>
           <a:p>
@@ -5069,11 +4986,11 @@
               <a:buNone/>
             </a:pPr>
             <a:r>
-              <a:rPr lang="en-US" dirty="0" smtClean="0"/>
+              <a:rPr lang="en-US" dirty="0"/>
               <a:t>But they behave a bit differently, </a:t>
             </a:r>
             <a:r>
-              <a:rPr lang="en-US" b="1" dirty="0" smtClean="0">
+              <a:rPr lang="en-US" b="1" dirty="0">
                 <a:solidFill>
                   <a:schemeClr val="accent2"/>
                 </a:solidFill>
@@ -5081,7 +4998,7 @@
               <a:t>so be careful</a:t>
             </a:r>
             <a:r>
-              <a:rPr lang="en-US" dirty="0" smtClean="0"/>
+              <a:rPr lang="en-US" dirty="0"/>
               <a:t>:</a:t>
             </a:r>
           </a:p>
@@ -5091,11 +5008,7 @@
             </a:pPr>
             <a:r>
               <a:rPr lang="en-US" dirty="0"/>
-              <a:t> </a:t>
-            </a:r>
-            <a:r>
-              <a:rPr lang="en-US" dirty="0" smtClean="0"/>
-              <a:t>      the expression   6.8 / 2   evaluates to  3.4 </a:t>
+              <a:t>       the expression   6.8 / 2   evaluates to  3.4 </a:t>
             </a:r>
           </a:p>
           <a:p>
@@ -5104,11 +5017,7 @@
             </a:pPr>
             <a:r>
               <a:rPr lang="en-US" dirty="0"/>
-              <a:t> </a:t>
-            </a:r>
-            <a:r>
-              <a:rPr lang="en-US" dirty="0" smtClean="0"/>
-              <a:t>      the expression   6 / 2      evaluates to  3</a:t>
+              <a:t>       the expression   6 / 2      evaluates to  3</a:t>
             </a:r>
           </a:p>
           <a:p>
@@ -5117,16 +5026,12 @@
             </a:pPr>
             <a:r>
               <a:rPr lang="en-US" dirty="0"/>
-              <a:t> </a:t>
-            </a:r>
-            <a:r>
-              <a:rPr lang="en-US" dirty="0" smtClean="0"/>
-              <a:t>      the expression   7 / 2      evaluates to  3        </a:t>
-            </a:r>
-          </a:p>
-          <a:p>
-            <a:r>
-              <a:rPr lang="en-US" dirty="0" smtClean="0"/>
+              <a:t>       the expression   7 / 2      evaluates to  3        </a:t>
+            </a:r>
+          </a:p>
+          <a:p>
+            <a:r>
+              <a:rPr lang="en-US" dirty="0"/>
               <a:t>How does the program decide integer division or real number division ?</a:t>
             </a:r>
           </a:p>
@@ -5226,7 +5131,7 @@
           <a:p>
             <a:pPr algn="ctr"/>
             <a:r>
-              <a:rPr lang="en-US" sz="3200" b="1" dirty="0" smtClean="0">
+              <a:rPr lang="en-US" sz="3200" b="1" dirty="0">
                 <a:solidFill>
                   <a:schemeClr val="tx1"/>
                 </a:solidFill>
@@ -5265,15 +5170,15 @@
           <a:p>
             <a:pPr marL="0" lvl="1"/>
             <a:r>
-              <a:rPr lang="en-US" sz="2800" u="sng" dirty="0" err="1" smtClean="0"/>
+              <a:rPr lang="en-US" sz="2800" u="sng" dirty="0" err="1"/>
               <a:t>Ans</a:t>
             </a:r>
             <a:r>
-              <a:rPr lang="en-US" sz="2800" dirty="0" smtClean="0"/>
+              <a:rPr lang="en-US" sz="2800" dirty="0"/>
               <a:t> : Based on the </a:t>
             </a:r>
             <a:r>
-              <a:rPr lang="en-US" sz="2800" b="1" dirty="0" smtClean="0">
+              <a:rPr lang="en-US" sz="2800" b="1" dirty="0">
                 <a:solidFill>
                   <a:schemeClr val="accent2"/>
                 </a:solidFill>
@@ -5281,7 +5186,7 @@
               <a:t>operand types</a:t>
             </a:r>
             <a:r>
-              <a:rPr lang="en-US" sz="2800" dirty="0" smtClean="0"/>
+              <a:rPr lang="en-US" sz="2800" dirty="0"/>
               <a:t>!</a:t>
             </a:r>
           </a:p>
@@ -5457,14 +5362,13 @@
           <a:lstStyle/>
           <a:p>
             <a:r>
-              <a:rPr lang="en-US" dirty="0" smtClean="0"/>
+              <a:rPr lang="en-US" dirty="0"/>
               <a:t>A word about variable and function </a:t>
             </a:r>
             <a:r>
-              <a:rPr lang="en-US" b="1" u="sng" dirty="0" smtClean="0"/>
+              <a:rPr lang="en-US" b="1" u="sng" dirty="0"/>
               <a:t>names</a:t>
             </a:r>
-            <a:endParaRPr lang="en-US" b="1" u="sng" dirty="0"/>
           </a:p>
         </p:txBody>
       </p:sp>
@@ -5486,50 +5390,50 @@
           <a:lstStyle/>
           <a:p>
             <a:r>
-              <a:rPr lang="en-US" dirty="0" smtClean="0"/>
+              <a:rPr lang="en-US" dirty="0"/>
               <a:t>The names are also called </a:t>
             </a:r>
             <a:r>
-              <a:rPr lang="en-US" b="1" u="sng" dirty="0" smtClean="0"/>
+              <a:rPr lang="en-US" b="1" u="sng" dirty="0"/>
               <a:t>identifiers</a:t>
             </a:r>
             <a:r>
-              <a:rPr lang="en-US" dirty="0" smtClean="0"/>
+              <a:rPr lang="en-US" dirty="0"/>
               <a:t>.</a:t>
             </a:r>
           </a:p>
           <a:p>
             <a:r>
-              <a:rPr lang="en-US" dirty="0" smtClean="0"/>
+              <a:rPr lang="en-US" dirty="0"/>
               <a:t>All identifiers in C must use only characters which are</a:t>
             </a:r>
           </a:p>
           <a:p>
             <a:pPr lvl="1"/>
             <a:r>
-              <a:rPr lang="en-US" dirty="0" smtClean="0"/>
+              <a:rPr lang="en-US" dirty="0"/>
               <a:t>Alphabets</a:t>
             </a:r>
           </a:p>
           <a:p>
             <a:pPr lvl="1"/>
             <a:r>
-              <a:rPr lang="en-US" dirty="0" smtClean="0"/>
+              <a:rPr lang="en-US" dirty="0"/>
               <a:t>Numerals</a:t>
             </a:r>
           </a:p>
           <a:p>
             <a:pPr lvl="1"/>
             <a:r>
-              <a:rPr lang="en-US" dirty="0" smtClean="0"/>
+              <a:rPr lang="en-US" dirty="0"/>
               <a:t>The </a:t>
             </a:r>
             <a:r>
-              <a:rPr lang="en-US" b="1" dirty="0" smtClean="0"/>
+              <a:rPr lang="en-US" b="1" dirty="0"/>
               <a:t>underscore   _                </a:t>
             </a:r>
             <a:r>
-              <a:rPr lang="en-US" b="1" dirty="0" smtClean="0">
+              <a:rPr lang="en-US" b="1" dirty="0">
                 <a:solidFill>
                   <a:srgbClr val="FF0000"/>
                 </a:solidFill>
@@ -5537,7 +5441,7 @@
               <a:t>! </a:t>
             </a:r>
             <a:r>
-              <a:rPr lang="en-US" b="1" i="1" dirty="0" smtClean="0">
+              <a:rPr lang="en-US" b="1" i="1" dirty="0">
                 <a:solidFill>
                   <a:srgbClr val="FF0000"/>
                 </a:solidFill>
@@ -5547,36 +5451,8 @@
           </a:p>
           <a:p>
             <a:r>
-              <a:rPr lang="en-US" dirty="0" smtClean="0"/>
+              <a:rPr lang="en-US" dirty="0"/>
               <a:t>Identifier names must not start with a numeral.</a:t>
-            </a:r>
-          </a:p>
-          <a:p>
-            <a:r>
-              <a:rPr lang="en-US" i="1" dirty="0" smtClean="0">
-                <a:latin typeface="Garamond" panose="02020404030301010803" pitchFamily="18" charset="0"/>
-              </a:rPr>
-              <a:t>Valid</a:t>
-            </a:r>
-            <a:r>
-              <a:rPr lang="en-US" dirty="0" smtClean="0"/>
-              <a:t>:  x     y1     </a:t>
-            </a:r>
-            <a:r>
-              <a:rPr lang="en-US" dirty="0" err="1" smtClean="0"/>
-              <a:t>Add_nums</a:t>
-            </a:r>
-            <a:r>
-              <a:rPr lang="en-US" dirty="0" smtClean="0"/>
-              <a:t>    _</a:t>
-            </a:r>
-            <a:r>
-              <a:rPr lang="en-US" dirty="0" err="1" smtClean="0"/>
-              <a:t>helpme</a:t>
-            </a:r>
-            <a:r>
-              <a:rPr lang="en-US" dirty="0" smtClean="0"/>
-              <a:t>         (we’ll avoid starting with underscore, stick to lowercase mostly)</a:t>
             </a:r>
           </a:p>
           <a:p>
@@ -5584,14 +5460,42 @@
               <a:rPr lang="en-US" i="1" dirty="0">
                 <a:latin typeface="Garamond" panose="02020404030301010803" pitchFamily="18" charset="0"/>
               </a:rPr>
+              <a:t>Valid</a:t>
+            </a:r>
+            <a:r>
+              <a:rPr lang="en-US" dirty="0"/>
+              <a:t>:  x     y1     </a:t>
+            </a:r>
+            <a:r>
+              <a:rPr lang="en-US" dirty="0" err="1"/>
+              <a:t>Add_nums</a:t>
+            </a:r>
+            <a:r>
+              <a:rPr lang="en-US" dirty="0"/>
+              <a:t>    _</a:t>
+            </a:r>
+            <a:r>
+              <a:rPr lang="en-US" dirty="0" err="1"/>
+              <a:t>helpme</a:t>
+            </a:r>
+            <a:r>
+              <a:rPr lang="en-US" dirty="0"/>
+              <a:t>         (we’ll avoid starting with underscore, stick to lowercase mostly)</a:t>
+            </a:r>
+          </a:p>
+          <a:p>
+            <a:r>
+              <a:rPr lang="en-US" i="1" dirty="0">
+                <a:latin typeface="Garamond" panose="02020404030301010803" pitchFamily="18" charset="0"/>
+              </a:rPr>
               <a:t>Invalid</a:t>
             </a:r>
             <a:r>
-              <a:rPr lang="en-US" dirty="0" smtClean="0"/>
+              <a:rPr lang="en-US" dirty="0"/>
               <a:t>: </a:t>
             </a:r>
             <a:r>
-              <a:rPr lang="en-US" dirty="0" smtClean="0">
+              <a:rPr lang="en-US" dirty="0">
                 <a:solidFill>
                   <a:srgbClr val="FF0000"/>
                 </a:solidFill>
@@ -5599,11 +5503,11 @@
               <a:t>1</a:t>
             </a:r>
             <a:r>
-              <a:rPr lang="en-US" dirty="0" smtClean="0"/>
+              <a:rPr lang="en-US" dirty="0"/>
               <a:t>x   y</a:t>
             </a:r>
             <a:r>
-              <a:rPr lang="en-US" dirty="0" smtClean="0">
+              <a:rPr lang="en-US" dirty="0">
                 <a:solidFill>
                   <a:srgbClr val="FF0000"/>
                 </a:solidFill>
@@ -5611,11 +5515,11 @@
               <a:t>@</a:t>
             </a:r>
             <a:r>
-              <a:rPr lang="en-US" dirty="0" smtClean="0"/>
+              <a:rPr lang="en-US" dirty="0"/>
               <a:t>1  Add</a:t>
             </a:r>
             <a:r>
-              <a:rPr lang="en-US" b="1" dirty="0" smtClean="0">
+              <a:rPr lang="en-US" b="1" dirty="0">
                 <a:solidFill>
                   <a:srgbClr val="FF0000"/>
                 </a:solidFill>
@@ -5623,28 +5527,28 @@
               <a:t>-</a:t>
             </a:r>
             <a:r>
-              <a:rPr lang="en-US" dirty="0" err="1" smtClean="0"/>
+              <a:rPr lang="en-US" dirty="0" err="1"/>
               <a:t>nums</a:t>
             </a:r>
-            <a:endParaRPr lang="en-US" dirty="0" smtClean="0"/>
-          </a:p>
-          <a:p>
-            <a:r>
-              <a:rPr lang="en-US" dirty="0" smtClean="0"/>
+            <a:endParaRPr lang="en-US" dirty="0"/>
+          </a:p>
+          <a:p>
+            <a:r>
+              <a:rPr lang="en-US" dirty="0"/>
               <a:t>Lastly: You cant use the name of a C language </a:t>
             </a:r>
             <a:r>
-              <a:rPr lang="en-US" i="1" dirty="0" smtClean="0">
+              <a:rPr lang="en-US" i="1" dirty="0">
                 <a:latin typeface="Garamond" panose="02020404030301010803" pitchFamily="18" charset="0"/>
               </a:rPr>
               <a:t>keyword</a:t>
             </a:r>
             <a:r>
-              <a:rPr lang="en-US" dirty="0" smtClean="0"/>
+              <a:rPr lang="en-US" dirty="0"/>
               <a:t>. That is reserved already!  E.g., </a:t>
             </a:r>
             <a:r>
-              <a:rPr lang="en-US" i="1" dirty="0" smtClean="0">
+              <a:rPr lang="en-US" i="1" dirty="0">
                 <a:solidFill>
                   <a:srgbClr val="FF0000"/>
                 </a:solidFill>
@@ -5654,7 +5558,7 @@
               <a:t>you </a:t>
             </a:r>
             <a:r>
-              <a:rPr lang="en-US" b="1" i="1" dirty="0" smtClean="0">
+              <a:rPr lang="en-US" b="1" i="1" dirty="0">
                 <a:solidFill>
                   <a:srgbClr val="FF0000"/>
                 </a:solidFill>
@@ -5664,7 +5568,7 @@
               <a:t>cannot </a:t>
             </a:r>
             <a:r>
-              <a:rPr lang="en-US" i="1" dirty="0" smtClean="0">
+              <a:rPr lang="en-US" i="1" dirty="0">
                 <a:solidFill>
                   <a:srgbClr val="FF0000"/>
                 </a:solidFill>
@@ -5674,7 +5578,7 @@
               <a:t>use as identifier:  </a:t>
             </a:r>
             <a:r>
-              <a:rPr lang="en-US" b="1" dirty="0" err="1" smtClean="0">
+              <a:rPr lang="en-US" b="1" dirty="0" err="1">
                 <a:solidFill>
                   <a:srgbClr val="FF0000"/>
                 </a:solidFill>
@@ -5682,7 +5586,7 @@
               <a:t>int</a:t>
             </a:r>
             <a:r>
-              <a:rPr lang="en-US" b="1" dirty="0" smtClean="0">
+              <a:rPr lang="en-US" b="1" dirty="0">
                 <a:solidFill>
                   <a:srgbClr val="FF0000"/>
                 </a:solidFill>
@@ -5690,7 +5594,7 @@
               <a:t>    float    char   </a:t>
             </a:r>
             <a:r>
-              <a:rPr lang="en-US" i="1" dirty="0" smtClean="0">
+              <a:rPr lang="en-US" i="1" dirty="0">
                 <a:solidFill>
                   <a:srgbClr val="FF0000"/>
                 </a:solidFill>
@@ -5700,7 +5604,7 @@
               <a:t>or</a:t>
             </a:r>
             <a:r>
-              <a:rPr lang="en-US" b="1" dirty="0" smtClean="0">
+              <a:rPr lang="en-US" b="1" dirty="0">
                 <a:solidFill>
                   <a:srgbClr val="FF0000"/>
                 </a:solidFill>
@@ -5708,16 +5612,15 @@
               <a:t>   double</a:t>
             </a:r>
             <a:r>
-              <a:rPr lang="en-US" dirty="0" smtClean="0"/>
+              <a:rPr lang="en-US" dirty="0"/>
               <a:t>.</a:t>
             </a:r>
           </a:p>
           <a:p>
             <a:r>
-              <a:rPr lang="en-US" dirty="0" smtClean="0"/>
+              <a:rPr lang="en-US" dirty="0"/>
               <a:t>We’ll mention more such exceptions.</a:t>
             </a:r>
-            <a:endParaRPr lang="en-US" dirty="0"/>
           </a:p>
         </p:txBody>
       </p:sp>
@@ -5731,13 +5634,6 @@
   <p:clrMapOvr>
     <a:masterClrMapping/>
   </p:clrMapOvr>
-  <p:timing>
-    <p:tnLst>
-      <p:par>
-        <p:cTn id="1" dur="indefinite" restart="never" nodeType="tmRoot"/>
-      </p:par>
-    </p:tnLst>
-  </p:timing>
 </p:sld>
 </file>
 
@@ -5793,10 +5689,9 @@
           <a:p>
             <a:pPr algn="ctr"/>
             <a:r>
-              <a:rPr lang="en-US" dirty="0" smtClean="0"/>
+              <a:rPr lang="en-US" dirty="0"/>
               <a:t>C PROGRAM</a:t>
             </a:r>
-            <a:endParaRPr lang="en-US" dirty="0"/>
           </a:p>
         </p:txBody>
       </p:sp>
@@ -5840,10 +5735,9 @@
           <a:p>
             <a:pPr algn="ctr"/>
             <a:r>
-              <a:rPr lang="en-US" dirty="0" smtClean="0"/>
+              <a:rPr lang="en-US" dirty="0"/>
               <a:t>Function1()</a:t>
             </a:r>
-            <a:endParaRPr lang="en-US" dirty="0"/>
           </a:p>
         </p:txBody>
       </p:sp>
@@ -5887,10 +5781,9 @@
           <a:p>
             <a:pPr algn="ctr"/>
             <a:r>
-              <a:rPr lang="en-US" dirty="0" smtClean="0"/>
+              <a:rPr lang="en-US" dirty="0"/>
               <a:t>Function2()</a:t>
             </a:r>
-            <a:endParaRPr lang="en-US" dirty="0"/>
           </a:p>
         </p:txBody>
       </p:sp>
@@ -5934,10 +5827,9 @@
           <a:p>
             <a:pPr algn="ctr"/>
             <a:r>
-              <a:rPr lang="en-US" dirty="0" smtClean="0"/>
+              <a:rPr lang="en-US" dirty="0"/>
               <a:t>Function3()</a:t>
             </a:r>
-            <a:endParaRPr lang="en-US" dirty="0"/>
           </a:p>
         </p:txBody>
       </p:sp>
@@ -5992,7 +5884,7 @@
           <a:p>
             <a:pPr algn="ctr"/>
             <a:r>
-              <a:rPr lang="en-US" dirty="0" smtClean="0">
+              <a:rPr lang="en-US" dirty="0">
                 <a:solidFill>
                   <a:schemeClr val="tx1"/>
                 </a:solidFill>
@@ -6003,18 +5895,13 @@
           <a:p>
             <a:pPr algn="ctr"/>
             <a:r>
-              <a:rPr lang="en-US" dirty="0" smtClean="0">
+              <a:rPr lang="en-US" dirty="0">
                 <a:solidFill>
                   <a:schemeClr val="tx1"/>
                 </a:solidFill>
               </a:rPr>
               <a:t>And statements</a:t>
             </a:r>
-            <a:endParaRPr lang="en-US" dirty="0">
-              <a:solidFill>
-                <a:schemeClr val="tx1"/>
-              </a:solidFill>
-            </a:endParaRPr>
           </a:p>
         </p:txBody>
       </p:sp>
@@ -6069,18 +5956,13 @@
           <a:p>
             <a:pPr algn="ctr"/>
             <a:r>
-              <a:rPr lang="en-US" dirty="0" smtClean="0">
+              <a:rPr lang="en-US" dirty="0">
                 <a:solidFill>
                   <a:schemeClr val="tx1"/>
                 </a:solidFill>
               </a:rPr>
               <a:t>Variables and statements</a:t>
             </a:r>
-            <a:endParaRPr lang="en-US" dirty="0">
-              <a:solidFill>
-                <a:schemeClr val="tx1"/>
-              </a:solidFill>
-            </a:endParaRPr>
           </a:p>
         </p:txBody>
       </p:sp>
@@ -6135,18 +6017,13 @@
           <a:p>
             <a:pPr algn="ctr"/>
             <a:r>
-              <a:rPr lang="en-US" dirty="0" smtClean="0">
+              <a:rPr lang="en-US" dirty="0">
                 <a:solidFill>
                   <a:schemeClr val="tx1"/>
                 </a:solidFill>
               </a:rPr>
               <a:t>Variables and statements</a:t>
             </a:r>
-            <a:endParaRPr lang="en-US" dirty="0">
-              <a:solidFill>
-                <a:schemeClr val="tx1"/>
-              </a:solidFill>
-            </a:endParaRPr>
           </a:p>
         </p:txBody>
       </p:sp>
@@ -6175,263 +6052,262 @@
           <a:lstStyle/>
           <a:p>
             <a:r>
-              <a:rPr lang="en-US" dirty="0" smtClean="0"/>
+              <a:rPr lang="en-US" dirty="0"/>
               <a:t>#include &lt;</a:t>
             </a:r>
             <a:r>
-              <a:rPr lang="en-US" dirty="0" err="1" smtClean="0"/>
+              <a:rPr lang="en-US" dirty="0" err="1"/>
               <a:t>stdio.h</a:t>
             </a:r>
             <a:r>
-              <a:rPr lang="en-US" dirty="0" smtClean="0"/>
+              <a:rPr lang="en-US" dirty="0"/>
               <a:t>&gt;</a:t>
             </a:r>
           </a:p>
           <a:p>
             <a:r>
-              <a:rPr lang="en-US" dirty="0" smtClean="0"/>
+              <a:rPr lang="en-US" dirty="0"/>
               <a:t>// This is about arrays pointers and functions</a:t>
             </a:r>
           </a:p>
           <a:p>
-            <a:endParaRPr lang="en-US" dirty="0" smtClean="0"/>
-          </a:p>
-          <a:p>
-            <a:r>
-              <a:rPr lang="en-US" dirty="0" smtClean="0"/>
+            <a:endParaRPr lang="en-US" dirty="0"/>
+          </a:p>
+          <a:p>
+            <a:r>
+              <a:rPr lang="en-US" dirty="0"/>
               <a:t>void f1( </a:t>
             </a:r>
             <a:r>
-              <a:rPr lang="en-US" dirty="0" err="1" smtClean="0"/>
+              <a:rPr lang="en-US" dirty="0" err="1"/>
               <a:t>int</a:t>
             </a:r>
             <a:r>
-              <a:rPr lang="en-US" dirty="0" smtClean="0"/>
+              <a:rPr lang="en-US" dirty="0"/>
               <a:t> x ){</a:t>
             </a:r>
           </a:p>
           <a:p>
             <a:r>
-              <a:rPr lang="en-US" dirty="0" smtClean="0"/>
+              <a:rPr lang="en-US" dirty="0"/>
               <a:t>	x = 55;</a:t>
             </a:r>
           </a:p>
           <a:p>
             <a:r>
-              <a:rPr lang="en-US" dirty="0" smtClean="0"/>
+              <a:rPr lang="en-US" dirty="0"/>
               <a:t>}</a:t>
             </a:r>
           </a:p>
           <a:p>
-            <a:endParaRPr lang="en-US" dirty="0" smtClean="0"/>
-          </a:p>
-          <a:p>
-            <a:endParaRPr lang="en-US" dirty="0" smtClean="0"/>
-          </a:p>
-          <a:p>
-            <a:r>
-              <a:rPr lang="en-US" dirty="0" smtClean="0"/>
+            <a:endParaRPr lang="en-US" dirty="0"/>
+          </a:p>
+          <a:p>
+            <a:endParaRPr lang="en-US" dirty="0"/>
+          </a:p>
+          <a:p>
+            <a:r>
+              <a:rPr lang="en-US" dirty="0"/>
               <a:t>void f2( </a:t>
             </a:r>
             <a:r>
-              <a:rPr lang="en-US" dirty="0" err="1" smtClean="0"/>
+              <a:rPr lang="en-US" dirty="0" err="1"/>
               <a:t>int</a:t>
             </a:r>
             <a:r>
-              <a:rPr lang="en-US" dirty="0" smtClean="0"/>
+              <a:rPr lang="en-US" dirty="0"/>
               <a:t> *p ){</a:t>
             </a:r>
           </a:p>
           <a:p>
             <a:r>
-              <a:rPr lang="en-US" dirty="0" smtClean="0"/>
+              <a:rPr lang="en-US" dirty="0"/>
               <a:t>	*p = 55;</a:t>
             </a:r>
           </a:p>
           <a:p>
             <a:r>
-              <a:rPr lang="en-US" dirty="0" smtClean="0"/>
+              <a:rPr lang="en-US" dirty="0"/>
               <a:t>}</a:t>
             </a:r>
           </a:p>
           <a:p>
-            <a:endParaRPr lang="en-US" dirty="0" smtClean="0"/>
-          </a:p>
-          <a:p>
-            <a:r>
-              <a:rPr lang="en-US" dirty="0" smtClean="0"/>
+            <a:endParaRPr lang="en-US" dirty="0"/>
+          </a:p>
+          <a:p>
+            <a:r>
+              <a:rPr lang="en-US" dirty="0"/>
               <a:t>void f3( </a:t>
             </a:r>
             <a:r>
-              <a:rPr lang="en-US" dirty="0" err="1" smtClean="0"/>
+              <a:rPr lang="en-US" dirty="0" err="1"/>
               <a:t>int</a:t>
             </a:r>
             <a:r>
-              <a:rPr lang="en-US" dirty="0" smtClean="0"/>
+              <a:rPr lang="en-US" dirty="0"/>
               <a:t> *p ){</a:t>
             </a:r>
           </a:p>
           <a:p>
             <a:r>
-              <a:rPr lang="en-US" dirty="0" smtClean="0"/>
+              <a:rPr lang="en-US" dirty="0"/>
               <a:t>	</a:t>
             </a:r>
             <a:r>
-              <a:rPr lang="en-US" dirty="0" err="1" smtClean="0"/>
+              <a:rPr lang="en-US" dirty="0" err="1"/>
               <a:t>int</a:t>
             </a:r>
             <a:r>
-              <a:rPr lang="en-US" dirty="0" smtClean="0"/>
+              <a:rPr lang="en-US" dirty="0"/>
               <a:t> </a:t>
             </a:r>
             <a:r>
-              <a:rPr lang="en-US" dirty="0" err="1" smtClean="0"/>
+              <a:rPr lang="en-US" dirty="0" err="1"/>
               <a:t>i</a:t>
             </a:r>
             <a:r>
-              <a:rPr lang="en-US" dirty="0" smtClean="0"/>
+              <a:rPr lang="en-US" dirty="0"/>
               <a:t>;</a:t>
             </a:r>
           </a:p>
           <a:p>
             <a:r>
-              <a:rPr lang="en-US" dirty="0" smtClean="0"/>
+              <a:rPr lang="en-US" dirty="0"/>
               <a:t>	for(</a:t>
             </a:r>
             <a:r>
-              <a:rPr lang="en-US" dirty="0" err="1" smtClean="0"/>
+              <a:rPr lang="en-US" dirty="0" err="1"/>
               <a:t>i</a:t>
             </a:r>
             <a:r>
-              <a:rPr lang="en-US" dirty="0" smtClean="0"/>
+              <a:rPr lang="en-US" dirty="0"/>
               <a:t>=0;i&lt;10;i++)</a:t>
             </a:r>
           </a:p>
           <a:p>
             <a:r>
-              <a:rPr lang="en-US" dirty="0" smtClean="0"/>
+              <a:rPr lang="en-US" dirty="0"/>
               <a:t>		*(</a:t>
             </a:r>
             <a:r>
-              <a:rPr lang="en-US" dirty="0" err="1" smtClean="0"/>
+              <a:rPr lang="en-US" dirty="0" err="1"/>
               <a:t>p+i</a:t>
             </a:r>
             <a:r>
-              <a:rPr lang="en-US" dirty="0" smtClean="0"/>
+              <a:rPr lang="en-US" dirty="0"/>
               <a:t>)=i+55; // </a:t>
             </a:r>
             <a:r>
-              <a:rPr lang="en-US" dirty="0" err="1" smtClean="0"/>
+              <a:rPr lang="en-US" dirty="0" err="1"/>
               <a:t>alernately</a:t>
             </a:r>
             <a:r>
-              <a:rPr lang="en-US" dirty="0" smtClean="0"/>
+              <a:rPr lang="en-US" dirty="0"/>
               <a:t> p[</a:t>
             </a:r>
             <a:r>
-              <a:rPr lang="en-US" dirty="0" err="1" smtClean="0"/>
+              <a:rPr lang="en-US" dirty="0" err="1"/>
               <a:t>i</a:t>
             </a:r>
             <a:r>
-              <a:rPr lang="en-US" dirty="0" smtClean="0"/>
+              <a:rPr lang="en-US" dirty="0"/>
               <a:t>]=i+55 ;</a:t>
             </a:r>
           </a:p>
           <a:p>
             <a:r>
-              <a:rPr lang="en-US" dirty="0" smtClean="0"/>
+              <a:rPr lang="en-US" dirty="0"/>
               <a:t>}</a:t>
             </a:r>
           </a:p>
           <a:p>
-            <a:endParaRPr lang="en-US" dirty="0" smtClean="0"/>
-          </a:p>
-          <a:p>
-            <a:r>
-              <a:rPr lang="en-US" dirty="0" smtClean="0"/>
+            <a:endParaRPr lang="en-US" dirty="0"/>
+          </a:p>
+          <a:p>
+            <a:r>
+              <a:rPr lang="en-US" dirty="0"/>
               <a:t>void f4( </a:t>
             </a:r>
             <a:r>
-              <a:rPr lang="en-US" dirty="0" err="1" smtClean="0"/>
+              <a:rPr lang="en-US" dirty="0" err="1"/>
               <a:t>int</a:t>
             </a:r>
             <a:r>
-              <a:rPr lang="en-US" dirty="0" smtClean="0"/>
+              <a:rPr lang="en-US" dirty="0"/>
               <a:t> *p , </a:t>
             </a:r>
             <a:r>
-              <a:rPr lang="en-US" dirty="0" err="1" smtClean="0"/>
+              <a:rPr lang="en-US" dirty="0" err="1"/>
               <a:t>int</a:t>
             </a:r>
             <a:r>
-              <a:rPr lang="en-US" dirty="0" smtClean="0"/>
+              <a:rPr lang="en-US" dirty="0"/>
               <a:t> n){</a:t>
             </a:r>
           </a:p>
           <a:p>
             <a:r>
-              <a:rPr lang="en-US" dirty="0" smtClean="0"/>
+              <a:rPr lang="en-US" dirty="0"/>
               <a:t>	</a:t>
             </a:r>
             <a:r>
-              <a:rPr lang="en-US" dirty="0" err="1" smtClean="0"/>
+              <a:rPr lang="en-US" dirty="0" err="1"/>
               <a:t>int</a:t>
             </a:r>
             <a:r>
-              <a:rPr lang="en-US" dirty="0" smtClean="0"/>
+              <a:rPr lang="en-US" dirty="0"/>
               <a:t> </a:t>
             </a:r>
             <a:r>
-              <a:rPr lang="en-US" dirty="0" err="1" smtClean="0"/>
+              <a:rPr lang="en-US" dirty="0" err="1"/>
               <a:t>i</a:t>
             </a:r>
             <a:r>
-              <a:rPr lang="en-US" dirty="0" smtClean="0"/>
+              <a:rPr lang="en-US" dirty="0"/>
               <a:t>;</a:t>
             </a:r>
           </a:p>
           <a:p>
             <a:r>
-              <a:rPr lang="en-US" dirty="0" smtClean="0"/>
+              <a:rPr lang="en-US" dirty="0"/>
               <a:t>	for(</a:t>
             </a:r>
             <a:r>
-              <a:rPr lang="en-US" dirty="0" err="1" smtClean="0"/>
+              <a:rPr lang="en-US" dirty="0" err="1"/>
               <a:t>i</a:t>
             </a:r>
             <a:r>
-              <a:rPr lang="en-US" dirty="0" smtClean="0"/>
+              <a:rPr lang="en-US" dirty="0"/>
               <a:t>=0;i&lt;</a:t>
             </a:r>
             <a:r>
-              <a:rPr lang="en-US" dirty="0" err="1" smtClean="0"/>
+              <a:rPr lang="en-US" dirty="0" err="1"/>
               <a:t>n;i</a:t>
             </a:r>
             <a:r>
-              <a:rPr lang="en-US" dirty="0" smtClean="0"/>
+              <a:rPr lang="en-US" dirty="0"/>
               <a:t>++)</a:t>
             </a:r>
           </a:p>
           <a:p>
             <a:r>
-              <a:rPr lang="en-US" dirty="0" smtClean="0"/>
+              <a:rPr lang="en-US" dirty="0"/>
               <a:t>		p[</a:t>
             </a:r>
             <a:r>
-              <a:rPr lang="en-US" dirty="0" err="1" smtClean="0"/>
+              <a:rPr lang="en-US" dirty="0" err="1"/>
               <a:t>i</a:t>
             </a:r>
             <a:r>
-              <a:rPr lang="en-US" dirty="0" smtClean="0"/>
+              <a:rPr lang="en-US" dirty="0"/>
               <a:t>]=i+5;</a:t>
             </a:r>
           </a:p>
           <a:p>
             <a:r>
-              <a:rPr lang="en-US" dirty="0" smtClean="0"/>
+              <a:rPr lang="en-US" dirty="0"/>
               <a:t>}</a:t>
             </a:r>
-            <a:endParaRPr lang="en-US" dirty="0"/>
           </a:p>
         </p:txBody>
       </p:sp>
@@ -6458,18 +6334,18 @@
           <a:lstStyle/>
           <a:p>
             <a:r>
-              <a:rPr lang="en-US" dirty="0" smtClean="0"/>
+              <a:rPr lang="en-US" dirty="0"/>
               <a:t>See </a:t>
             </a:r>
             <a:r>
-              <a:rPr lang="en-US" dirty="0" smtClean="0">
+              <a:rPr lang="en-US" dirty="0">
                 <a:latin typeface="Courier New" panose="02070309020205020404" pitchFamily="49" charset="0"/>
                 <a:cs typeface="Courier New" panose="02070309020205020404" pitchFamily="49" charset="0"/>
               </a:rPr>
               <a:t> </a:t>
             </a:r>
             <a:r>
-              <a:rPr lang="en-US" dirty="0" err="1" smtClean="0">
+              <a:rPr lang="en-US" dirty="0" err="1">
                 <a:latin typeface="Courier New" panose="02070309020205020404" pitchFamily="49" charset="0"/>
                 <a:cs typeface="Courier New" panose="02070309020205020404" pitchFamily="49" charset="0"/>
               </a:rPr>
@@ -6511,7 +6387,7 @@
           <a:lstStyle/>
           <a:p>
             <a:r>
-              <a:rPr lang="en-US" dirty="0" smtClean="0">
+              <a:rPr lang="en-US" dirty="0">
                 <a:solidFill>
                   <a:schemeClr val="accent2"/>
                 </a:solidFill>
@@ -6520,7 +6396,7 @@
               <a:t>DON’T  TRY   TO</a:t>
             </a:r>
             <a:br>
-              <a:rPr lang="en-US" dirty="0" smtClean="0">
+              <a:rPr lang="en-US" dirty="0">
                 <a:solidFill>
                   <a:schemeClr val="accent2"/>
                 </a:solidFill>
@@ -6528,7 +6404,7 @@
               </a:rPr>
             </a:br>
             <a:r>
-              <a:rPr lang="en-US" dirty="0" smtClean="0">
+              <a:rPr lang="en-US" dirty="0">
                 <a:solidFill>
                   <a:schemeClr val="accent2"/>
                 </a:solidFill>
@@ -6537,7 +6413,7 @@
               <a:t>UNDERSTAND THIS CODE</a:t>
             </a:r>
             <a:br>
-              <a:rPr lang="en-US" dirty="0" smtClean="0">
+              <a:rPr lang="en-US" dirty="0">
                 <a:solidFill>
                   <a:schemeClr val="accent2"/>
                 </a:solidFill>
@@ -6545,7 +6421,7 @@
               </a:rPr>
             </a:br>
             <a:r>
-              <a:rPr lang="en-US" dirty="0" smtClean="0">
+              <a:rPr lang="en-US" dirty="0">
                 <a:solidFill>
                   <a:schemeClr val="accent2"/>
                 </a:solidFill>
@@ -6564,7 +6440,7 @@
           </a:p>
           <a:p>
             <a:r>
-              <a:rPr lang="en-US" dirty="0" smtClean="0">
+              <a:rPr lang="en-US" dirty="0">
                 <a:solidFill>
                   <a:schemeClr val="accent2"/>
                 </a:solidFill>
@@ -6575,7 +6451,7 @@
           </a:p>
           <a:p>
             <a:r>
-              <a:rPr lang="en-US" dirty="0" smtClean="0">
+              <a:rPr lang="en-US" dirty="0">
                 <a:solidFill>
                   <a:schemeClr val="accent2"/>
                 </a:solidFill>
@@ -6586,7 +6462,7 @@
           </a:p>
           <a:p>
             <a:r>
-              <a:rPr lang="en-US" dirty="0" smtClean="0">
+              <a:rPr lang="en-US" dirty="0">
                 <a:solidFill>
                   <a:schemeClr val="accent2"/>
                 </a:solidFill>
@@ -6594,12 +6470,6 @@
               </a:rPr>
               <a:t>C programs</a:t>
             </a:r>
-            <a:endParaRPr lang="en-US" dirty="0">
-              <a:solidFill>
-                <a:schemeClr val="accent2"/>
-              </a:solidFill>
-              <a:latin typeface="Felix Titling" panose="04060505060202020A04" pitchFamily="82" charset="0"/>
-            </a:endParaRPr>
           </a:p>
         </p:txBody>
       </p:sp>
@@ -6669,7 +6539,7 @@
           <a:lstStyle/>
           <a:p>
             <a:r>
-              <a:rPr lang="en-US" sz="2800" b="1" dirty="0" smtClean="0">
+              <a:rPr lang="en-US" sz="2800" b="1" dirty="0">
                 <a:solidFill>
                   <a:schemeClr val="accent1"/>
                 </a:solidFill>
@@ -6677,12 +6547,6 @@
               </a:rPr>
               <a:t>Lets now write some functions using arithmetic expressions</a:t>
             </a:r>
-            <a:endParaRPr lang="en-US" sz="2800" b="1" dirty="0">
-              <a:solidFill>
-                <a:schemeClr val="accent1"/>
-              </a:solidFill>
-              <a:latin typeface="Garamond" panose="02020404030301010803" pitchFamily="18" charset="0"/>
-            </a:endParaRPr>
           </a:p>
         </p:txBody>
       </p:sp>
@@ -6696,13 +6560,6 @@
   <p:clrMapOvr>
     <a:masterClrMapping/>
   </p:clrMapOvr>
-  <p:timing>
-    <p:tnLst>
-      <p:par>
-        <p:cTn id="1" dur="indefinite" restart="never" nodeType="tmRoot"/>
-      </p:par>
-    </p:tnLst>
-  </p:timing>
 </p:sld>
 </file>
 
@@ -6739,10 +6596,9 @@
           <a:lstStyle/>
           <a:p>
             <a:r>
-              <a:rPr lang="en-US" dirty="0" smtClean="0"/>
+              <a:rPr lang="en-US" dirty="0"/>
               <a:t>Different ways to use functions</a:t>
             </a:r>
-            <a:endParaRPr lang="en-US" dirty="0"/>
           </a:p>
         </p:txBody>
       </p:sp>
@@ -6764,51 +6620,51 @@
           <a:lstStyle/>
           <a:p>
             <a:r>
-              <a:rPr lang="en-US" dirty="0" err="1" smtClean="0">
+              <a:rPr lang="en-US" dirty="0" err="1">
                 <a:latin typeface="Courier New" panose="02070309020205020404" pitchFamily="49" charset="0"/>
                 <a:cs typeface="Courier New" panose="02070309020205020404" pitchFamily="49" charset="0"/>
               </a:rPr>
               <a:t>first_examples.c</a:t>
             </a:r>
             <a:r>
-              <a:rPr lang="en-US" dirty="0" smtClean="0"/>
+              <a:rPr lang="en-US" dirty="0"/>
               <a:t>    - </a:t>
             </a:r>
             <a:r>
-              <a:rPr lang="en-US" dirty="0" err="1" smtClean="0"/>
+              <a:rPr lang="en-US" dirty="0" err="1"/>
               <a:t>parameterless</a:t>
             </a:r>
             <a:r>
-              <a:rPr lang="en-US" dirty="0" smtClean="0"/>
+              <a:rPr lang="en-US" dirty="0"/>
               <a:t> function usage</a:t>
             </a:r>
           </a:p>
           <a:p>
             <a:pPr lvl="1"/>
             <a:r>
-              <a:rPr lang="en-US" dirty="0" smtClean="0"/>
+              <a:rPr lang="en-US" dirty="0"/>
               <a:t>Just grouping statements</a:t>
             </a:r>
           </a:p>
           <a:p>
             <a:pPr lvl="1"/>
             <a:r>
-              <a:rPr lang="en-US" dirty="0" smtClean="0"/>
+              <a:rPr lang="en-US" dirty="0"/>
               <a:t>Repeatedly calling the function repeats the statements</a:t>
             </a:r>
           </a:p>
           <a:p>
             <a:pPr lvl="1"/>
             <a:r>
-              <a:rPr lang="en-US" dirty="0" err="1" smtClean="0"/>
+              <a:rPr lang="en-US" dirty="0" err="1"/>
               <a:t>Eg</a:t>
             </a:r>
             <a:r>
-              <a:rPr lang="en-US" dirty="0" smtClean="0"/>
+              <a:rPr lang="en-US" dirty="0"/>
               <a:t> repeating </a:t>
             </a:r>
             <a:r>
-              <a:rPr lang="en-US" dirty="0" smtClean="0">
+              <a:rPr lang="en-US" dirty="0">
                 <a:latin typeface="Courier New" panose="02070309020205020404" pitchFamily="49" charset="0"/>
                 <a:cs typeface="Courier New" panose="02070309020205020404" pitchFamily="49" charset="0"/>
               </a:rPr>
@@ -6817,21 +6673,21 @@
           </a:p>
           <a:p>
             <a:r>
-              <a:rPr lang="en-US" dirty="0" err="1" smtClean="0">
+              <a:rPr lang="en-US" dirty="0" err="1">
                 <a:latin typeface="Courier New" panose="02070309020205020404" pitchFamily="49" charset="0"/>
                 <a:cs typeface="Courier New" panose="02070309020205020404" pitchFamily="49" charset="0"/>
               </a:rPr>
               <a:t>funcs_params.c</a:t>
             </a:r>
             <a:r>
-              <a:rPr lang="en-US" dirty="0" smtClean="0">
+              <a:rPr lang="en-US" dirty="0">
                 <a:latin typeface="Courier New" panose="02070309020205020404" pitchFamily="49" charset="0"/>
                 <a:cs typeface="Courier New" panose="02070309020205020404" pitchFamily="49" charset="0"/>
               </a:rPr>
               <a:t>    </a:t>
             </a:r>
             <a:r>
-              <a:rPr lang="en-US" dirty="0" smtClean="0">
+              <a:rPr lang="en-US" dirty="0">
                 <a:cs typeface="Courier New" panose="02070309020205020404" pitchFamily="49" charset="0"/>
               </a:rPr>
               <a:t> - parameterized functions</a:t>
@@ -6840,19 +6696,19 @@
           <a:p>
             <a:pPr lvl="1"/>
             <a:r>
-              <a:rPr lang="en-US" dirty="0" smtClean="0">
+              <a:rPr lang="en-US" dirty="0">
                 <a:cs typeface="Courier New" panose="02070309020205020404" pitchFamily="49" charset="0"/>
               </a:rPr>
               <a:t>Do something different based on the parameter. Very much like </a:t>
             </a:r>
             <a:r>
-              <a:rPr lang="en-US" dirty="0" err="1" smtClean="0">
+              <a:rPr lang="en-US" dirty="0" err="1">
                 <a:cs typeface="Courier New" panose="02070309020205020404" pitchFamily="49" charset="0"/>
               </a:rPr>
               <a:t>printf</a:t>
             </a:r>
             <a:r>
-              <a:rPr lang="en-US" dirty="0" smtClean="0">
+              <a:rPr lang="en-US" dirty="0">
                 <a:cs typeface="Courier New" panose="02070309020205020404" pitchFamily="49" charset="0"/>
               </a:rPr>
               <a:t>  is different for different values of the parameter.</a:t>
@@ -6860,61 +6716,60 @@
           </a:p>
           <a:p>
             <a:r>
-              <a:rPr lang="en-US" dirty="0" err="1" smtClean="0">
+              <a:rPr lang="en-US" dirty="0" err="1">
                 <a:latin typeface="Courier New" panose="02070309020205020404" pitchFamily="49" charset="0"/>
                 <a:cs typeface="Courier New" panose="02070309020205020404" pitchFamily="49" charset="0"/>
               </a:rPr>
               <a:t>discriminant.c</a:t>
             </a:r>
             <a:r>
-              <a:rPr lang="en-US" dirty="0" smtClean="0">
+              <a:rPr lang="en-US" dirty="0">
                 <a:latin typeface="Courier New" panose="02070309020205020404" pitchFamily="49" charset="0"/>
                 <a:cs typeface="Courier New" panose="02070309020205020404" pitchFamily="49" charset="0"/>
               </a:rPr>
               <a:t>   </a:t>
             </a:r>
             <a:r>
-              <a:rPr lang="en-US" dirty="0" smtClean="0"/>
+              <a:rPr lang="en-US" dirty="0"/>
               <a:t> - parameterized function usage with function value</a:t>
             </a:r>
           </a:p>
           <a:p>
             <a:pPr lvl="1"/>
             <a:r>
-              <a:rPr lang="en-US" dirty="0" smtClean="0"/>
+              <a:rPr lang="en-US" dirty="0"/>
               <a:t>Here the function call is gives us a new value which we can use in an assignment statement or </a:t>
             </a:r>
             <a:r>
-              <a:rPr lang="en-US" dirty="0" err="1" smtClean="0"/>
+              <a:rPr lang="en-US" dirty="0" err="1"/>
               <a:t>printf</a:t>
             </a:r>
             <a:r>
-              <a:rPr lang="en-US" dirty="0" smtClean="0"/>
+              <a:rPr lang="en-US" dirty="0"/>
               <a:t> or elsewhere.</a:t>
             </a:r>
           </a:p>
           <a:p>
             <a:r>
-              <a:rPr lang="en-US" dirty="0" smtClean="0"/>
+              <a:rPr lang="en-US" dirty="0"/>
               <a:t>This is the reason we refer the function call as a </a:t>
             </a:r>
             <a:r>
-              <a:rPr lang="en-US" b="1" dirty="0" smtClean="0"/>
+              <a:rPr lang="en-US" b="1" dirty="0"/>
               <a:t>function call expression</a:t>
             </a:r>
             <a:r>
-              <a:rPr lang="en-US" dirty="0" smtClean="0"/>
+              <a:rPr lang="en-US" dirty="0"/>
               <a:t>. Remember that </a:t>
             </a:r>
             <a:r>
-              <a:rPr lang="en-US" b="1" dirty="0" smtClean="0"/>
+              <a:rPr lang="en-US" b="1" dirty="0"/>
               <a:t>expressions is how we get values</a:t>
             </a:r>
             <a:r>
-              <a:rPr lang="en-US" dirty="0" smtClean="0"/>
+              <a:rPr lang="en-US" dirty="0"/>
               <a:t>.</a:t>
             </a:r>
-            <a:endParaRPr lang="en-US" dirty="0"/>
           </a:p>
         </p:txBody>
       </p:sp>
@@ -6964,13 +6819,6 @@
   <p:clrMapOvr>
     <a:masterClrMapping/>
   </p:clrMapOvr>
-  <p:timing>
-    <p:tnLst>
-      <p:par>
-        <p:cTn id="1" dur="indefinite" restart="never" nodeType="tmRoot"/>
-      </p:par>
-    </p:tnLst>
-  </p:timing>
 </p:sld>
 </file>
 
@@ -7007,10 +6855,9 @@
           <a:lstStyle/>
           <a:p>
             <a:r>
-              <a:rPr lang="en-US" dirty="0" smtClean="0"/>
+              <a:rPr lang="en-US" dirty="0"/>
               <a:t>Function calls as control flow construct</a:t>
             </a:r>
-            <a:endParaRPr lang="en-US" dirty="0"/>
           </a:p>
         </p:txBody>
       </p:sp>
@@ -7041,11 +6888,11 @@
               <a:buAutoNum type="arabicPeriod"/>
             </a:pPr>
             <a:r>
-              <a:rPr lang="en-US" dirty="0" smtClean="0"/>
+              <a:rPr lang="en-US" dirty="0"/>
               <a:t>Execution always begins at </a:t>
             </a:r>
             <a:r>
-              <a:rPr lang="en-US" b="1" dirty="0" smtClean="0"/>
+              <a:rPr lang="en-US" b="1" dirty="0"/>
               <a:t>main().</a:t>
             </a:r>
           </a:p>
@@ -7055,15 +6902,15 @@
               <a:buAutoNum type="arabicPeriod"/>
             </a:pPr>
             <a:r>
-              <a:rPr lang="en-US" dirty="0" smtClean="0"/>
+              <a:rPr lang="en-US" dirty="0"/>
               <a:t>Order of writing the </a:t>
             </a:r>
             <a:r>
-              <a:rPr lang="en-US" i="1" dirty="0" smtClean="0"/>
+              <a:rPr lang="en-US" i="1" dirty="0"/>
               <a:t>instructions within a function </a:t>
             </a:r>
             <a:r>
-              <a:rPr lang="en-US" dirty="0" smtClean="0"/>
+              <a:rPr lang="en-US" dirty="0"/>
               <a:t>is critically important.</a:t>
             </a:r>
           </a:p>
@@ -7073,7 +6920,7 @@
               <a:buAutoNum type="arabicPeriod"/>
             </a:pPr>
             <a:r>
-              <a:rPr lang="en-US" dirty="0" smtClean="0"/>
+              <a:rPr lang="en-US" dirty="0"/>
               <a:t>Functions themselves can be written in any relative order.</a:t>
             </a:r>
           </a:p>
@@ -7083,11 +6930,11 @@
               <a:buAutoNum type="arabicPeriod"/>
             </a:pPr>
             <a:r>
-              <a:rPr lang="en-US" dirty="0" smtClean="0"/>
+              <a:rPr lang="en-US" dirty="0"/>
               <a:t>Function </a:t>
             </a:r>
             <a:r>
-              <a:rPr lang="en-US" b="1" dirty="0" smtClean="0">
+              <a:rPr lang="en-US" b="1" dirty="0">
                 <a:solidFill>
                   <a:schemeClr val="accent2">
                     <a:lumMod val="75000"/>
@@ -7097,7 +6944,7 @@
               <a:t>call</a:t>
             </a:r>
             <a:r>
-              <a:rPr lang="en-US" dirty="0" smtClean="0"/>
+              <a:rPr lang="en-US" dirty="0"/>
               <a:t> leads to a jump of instructions from one function, the calling function,  to the called function.</a:t>
             </a:r>
           </a:p>
@@ -7107,10 +6954,9 @@
               <a:buAutoNum type="arabicPeriod"/>
             </a:pPr>
             <a:r>
-              <a:rPr lang="en-US" dirty="0" smtClean="0"/>
+              <a:rPr lang="en-US" dirty="0"/>
               <a:t>When the called function ends, control is back in the calling function</a:t>
             </a:r>
-            <a:endParaRPr lang="en-US" dirty="0"/>
           </a:p>
         </p:txBody>
       </p:sp>
@@ -7148,39 +6994,31 @@
           <a:lstStyle/>
           <a:p>
             <a:r>
-              <a:rPr lang="en-US" b="1" dirty="0" smtClean="0"/>
+              <a:rPr lang="en-US" b="1" dirty="0"/>
               <a:t>void main() </a:t>
             </a:r>
             <a:r>
-              <a:rPr lang="en-US" dirty="0" smtClean="0"/>
+              <a:rPr lang="en-US" dirty="0"/>
               <a:t>{</a:t>
             </a:r>
             <a:br>
-              <a:rPr lang="en-US" dirty="0" smtClean="0"/>
+              <a:rPr lang="en-US" dirty="0"/>
             </a:br>
             <a:r>
-              <a:rPr lang="en-US" dirty="0" smtClean="0"/>
+              <a:rPr lang="en-US" dirty="0"/>
               <a:t>   …</a:t>
             </a:r>
           </a:p>
           <a:p>
             <a:r>
               <a:rPr lang="en-US" dirty="0"/>
-              <a:t> </a:t>
-            </a:r>
-            <a:r>
-              <a:rPr lang="en-US" dirty="0" smtClean="0"/>
-              <a:t>  …</a:t>
-            </a:r>
-          </a:p>
-          <a:p>
-            <a:r>
-              <a:rPr lang="en-US" dirty="0"/>
-              <a:t> </a:t>
-            </a:r>
-            <a:r>
-              <a:rPr lang="en-US" dirty="0" smtClean="0"/>
-              <a:t>  x = </a:t>
+              <a:t>   …</a:t>
+            </a:r>
+          </a:p>
+          <a:p>
+            <a:r>
+              <a:rPr lang="en-US" dirty="0"/>
+              <a:t>   x = </a:t>
             </a:r>
             <a:r>
               <a:rPr lang="en-US" b="1" dirty="0">
@@ -7188,36 +7026,24 @@
                   <a:schemeClr val="accent5"/>
                 </a:solidFill>
               </a:rPr>
-              <a:t>g</a:t>
-            </a:r>
-            <a:r>
-              <a:rPr lang="en-US" b="1" dirty="0" smtClean="0">
-                <a:solidFill>
-                  <a:schemeClr val="accent5"/>
-                </a:solidFill>
-              </a:rPr>
-              <a:t>()</a:t>
-            </a:r>
-            <a:r>
-              <a:rPr lang="en-US" dirty="0" smtClean="0"/>
+              <a:t>g()</a:t>
+            </a:r>
+            <a:r>
+              <a:rPr lang="en-US" dirty="0"/>
               <a:t>+ x;</a:t>
             </a:r>
             <a:br>
-              <a:rPr lang="en-US" dirty="0" smtClean="0"/>
+              <a:rPr lang="en-US" dirty="0"/>
             </a:br>
-            <a:endParaRPr lang="en-US" dirty="0" smtClean="0"/>
-          </a:p>
-          <a:p>
-            <a:r>
-              <a:rPr lang="en-US" dirty="0"/>
-              <a:t> </a:t>
-            </a:r>
-            <a:r>
-              <a:rPr lang="en-US" dirty="0" smtClean="0"/>
-              <a:t>  x = </a:t>
-            </a:r>
-            <a:r>
-              <a:rPr lang="en-US" b="1" dirty="0" smtClean="0">
+            <a:endParaRPr lang="en-US" dirty="0"/>
+          </a:p>
+          <a:p>
+            <a:r>
+              <a:rPr lang="en-US" dirty="0"/>
+              <a:t>   x = </a:t>
+            </a:r>
+            <a:r>
+              <a:rPr lang="en-US" b="1" dirty="0">
                 <a:solidFill>
                   <a:srgbClr val="FF0000"/>
                 </a:solidFill>
@@ -7225,7 +7051,7 @@
               <a:t>f()</a:t>
             </a:r>
             <a:r>
-              <a:rPr lang="en-US" dirty="0" smtClean="0">
+              <a:rPr lang="en-US" dirty="0">
                 <a:solidFill>
                   <a:srgbClr val="FF0000"/>
                 </a:solidFill>
@@ -7233,31 +7059,30 @@
               <a:t> </a:t>
             </a:r>
             <a:r>
-              <a:rPr lang="en-US" dirty="0" smtClean="0"/>
+              <a:rPr lang="en-US" dirty="0"/>
               <a:t>+ x;</a:t>
             </a:r>
             <a:br>
-              <a:rPr lang="en-US" dirty="0" smtClean="0"/>
+              <a:rPr lang="en-US" dirty="0"/>
             </a:br>
             <a:r>
-              <a:rPr lang="en-US" dirty="0" smtClean="0"/>
+              <a:rPr lang="en-US" dirty="0"/>
               <a:t>   …</a:t>
             </a:r>
             <a:br>
-              <a:rPr lang="en-US" dirty="0" smtClean="0"/>
+              <a:rPr lang="en-US" dirty="0"/>
             </a:br>
             <a:r>
-              <a:rPr lang="en-US" dirty="0" smtClean="0"/>
+              <a:rPr lang="en-US" dirty="0"/>
               <a:t>   ...</a:t>
             </a:r>
             <a:br>
-              <a:rPr lang="en-US" dirty="0" smtClean="0"/>
+              <a:rPr lang="en-US" dirty="0"/>
             </a:br>
             <a:r>
-              <a:rPr lang="en-US" dirty="0" smtClean="0"/>
+              <a:rPr lang="en-US" dirty="0"/>
               <a:t>}</a:t>
             </a:r>
-            <a:endParaRPr lang="en-US" dirty="0"/>
           </a:p>
         </p:txBody>
       </p:sp>
@@ -7298,56 +7123,51 @@
           <a:lstStyle/>
           <a:p>
             <a:r>
-              <a:rPr lang="en-US" b="1" dirty="0" err="1" smtClean="0"/>
+              <a:rPr lang="en-US" b="1" dirty="0" err="1"/>
               <a:t>int</a:t>
             </a:r>
             <a:r>
-              <a:rPr lang="en-US" b="1" dirty="0" smtClean="0"/>
+              <a:rPr lang="en-US" b="1" dirty="0"/>
               <a:t> g() </a:t>
             </a:r>
             <a:r>
-              <a:rPr lang="en-US" dirty="0" smtClean="0"/>
+              <a:rPr lang="en-US" dirty="0"/>
               <a:t>{</a:t>
             </a:r>
             <a:br>
-              <a:rPr lang="en-US" dirty="0" smtClean="0"/>
+              <a:rPr lang="en-US" dirty="0"/>
             </a:br>
             <a:r>
-              <a:rPr lang="en-US" dirty="0" smtClean="0"/>
+              <a:rPr lang="en-US" dirty="0"/>
               <a:t>   …</a:t>
             </a:r>
           </a:p>
           <a:p>
             <a:r>
               <a:rPr lang="en-US" dirty="0"/>
-              <a:t> </a:t>
-            </a:r>
-            <a:r>
-              <a:rPr lang="en-US" dirty="0" smtClean="0"/>
-              <a:t>  …</a:t>
+              <a:t>   …</a:t>
             </a:r>
             <a:br>
-              <a:rPr lang="en-US" dirty="0" smtClean="0"/>
+              <a:rPr lang="en-US" dirty="0"/>
             </a:br>
             <a:r>
-              <a:rPr lang="en-US" dirty="0" smtClean="0"/>
+              <a:rPr lang="en-US" dirty="0"/>
               <a:t>   …</a:t>
             </a:r>
             <a:br>
-              <a:rPr lang="en-US" dirty="0" smtClean="0"/>
+              <a:rPr lang="en-US" dirty="0"/>
             </a:br>
             <a:r>
-              <a:rPr lang="en-US" dirty="0" smtClean="0"/>
+              <a:rPr lang="en-US" dirty="0"/>
               <a:t>   ...</a:t>
             </a:r>
             <a:br>
-              <a:rPr lang="en-US" dirty="0" smtClean="0"/>
+              <a:rPr lang="en-US" dirty="0"/>
             </a:br>
             <a:r>
-              <a:rPr lang="en-US" dirty="0" smtClean="0"/>
+              <a:rPr lang="en-US" dirty="0"/>
               <a:t>}</a:t>
             </a:r>
-            <a:endParaRPr lang="en-US" dirty="0"/>
           </a:p>
         </p:txBody>
       </p:sp>
@@ -7388,56 +7208,51 @@
           <a:lstStyle/>
           <a:p>
             <a:r>
-              <a:rPr lang="en-US" b="1" dirty="0" err="1" smtClean="0"/>
+              <a:rPr lang="en-US" b="1" dirty="0" err="1"/>
               <a:t>int</a:t>
             </a:r>
             <a:r>
-              <a:rPr lang="en-US" b="1" dirty="0" smtClean="0"/>
+              <a:rPr lang="en-US" b="1" dirty="0"/>
               <a:t> f() </a:t>
             </a:r>
             <a:r>
-              <a:rPr lang="en-US" dirty="0" smtClean="0"/>
+              <a:rPr lang="en-US" dirty="0"/>
               <a:t>{</a:t>
             </a:r>
             <a:br>
-              <a:rPr lang="en-US" dirty="0" smtClean="0"/>
+              <a:rPr lang="en-US" dirty="0"/>
             </a:br>
             <a:r>
-              <a:rPr lang="en-US" dirty="0" smtClean="0"/>
+              <a:rPr lang="en-US" dirty="0"/>
               <a:t>   …</a:t>
             </a:r>
           </a:p>
           <a:p>
             <a:r>
               <a:rPr lang="en-US" dirty="0"/>
-              <a:t> </a:t>
-            </a:r>
-            <a:r>
-              <a:rPr lang="en-US" dirty="0" smtClean="0"/>
-              <a:t>  …</a:t>
+              <a:t>   …</a:t>
             </a:r>
             <a:br>
-              <a:rPr lang="en-US" dirty="0" smtClean="0"/>
+              <a:rPr lang="en-US" dirty="0"/>
             </a:br>
             <a:r>
-              <a:rPr lang="en-US" dirty="0" smtClean="0"/>
+              <a:rPr lang="en-US" dirty="0"/>
               <a:t>   …</a:t>
             </a:r>
             <a:br>
-              <a:rPr lang="en-US" dirty="0" smtClean="0"/>
+              <a:rPr lang="en-US" dirty="0"/>
             </a:br>
             <a:r>
-              <a:rPr lang="en-US" dirty="0" smtClean="0"/>
+              <a:rPr lang="en-US" dirty="0"/>
               <a:t>   ...</a:t>
             </a:r>
             <a:br>
-              <a:rPr lang="en-US" dirty="0" smtClean="0"/>
+              <a:rPr lang="en-US" dirty="0"/>
             </a:br>
             <a:r>
-              <a:rPr lang="en-US" dirty="0" smtClean="0"/>
+              <a:rPr lang="en-US" dirty="0"/>
               <a:t>}</a:t>
             </a:r>
-            <a:endParaRPr lang="en-US" dirty="0"/>
           </a:p>
         </p:txBody>
       </p:sp>
@@ -7859,13 +7674,6 @@
   <p:clrMapOvr>
     <a:masterClrMapping/>
   </p:clrMapOvr>
-  <p:timing>
-    <p:tnLst>
-      <p:par>
-        <p:cTn id="1" dur="indefinite" restart="never" nodeType="tmRoot"/>
-      </p:par>
-    </p:tnLst>
-  </p:timing>
 </p:sld>
 </file>
 
@@ -7902,10 +7710,9 @@
           <a:lstStyle/>
           <a:p>
             <a:r>
-              <a:rPr lang="en-US" dirty="0" smtClean="0"/>
+              <a:rPr lang="en-US" dirty="0"/>
               <a:t>Summary</a:t>
             </a:r>
-            <a:endParaRPr lang="en-US" dirty="0"/>
           </a:p>
         </p:txBody>
       </p:sp>
@@ -7927,81 +7734,73 @@
           <a:lstStyle/>
           <a:p>
             <a:r>
-              <a:rPr lang="en-US" dirty="0" smtClean="0"/>
+              <a:rPr lang="en-US" dirty="0"/>
               <a:t>Variables have location and type. Type gives them size. Size is in units of bytes (8 bits)</a:t>
             </a:r>
           </a:p>
           <a:p>
             <a:r>
-              <a:rPr lang="en-US" dirty="0" smtClean="0"/>
+              <a:rPr lang="en-US" dirty="0"/>
               <a:t>We saw numeric (integer and float) constants, how they are written and how they are printed (format specification)</a:t>
             </a:r>
           </a:p>
           <a:p>
             <a:r>
-              <a:rPr lang="en-US" dirty="0" smtClean="0"/>
+              <a:rPr lang="en-US" dirty="0"/>
               <a:t>We saw arithmetic operators</a:t>
             </a:r>
           </a:p>
           <a:p>
             <a:r>
-              <a:rPr lang="en-US" dirty="0" smtClean="0"/>
+              <a:rPr lang="en-US" dirty="0"/>
               <a:t>We saw the assignment operator</a:t>
             </a:r>
             <a:r>
-              <a:rPr lang="en-US" i="1" dirty="0" smtClean="0"/>
+              <a:rPr lang="en-US" i="1" dirty="0"/>
               <a:t> </a:t>
             </a:r>
             <a:r>
-              <a:rPr lang="en-US" b="1" i="1" dirty="0" err="1" smtClean="0"/>
+              <a:rPr lang="en-US" b="1" i="1" dirty="0" err="1"/>
               <a:t>lvalue</a:t>
             </a:r>
             <a:r>
-              <a:rPr lang="en-US" i="1" dirty="0" smtClean="0"/>
+              <a:rPr lang="en-US" i="1" dirty="0"/>
               <a:t> </a:t>
             </a:r>
             <a:r>
-              <a:rPr lang="en-US" dirty="0" smtClean="0"/>
+              <a:rPr lang="en-US" dirty="0"/>
               <a:t>and </a:t>
             </a:r>
             <a:r>
-              <a:rPr lang="en-US" b="1" i="1" dirty="0" err="1" smtClean="0"/>
+              <a:rPr lang="en-US" b="1" i="1" dirty="0" err="1"/>
               <a:t>rvalue</a:t>
             </a:r>
-            <a:endParaRPr lang="en-US" b="1" i="1" dirty="0" smtClean="0"/>
-          </a:p>
-          <a:p>
-            <a:r>
-              <a:rPr lang="en-US" dirty="0" smtClean="0"/>
+            <a:endParaRPr lang="en-US" b="1" i="1" dirty="0"/>
+          </a:p>
+          <a:p>
+            <a:r>
+              <a:rPr lang="en-US" dirty="0"/>
               <a:t>We saw how control flow changes due to a function call</a:t>
             </a:r>
           </a:p>
           <a:p>
             <a:r>
-              <a:rPr lang="en-US" dirty="0" smtClean="0"/>
+              <a:rPr lang="en-US" dirty="0"/>
               <a:t>We saw how to give values to and get value from a function</a:t>
             </a:r>
           </a:p>
           <a:p>
             <a:r>
-              <a:rPr lang="en-US" dirty="0" smtClean="0"/>
+              <a:rPr lang="en-US" dirty="0"/>
               <a:t>Can you write programs with functions to do simple arithmetic? print </a:t>
             </a:r>
             <a:r>
-              <a:rPr lang="en-US" dirty="0" err="1" smtClean="0"/>
+              <a:rPr lang="en-US" dirty="0" err="1"/>
               <a:t>arith</a:t>
             </a:r>
             <a:r>
-              <a:rPr lang="en-US" dirty="0" smtClean="0"/>
-              <a:t> mean, geo mean and harmonic mean of two numbers; </a:t>
-            </a:r>
-            <a:r>
-              <a:rPr lang="en-US" dirty="0"/>
-              <a:t>c</a:t>
-            </a:r>
-            <a:r>
-              <a:rPr lang="en-US" dirty="0" smtClean="0"/>
-              <a:t>onvert given seconds to hours, minutes, seconds; </a:t>
+              <a:rPr lang="en-US" dirty="0"/>
+              <a:t> mean, geo mean and harmonic mean of two numbers; convert given seconds to hours, minutes, seconds; </a:t>
             </a:r>
           </a:p>
           <a:p>
@@ -8019,13 +7818,6 @@
   <p:clrMapOvr>
     <a:masterClrMapping/>
   </p:clrMapOvr>
-  <p:timing>
-    <p:tnLst>
-      <p:par>
-        <p:cTn id="1" dur="indefinite" restart="never" nodeType="tmRoot"/>
-      </p:par>
-    </p:tnLst>
-  </p:timing>
 </p:sld>
 </file>
 
@@ -8062,10 +7854,9 @@
           <a:lstStyle/>
           <a:p>
             <a:r>
-              <a:rPr lang="en-US" dirty="0" smtClean="0"/>
+              <a:rPr lang="en-US" dirty="0"/>
               <a:t>Constants and values</a:t>
             </a:r>
-            <a:endParaRPr lang="en-US" dirty="0"/>
           </a:p>
         </p:txBody>
       </p:sp>
@@ -8092,84 +7883,67 @@
           <a:lstStyle/>
           <a:p>
             <a:r>
-              <a:rPr lang="en-US" dirty="0" smtClean="0"/>
+              <a:rPr lang="en-US" dirty="0"/>
               <a:t>A constant is the value it represents</a:t>
             </a:r>
           </a:p>
           <a:p>
             <a:pPr lvl="1"/>
             <a:r>
-              <a:rPr lang="en-US" dirty="0" smtClean="0"/>
-              <a:t>0</a:t>
-            </a:r>
-            <a:r>
-              <a:rPr lang="en-US" dirty="0"/>
-              <a:t> </a:t>
-            </a:r>
-            <a:r>
-              <a:rPr lang="en-US" dirty="0" smtClean="0"/>
-              <a:t>    256</a:t>
-            </a:r>
-            <a:r>
-              <a:rPr lang="en-US" dirty="0"/>
-              <a:t> </a:t>
-            </a:r>
-            <a:r>
-              <a:rPr lang="en-US" dirty="0" smtClean="0"/>
-              <a:t>      -127                      </a:t>
+              <a:rPr lang="en-US" dirty="0"/>
+              <a:t>0     256       -127                      </a:t>
             </a:r>
           </a:p>
           <a:p>
             <a:pPr lvl="1"/>
             <a:r>
-              <a:rPr lang="en-US" dirty="0" smtClean="0"/>
+              <a:rPr lang="en-US" dirty="0"/>
               <a:t>331.2    9.81  6.023e23</a:t>
             </a:r>
           </a:p>
           <a:p>
             <a:pPr lvl="1"/>
             <a:r>
-              <a:rPr lang="en-US" dirty="0" smtClean="0"/>
+              <a:rPr lang="en-US" dirty="0"/>
               <a:t>‘a’</a:t>
             </a:r>
           </a:p>
           <a:p>
             <a:pPr lvl="1"/>
-            <a:endParaRPr lang="en-US" dirty="0" smtClean="0"/>
-          </a:p>
-          <a:p>
-            <a:r>
-              <a:rPr lang="en-US" dirty="0" smtClean="0"/>
+            <a:endParaRPr lang="en-US" dirty="0"/>
+          </a:p>
+          <a:p>
+            <a:r>
+              <a:rPr lang="en-US" dirty="0"/>
               <a:t>We have only three/four basic types in C:</a:t>
             </a:r>
           </a:p>
           <a:p>
             <a:pPr lvl="1"/>
             <a:r>
-              <a:rPr lang="en-US" dirty="0" smtClean="0"/>
+              <a:rPr lang="en-US" dirty="0"/>
               <a:t>Integers</a:t>
             </a:r>
           </a:p>
           <a:p>
             <a:pPr lvl="1"/>
             <a:r>
-              <a:rPr lang="en-US" dirty="0" smtClean="0"/>
+              <a:rPr lang="en-US" dirty="0"/>
               <a:t>Floating point (real) numbers</a:t>
             </a:r>
           </a:p>
           <a:p>
             <a:pPr lvl="1"/>
             <a:r>
-              <a:rPr lang="en-US" dirty="0" smtClean="0"/>
+              <a:rPr lang="en-US" dirty="0"/>
               <a:t>Characters</a:t>
             </a:r>
           </a:p>
           <a:p>
             <a:r>
-              <a:rPr lang="en-US" dirty="0" smtClean="0"/>
+              <a:rPr lang="en-US" dirty="0"/>
               <a:t>The numeric types have some varieties like like long integers or doubles. We come to that later. </a:t>
             </a:r>
-            <a:endParaRPr lang="en-US" dirty="0"/>
           </a:p>
         </p:txBody>
       </p:sp>
@@ -8360,25 +8134,25 @@
           </a:lstStyle>
           <a:p>
             <a:r>
-              <a:rPr lang="en-US" dirty="0" smtClean="0"/>
+              <a:rPr lang="en-US" dirty="0"/>
               <a:t>Variables can be assigned values from constants</a:t>
             </a:r>
           </a:p>
           <a:p>
             <a:pPr lvl="1"/>
             <a:r>
-              <a:rPr lang="en-US" dirty="0" smtClean="0"/>
+              <a:rPr lang="en-US" dirty="0"/>
               <a:t>x = 0;</a:t>
             </a:r>
           </a:p>
           <a:p>
             <a:pPr lvl="1"/>
             <a:r>
-              <a:rPr lang="en-US" dirty="0" err="1" smtClean="0"/>
+              <a:rPr lang="en-US" dirty="0" err="1"/>
               <a:t>av</a:t>
             </a:r>
             <a:r>
-              <a:rPr lang="en-US" dirty="0" smtClean="0"/>
+              <a:rPr lang="en-US" dirty="0"/>
               <a:t>=6.023 ;</a:t>
             </a:r>
           </a:p>
@@ -8386,77 +8160,73 @@
             <a:pPr lvl="1"/>
             <a:r>
               <a:rPr lang="en-US" dirty="0"/>
-              <a:t>y</a:t>
-            </a:r>
-            <a:r>
-              <a:rPr lang="en-US" dirty="0" smtClean="0"/>
-              <a:t> = ‘a’;</a:t>
+              <a:t>y = ‘a’;</a:t>
             </a:r>
           </a:p>
           <a:p>
             <a:pPr lvl="1"/>
-            <a:endParaRPr lang="en-US" dirty="0" smtClean="0"/>
-          </a:p>
-          <a:p>
-            <a:r>
-              <a:rPr lang="en-US" dirty="0" smtClean="0"/>
+            <a:endParaRPr lang="en-US" dirty="0"/>
+          </a:p>
+          <a:p>
+            <a:r>
+              <a:rPr lang="en-US" dirty="0"/>
               <a:t>We can print them:</a:t>
             </a:r>
           </a:p>
           <a:p>
             <a:pPr lvl="1"/>
             <a:r>
-              <a:rPr lang="en-US" dirty="0" err="1" smtClean="0"/>
+              <a:rPr lang="en-US" dirty="0" err="1"/>
               <a:t>printf</a:t>
             </a:r>
             <a:r>
-              <a:rPr lang="en-US" dirty="0" smtClean="0"/>
+              <a:rPr lang="en-US" dirty="0"/>
               <a:t>(“%d\</a:t>
             </a:r>
             <a:r>
-              <a:rPr lang="en-US" dirty="0" err="1" smtClean="0"/>
+              <a:rPr lang="en-US" dirty="0" err="1"/>
               <a:t>n”,x</a:t>
             </a:r>
             <a:r>
-              <a:rPr lang="en-US" dirty="0" smtClean="0"/>
+              <a:rPr lang="en-US" dirty="0"/>
               <a:t>);</a:t>
             </a:r>
           </a:p>
           <a:p>
             <a:pPr lvl="1"/>
             <a:r>
-              <a:rPr lang="en-US" dirty="0" err="1" smtClean="0"/>
+              <a:rPr lang="en-US" dirty="0" err="1"/>
               <a:t>printf</a:t>
             </a:r>
             <a:r>
-              <a:rPr lang="en-US" dirty="0" smtClean="0"/>
+              <a:rPr lang="en-US" dirty="0"/>
               <a:t>(“%f\n”,</a:t>
             </a:r>
             <a:r>
-              <a:rPr lang="en-US" dirty="0" err="1" smtClean="0"/>
+              <a:rPr lang="en-US" dirty="0" err="1"/>
               <a:t>av</a:t>
             </a:r>
             <a:r>
-              <a:rPr lang="en-US" dirty="0" smtClean="0"/>
+              <a:rPr lang="en-US" dirty="0"/>
               <a:t>);</a:t>
             </a:r>
           </a:p>
           <a:p>
             <a:pPr lvl="1"/>
             <a:r>
-              <a:rPr lang="en-US" dirty="0" err="1" smtClean="0"/>
+              <a:rPr lang="en-US" dirty="0" err="1"/>
               <a:t>printf</a:t>
             </a:r>
             <a:r>
-              <a:rPr lang="en-US" dirty="0" smtClean="0"/>
+              <a:rPr lang="en-US" dirty="0"/>
               <a:t>(“%c\</a:t>
             </a:r>
             <a:r>
-              <a:rPr lang="en-US" dirty="0" err="1" smtClean="0"/>
+              <a:rPr lang="en-US" dirty="0" err="1"/>
               <a:t>n”,y</a:t>
             </a:r>
             <a:r>
-              <a:rPr lang="en-US" dirty="0" smtClean="0"/>
+              <a:rPr lang="en-US" dirty="0"/>
               <a:t>);</a:t>
             </a:r>
           </a:p>
@@ -8829,10 +8599,9 @@
           <a:lstStyle/>
           <a:p>
             <a:r>
-              <a:rPr lang="en-US" dirty="0" smtClean="0"/>
+              <a:rPr lang="en-US" dirty="0"/>
               <a:t>Variables have type and address</a:t>
             </a:r>
-            <a:endParaRPr lang="en-US" dirty="0"/>
           </a:p>
         </p:txBody>
       </p:sp>
@@ -8854,46 +8623,46 @@
           <a:lstStyle/>
           <a:p>
             <a:r>
-              <a:rPr lang="en-US" dirty="0" smtClean="0"/>
+              <a:rPr lang="en-US" dirty="0"/>
               <a:t>A variable is a place in memory to hold some value</a:t>
             </a:r>
           </a:p>
           <a:p>
             <a:r>
-              <a:rPr lang="en-US" dirty="0" smtClean="0"/>
+              <a:rPr lang="en-US" dirty="0"/>
               <a:t>Different types of values need different amount of space</a:t>
             </a:r>
           </a:p>
           <a:p>
             <a:r>
-              <a:rPr lang="en-US" dirty="0" smtClean="0"/>
+              <a:rPr lang="en-US" dirty="0"/>
               <a:t>Variable definition says the</a:t>
             </a:r>
             <a:r>
-              <a:rPr lang="en-US" b="1" dirty="0" smtClean="0"/>
+              <a:rPr lang="en-US" b="1" dirty="0"/>
               <a:t> name </a:t>
             </a:r>
             <a:r>
-              <a:rPr lang="en-US" dirty="0" smtClean="0"/>
+              <a:rPr lang="en-US" dirty="0"/>
               <a:t>and the </a:t>
             </a:r>
             <a:r>
-              <a:rPr lang="en-US" b="1" dirty="0" smtClean="0"/>
+              <a:rPr lang="en-US" b="1" dirty="0"/>
               <a:t>type</a:t>
             </a:r>
             <a:r>
-              <a:rPr lang="en-US" dirty="0" smtClean="0"/>
+              <a:rPr lang="en-US" dirty="0"/>
               <a:t> of the variable:</a:t>
             </a:r>
           </a:p>
           <a:p>
             <a:pPr lvl="1"/>
             <a:r>
-              <a:rPr lang="en-US" dirty="0" err="1" smtClean="0"/>
+              <a:rPr lang="en-US" dirty="0" err="1"/>
               <a:t>int</a:t>
             </a:r>
             <a:r>
-              <a:rPr lang="en-US" dirty="0" smtClean="0"/>
+              <a:rPr lang="en-US" dirty="0"/>
               <a:t> x;             reserves specific space in memory to store an integer</a:t>
             </a:r>
           </a:p>
@@ -8901,37 +8670,33 @@
             <a:pPr lvl="1"/>
             <a:r>
               <a:rPr lang="en-US" dirty="0"/>
-              <a:t>f</a:t>
-            </a:r>
-            <a:r>
-              <a:rPr lang="en-US" dirty="0" smtClean="0"/>
-              <a:t>loat </a:t>
-            </a:r>
-            <a:r>
-              <a:rPr lang="en-US" dirty="0" err="1" smtClean="0"/>
+              <a:t>float </a:t>
+            </a:r>
+            <a:r>
+              <a:rPr lang="en-US" dirty="0" err="1"/>
               <a:t>av</a:t>
             </a:r>
             <a:r>
-              <a:rPr lang="en-US" dirty="0" smtClean="0"/>
+              <a:rPr lang="en-US" dirty="0"/>
               <a:t>;        reserves specific space in memory to store a real number</a:t>
             </a:r>
           </a:p>
           <a:p>
             <a:pPr lvl="1"/>
             <a:r>
-              <a:rPr lang="en-US" dirty="0" smtClean="0"/>
+              <a:rPr lang="en-US" dirty="0"/>
               <a:t>char y;           reserves specific space in memory to store a character</a:t>
             </a:r>
           </a:p>
           <a:p>
             <a:r>
-              <a:rPr lang="en-US" dirty="0" smtClean="0"/>
+              <a:rPr lang="en-US" dirty="0"/>
               <a:t>The system fixes an address(location) for the variable and some space, depending on the type.</a:t>
             </a:r>
           </a:p>
           <a:p>
             <a:r>
-              <a:rPr lang="en-US" dirty="0" smtClean="0"/>
+              <a:rPr lang="en-US" dirty="0"/>
               <a:t>C requires all variables be defined before use. Typically this is at the top of the block.</a:t>
             </a:r>
           </a:p>
@@ -8947,13 +8712,6 @@
   <p:clrMapOvr>
     <a:masterClrMapping/>
   </p:clrMapOvr>
-  <p:timing>
-    <p:tnLst>
-      <p:par>
-        <p:cTn id="1" dur="indefinite" restart="never" nodeType="tmRoot"/>
-      </p:par>
-    </p:tnLst>
-  </p:timing>
 </p:sld>
 </file>
 
@@ -8990,17 +8748,16 @@
           <a:lstStyle/>
           <a:p>
             <a:r>
-              <a:rPr lang="en-US" dirty="0" smtClean="0"/>
+              <a:rPr lang="en-US" dirty="0"/>
               <a:t>Address and type(and size) </a:t>
             </a:r>
             <a:br>
-              <a:rPr lang="en-US" dirty="0" smtClean="0"/>
+              <a:rPr lang="en-US" dirty="0"/>
             </a:br>
             <a:r>
-              <a:rPr lang="en-US" dirty="0" smtClean="0"/>
+              <a:rPr lang="en-US" dirty="0"/>
               <a:t>… of bits and bytes</a:t>
             </a:r>
-            <a:endParaRPr lang="en-US" dirty="0"/>
           </a:p>
         </p:txBody>
       </p:sp>
@@ -9082,7 +8839,7 @@
               <a:buChar char="•"/>
             </a:pPr>
             <a:r>
-              <a:rPr lang="en-US" dirty="0" smtClean="0"/>
+              <a:rPr lang="en-US" dirty="0"/>
               <a:t>.</a:t>
             </a:r>
           </a:p>
@@ -9092,7 +8849,7 @@
               <a:buChar char="•"/>
             </a:pPr>
             <a:r>
-              <a:rPr lang="en-US" dirty="0" smtClean="0"/>
+              <a:rPr lang="en-US" dirty="0"/>
               <a:t>.</a:t>
             </a:r>
           </a:p>
@@ -9232,10 +8989,9 @@
           <a:lstStyle/>
           <a:p>
             <a:r>
-              <a:rPr lang="en-US" sz="2400" dirty="0" smtClean="0"/>
+              <a:rPr lang="en-US" sz="2400" dirty="0"/>
               <a:t>Byte</a:t>
             </a:r>
-            <a:endParaRPr lang="en-US" sz="2400" dirty="0"/>
           </a:p>
         </p:txBody>
       </p:sp>
@@ -9262,86 +9018,86 @@
           <a:lstStyle/>
           <a:p>
             <a:r>
-              <a:rPr lang="en-US" sz="1100" dirty="0" smtClean="0"/>
+              <a:rPr lang="en-US" sz="1100" dirty="0"/>
               <a:t>00000</a:t>
             </a:r>
             <a:br>
-              <a:rPr lang="en-US" sz="1100" dirty="0" smtClean="0"/>
+              <a:rPr lang="en-US" sz="1100" dirty="0"/>
             </a:br>
             <a:r>
-              <a:rPr lang="en-US" sz="1100" dirty="0" smtClean="0"/>
+              <a:rPr lang="en-US" sz="1100" dirty="0"/>
               <a:t>00001</a:t>
             </a:r>
           </a:p>
           <a:p>
             <a:r>
-              <a:rPr lang="en-US" sz="1100" dirty="0" smtClean="0"/>
+              <a:rPr lang="en-US" sz="1100" dirty="0"/>
               <a:t>00002</a:t>
             </a:r>
           </a:p>
           <a:p>
             <a:r>
-              <a:rPr lang="en-US" sz="1100" dirty="0" smtClean="0"/>
+              <a:rPr lang="en-US" sz="1100" dirty="0"/>
               <a:t>00003</a:t>
             </a:r>
           </a:p>
           <a:p>
             <a:r>
-              <a:rPr lang="en-US" sz="1100" dirty="0" smtClean="0"/>
+              <a:rPr lang="en-US" sz="1100" dirty="0"/>
               <a:t>00004</a:t>
             </a:r>
           </a:p>
           <a:p>
             <a:r>
-              <a:rPr lang="en-US" sz="1100" dirty="0" smtClean="0"/>
+              <a:rPr lang="en-US" sz="1100" dirty="0"/>
               <a:t>00005</a:t>
             </a:r>
           </a:p>
           <a:p>
             <a:r>
-              <a:rPr lang="en-US" sz="1100" dirty="0" smtClean="0"/>
+              <a:rPr lang="en-US" sz="1100" dirty="0"/>
               <a:t>00006</a:t>
             </a:r>
           </a:p>
           <a:p>
             <a:r>
-              <a:rPr lang="en-US" sz="1100" dirty="0" smtClean="0"/>
+              <a:rPr lang="en-US" sz="1100" dirty="0"/>
               <a:t>00007</a:t>
             </a:r>
           </a:p>
           <a:p>
             <a:r>
-              <a:rPr lang="en-US" sz="1100" dirty="0" smtClean="0"/>
+              <a:rPr lang="en-US" sz="1100" dirty="0"/>
               <a:t>00008</a:t>
             </a:r>
           </a:p>
           <a:p>
             <a:r>
-              <a:rPr lang="en-US" sz="1100" dirty="0" smtClean="0"/>
+              <a:rPr lang="en-US" sz="1100" dirty="0"/>
               <a:t>00009</a:t>
             </a:r>
           </a:p>
           <a:p>
             <a:r>
-              <a:rPr lang="en-US" sz="1100" dirty="0" smtClean="0"/>
+              <a:rPr lang="en-US" sz="1100" dirty="0"/>
               <a:t>00010</a:t>
             </a:r>
           </a:p>
           <a:p>
             <a:r>
-              <a:rPr lang="en-US" sz="1100" dirty="0" smtClean="0"/>
+              <a:rPr lang="en-US" sz="1100" dirty="0"/>
               <a:t>00011</a:t>
             </a:r>
           </a:p>
           <a:p>
             <a:r>
-              <a:rPr lang="en-US" sz="2800" dirty="0" smtClean="0"/>
+              <a:rPr lang="en-US" sz="2800" dirty="0"/>
               <a:t>.</a:t>
             </a:r>
           </a:p>
           <a:p>
             <a:r>
-              <a:rPr lang="en-US" sz="2800" dirty="0" smtClean="0"/>
+              <a:rPr lang="en-US" sz="2800" dirty="0"/>
               <a:t>.</a:t>
             </a:r>
           </a:p>
@@ -9519,10 +9275,9 @@
           <a:lstStyle/>
           <a:p>
             <a:r>
-              <a:rPr lang="en-US" sz="2400" dirty="0" smtClean="0"/>
+              <a:rPr lang="en-US" sz="2400" dirty="0"/>
               <a:t>Bit</a:t>
             </a:r>
-            <a:endParaRPr lang="en-US" sz="2400" dirty="0"/>
           </a:p>
         </p:txBody>
       </p:sp>
@@ -9564,18 +9319,13 @@
           <a:p>
             <a:pPr algn="ctr"/>
             <a:r>
-              <a:rPr lang="en-US" dirty="0" smtClean="0">
+              <a:rPr lang="en-US" dirty="0">
                 <a:solidFill>
                   <a:schemeClr val="tx1"/>
                 </a:solidFill>
               </a:rPr>
               <a:t>0/1</a:t>
             </a:r>
-            <a:endParaRPr lang="en-US" dirty="0">
-              <a:solidFill>
-                <a:schemeClr val="tx1"/>
-              </a:solidFill>
-            </a:endParaRPr>
           </a:p>
         </p:txBody>
       </p:sp>
@@ -9602,10 +9352,9 @@
           <a:lstStyle/>
           <a:p>
             <a:r>
-              <a:rPr lang="en-US" sz="2400" dirty="0" smtClean="0"/>
+              <a:rPr lang="en-US" sz="2400" dirty="0"/>
               <a:t>Memory (RAM)</a:t>
             </a:r>
-            <a:endParaRPr lang="en-US" sz="2400" dirty="0"/>
           </a:p>
         </p:txBody>
       </p:sp>
@@ -9632,7 +9381,7 @@
           <a:lstStyle/>
           <a:p>
             <a:r>
-              <a:rPr lang="en-US" sz="2400" dirty="0" smtClean="0"/>
+              <a:rPr lang="en-US" sz="2400" dirty="0"/>
               <a:t>MEMORY</a:t>
             </a:r>
           </a:p>
@@ -9642,7 +9391,7 @@
               <a:buChar char="•"/>
             </a:pPr>
             <a:r>
-              <a:rPr lang="en-US" sz="2400" dirty="0" smtClean="0"/>
+              <a:rPr lang="en-US" sz="2400" dirty="0"/>
               <a:t>A byte is the smallest addressable / accessible memory item</a:t>
             </a:r>
           </a:p>
@@ -9652,7 +9401,7 @@
               <a:buChar char="•"/>
             </a:pPr>
             <a:r>
-              <a:rPr lang="en-US" sz="2400" dirty="0" smtClean="0"/>
+              <a:rPr lang="en-US" sz="2400" dirty="0"/>
               <a:t>A byte has 8 bits</a:t>
             </a:r>
           </a:p>
@@ -9662,7 +9411,7 @@
               <a:buChar char="•"/>
             </a:pPr>
             <a:r>
-              <a:rPr lang="en-US" sz="2400" dirty="0" smtClean="0"/>
+              <a:rPr lang="en-US" sz="2400" dirty="0"/>
               <a:t>A bit is a zero or a one</a:t>
             </a:r>
           </a:p>
@@ -9672,10 +9421,9 @@
               <a:buChar char="•"/>
             </a:pPr>
             <a:r>
-              <a:rPr lang="en-US" sz="2400" dirty="0" smtClean="0"/>
+              <a:rPr lang="en-US" sz="2400" dirty="0"/>
               <a:t>Multiple bytes are often combined and called a word.</a:t>
             </a:r>
-            <a:endParaRPr lang="en-US" sz="2400" dirty="0"/>
           </a:p>
         </p:txBody>
       </p:sp>
@@ -9702,7 +9450,7 @@
           <a:lstStyle/>
           <a:p>
             <a:r>
-              <a:rPr lang="en-US" sz="2400" dirty="0" smtClean="0"/>
+              <a:rPr lang="en-US" sz="2400" dirty="0"/>
               <a:t>INFORMATION</a:t>
             </a:r>
           </a:p>
@@ -9713,11 +9461,7 @@
             </a:pPr>
             <a:r>
               <a:rPr lang="en-US" sz="2400" dirty="0"/>
-              <a:t>A</a:t>
-            </a:r>
-            <a:r>
-              <a:rPr lang="en-US" sz="2400" dirty="0" smtClean="0"/>
-              <a:t>ll information is stored as a stream of bits</a:t>
+              <a:t>All information is stored as a stream of bits</a:t>
             </a:r>
           </a:p>
           <a:p>
@@ -9726,7 +9470,7 @@
               <a:buChar char="•"/>
             </a:pPr>
             <a:r>
-              <a:rPr lang="en-US" sz="2400" dirty="0" smtClean="0"/>
+              <a:rPr lang="en-US" sz="2400" dirty="0"/>
               <a:t>Integers, real numbers, characters</a:t>
             </a:r>
           </a:p>
@@ -9736,7 +9480,7 @@
               <a:buChar char="•"/>
             </a:pPr>
             <a:r>
-              <a:rPr lang="en-US" sz="2400" dirty="0" smtClean="0"/>
+              <a:rPr lang="en-US" sz="2400" dirty="0"/>
               <a:t>Instructions too</a:t>
             </a:r>
           </a:p>
@@ -9746,14 +9490,14 @@
               <a:buChar char="•"/>
             </a:pPr>
             <a:r>
-              <a:rPr lang="en-US" sz="2400" dirty="0" smtClean="0"/>
+              <a:rPr lang="en-US" sz="2400" dirty="0"/>
               <a:t>Encoding is the transformation of information </a:t>
             </a:r>
             <a:br>
-              <a:rPr lang="en-US" sz="2400" dirty="0" smtClean="0"/>
+              <a:rPr lang="en-US" sz="2400" dirty="0"/>
             </a:br>
             <a:r>
-              <a:rPr lang="en-US" sz="2400" dirty="0" smtClean="0"/>
+              <a:rPr lang="en-US" sz="2400" dirty="0"/>
               <a:t>into binary format</a:t>
             </a:r>
           </a:p>
@@ -9763,10 +9507,9 @@
               <a:buChar char="•"/>
             </a:pPr>
             <a:r>
-              <a:rPr lang="en-US" sz="2400" dirty="0" smtClean="0"/>
+              <a:rPr lang="en-US" sz="2400" dirty="0"/>
               <a:t>There are multiple possibilities	</a:t>
             </a:r>
-            <a:endParaRPr lang="en-US" sz="2400" dirty="0"/>
           </a:p>
         </p:txBody>
       </p:sp>
@@ -9940,17 +9683,16 @@
           <a:lstStyle/>
           <a:p>
             <a:r>
-              <a:rPr lang="en-US" dirty="0" smtClean="0"/>
+              <a:rPr lang="en-US" dirty="0"/>
               <a:t>Address and type(and size) </a:t>
             </a:r>
             <a:br>
-              <a:rPr lang="en-US" dirty="0" smtClean="0"/>
+              <a:rPr lang="en-US" dirty="0"/>
             </a:br>
             <a:r>
-              <a:rPr lang="en-US" dirty="0" smtClean="0"/>
+              <a:rPr lang="en-US" dirty="0"/>
               <a:t>… of bits and bytes</a:t>
             </a:r>
-            <a:endParaRPr lang="en-US" dirty="0"/>
           </a:p>
         </p:txBody>
       </p:sp>
@@ -10032,7 +9774,7 @@
               <a:buChar char="•"/>
             </a:pPr>
             <a:r>
-              <a:rPr lang="en-US" dirty="0" smtClean="0"/>
+              <a:rPr lang="en-US" dirty="0"/>
               <a:t>.</a:t>
             </a:r>
           </a:p>
@@ -10042,7 +9784,7 @@
               <a:buChar char="•"/>
             </a:pPr>
             <a:r>
-              <a:rPr lang="en-US" dirty="0" smtClean="0"/>
+              <a:rPr lang="en-US" dirty="0"/>
               <a:t>.</a:t>
             </a:r>
           </a:p>
@@ -10182,10 +9924,9 @@
           <a:lstStyle/>
           <a:p>
             <a:r>
-              <a:rPr lang="en-US" sz="2400" dirty="0" smtClean="0"/>
+              <a:rPr lang="en-US" sz="2400" dirty="0"/>
               <a:t>Byte</a:t>
             </a:r>
-            <a:endParaRPr lang="en-US" sz="2400" dirty="0"/>
           </a:p>
         </p:txBody>
       </p:sp>
@@ -10212,86 +9953,86 @@
           <a:lstStyle/>
           <a:p>
             <a:r>
-              <a:rPr lang="en-US" sz="1100" dirty="0" smtClean="0"/>
+              <a:rPr lang="en-US" sz="1100" dirty="0"/>
               <a:t>00000</a:t>
             </a:r>
             <a:br>
-              <a:rPr lang="en-US" sz="1100" dirty="0" smtClean="0"/>
+              <a:rPr lang="en-US" sz="1100" dirty="0"/>
             </a:br>
             <a:r>
-              <a:rPr lang="en-US" sz="1100" dirty="0" smtClean="0"/>
+              <a:rPr lang="en-US" sz="1100" dirty="0"/>
               <a:t>00001</a:t>
             </a:r>
           </a:p>
           <a:p>
             <a:r>
-              <a:rPr lang="en-US" sz="1100" dirty="0" smtClean="0"/>
+              <a:rPr lang="en-US" sz="1100" dirty="0"/>
               <a:t>00002</a:t>
             </a:r>
           </a:p>
           <a:p>
             <a:r>
-              <a:rPr lang="en-US" sz="1100" dirty="0" smtClean="0"/>
+              <a:rPr lang="en-US" sz="1100" dirty="0"/>
               <a:t>00003</a:t>
             </a:r>
           </a:p>
           <a:p>
             <a:r>
-              <a:rPr lang="en-US" sz="1100" dirty="0" smtClean="0"/>
+              <a:rPr lang="en-US" sz="1100" dirty="0"/>
               <a:t>00004</a:t>
             </a:r>
           </a:p>
           <a:p>
             <a:r>
-              <a:rPr lang="en-US" sz="1100" dirty="0" smtClean="0"/>
+              <a:rPr lang="en-US" sz="1100" dirty="0"/>
               <a:t>00005</a:t>
             </a:r>
           </a:p>
           <a:p>
             <a:r>
-              <a:rPr lang="en-US" sz="1100" dirty="0" smtClean="0"/>
+              <a:rPr lang="en-US" sz="1100" dirty="0"/>
               <a:t>00006</a:t>
             </a:r>
           </a:p>
           <a:p>
             <a:r>
-              <a:rPr lang="en-US" sz="1100" dirty="0" smtClean="0"/>
+              <a:rPr lang="en-US" sz="1100" dirty="0"/>
               <a:t>00007</a:t>
             </a:r>
           </a:p>
           <a:p>
             <a:r>
-              <a:rPr lang="en-US" sz="1100" dirty="0" smtClean="0"/>
+              <a:rPr lang="en-US" sz="1100" dirty="0"/>
               <a:t>00008</a:t>
             </a:r>
           </a:p>
           <a:p>
             <a:r>
-              <a:rPr lang="en-US" sz="1100" dirty="0" smtClean="0"/>
+              <a:rPr lang="en-US" sz="1100" dirty="0"/>
               <a:t>00009</a:t>
             </a:r>
           </a:p>
           <a:p>
             <a:r>
-              <a:rPr lang="en-US" sz="1100" dirty="0" smtClean="0"/>
+              <a:rPr lang="en-US" sz="1100" dirty="0"/>
               <a:t>00010</a:t>
             </a:r>
           </a:p>
           <a:p>
             <a:r>
-              <a:rPr lang="en-US" sz="1100" dirty="0" smtClean="0"/>
+              <a:rPr lang="en-US" sz="1100" dirty="0"/>
               <a:t>00011</a:t>
             </a:r>
           </a:p>
           <a:p>
             <a:r>
-              <a:rPr lang="en-US" sz="2800" dirty="0" smtClean="0"/>
+              <a:rPr lang="en-US" sz="2800" dirty="0"/>
               <a:t>.</a:t>
             </a:r>
           </a:p>
           <a:p>
             <a:r>
-              <a:rPr lang="en-US" sz="2800" dirty="0" smtClean="0"/>
+              <a:rPr lang="en-US" sz="2800" dirty="0"/>
               <a:t>.</a:t>
             </a:r>
           </a:p>
@@ -10469,10 +10210,9 @@
           <a:lstStyle/>
           <a:p>
             <a:r>
-              <a:rPr lang="en-US" sz="2400" dirty="0" smtClean="0"/>
+              <a:rPr lang="en-US" sz="2400" dirty="0"/>
               <a:t>Bit</a:t>
             </a:r>
-            <a:endParaRPr lang="en-US" sz="2400" dirty="0"/>
           </a:p>
         </p:txBody>
       </p:sp>
@@ -10514,18 +10254,13 @@
           <a:p>
             <a:pPr algn="ctr"/>
             <a:r>
-              <a:rPr lang="en-US" dirty="0" smtClean="0">
+              <a:rPr lang="en-US" dirty="0">
                 <a:solidFill>
                   <a:schemeClr val="tx1"/>
                 </a:solidFill>
               </a:rPr>
               <a:t>0/1</a:t>
             </a:r>
-            <a:endParaRPr lang="en-US" dirty="0">
-              <a:solidFill>
-                <a:schemeClr val="tx1"/>
-              </a:solidFill>
-            </a:endParaRPr>
           </a:p>
         </p:txBody>
       </p:sp>
@@ -10552,10 +10287,9 @@
           <a:lstStyle/>
           <a:p>
             <a:r>
-              <a:rPr lang="en-US" sz="2400" dirty="0" smtClean="0"/>
+              <a:rPr lang="en-US" sz="2400" dirty="0"/>
               <a:t>Memory (RAM)</a:t>
             </a:r>
-            <a:endParaRPr lang="en-US" sz="2400" dirty="0"/>
           </a:p>
         </p:txBody>
       </p:sp>
@@ -10582,7 +10316,7 @@
           <a:lstStyle/>
           <a:p>
             <a:r>
-              <a:rPr lang="en-US" sz="2400" dirty="0" smtClean="0"/>
+              <a:rPr lang="en-US" sz="2400" dirty="0"/>
               <a:t>VARIABLE</a:t>
             </a:r>
           </a:p>
@@ -10592,7 +10326,7 @@
               <a:buChar char="•"/>
             </a:pPr>
             <a:r>
-              <a:rPr lang="en-US" sz="2400" dirty="0" smtClean="0"/>
+              <a:rPr lang="en-US" sz="2400" dirty="0"/>
               <a:t>When the program runs a variable’s location is chosen</a:t>
             </a:r>
           </a:p>
@@ -10602,22 +10336,22 @@
               <a:buChar char="•"/>
             </a:pPr>
             <a:r>
-              <a:rPr lang="en-US" sz="2400" b="1" dirty="0" smtClean="0"/>
+              <a:rPr lang="en-US" sz="2400" b="1" dirty="0"/>
               <a:t>Depending on the type  </a:t>
             </a:r>
             <a:r>
-              <a:rPr lang="en-US" sz="2400" dirty="0" smtClean="0"/>
+              <a:rPr lang="en-US" sz="2400" dirty="0"/>
               <a:t>a certain </a:t>
             </a:r>
             <a:r>
-              <a:rPr lang="en-US" sz="2400" b="1" dirty="0" smtClean="0"/>
+              <a:rPr lang="en-US" sz="2400" b="1" dirty="0"/>
               <a:t>number of bytes (size)</a:t>
             </a:r>
             <a:br>
-              <a:rPr lang="en-US" sz="2400" b="1" dirty="0" smtClean="0"/>
+              <a:rPr lang="en-US" sz="2400" b="1" dirty="0"/>
             </a:br>
             <a:r>
-              <a:rPr lang="en-US" sz="2400" dirty="0" smtClean="0"/>
+              <a:rPr lang="en-US" sz="2400" dirty="0"/>
               <a:t>are reserved for the variable</a:t>
             </a:r>
           </a:p>
@@ -10627,7 +10361,7 @@
               <a:buChar char="•"/>
             </a:pPr>
             <a:r>
-              <a:rPr lang="en-US" sz="2400" dirty="0" smtClean="0"/>
+              <a:rPr lang="en-US" sz="2400" dirty="0"/>
               <a:t>We do not control the location, encoding or the size</a:t>
             </a:r>
           </a:p>
@@ -10637,7 +10371,7 @@
               <a:buChar char="•"/>
             </a:pPr>
             <a:r>
-              <a:rPr lang="en-US" sz="2400" dirty="0" smtClean="0"/>
+              <a:rPr lang="en-US" sz="2400" dirty="0"/>
               <a:t>But we can find out the number of bytes… and the encoding</a:t>
             </a:r>
           </a:p>
@@ -10690,10 +10424,9 @@
                     <a:lstStyle/>
                     <a:p>
                       <a:r>
-                        <a:rPr lang="en-US" dirty="0" smtClean="0"/>
+                        <a:rPr lang="en-US" dirty="0"/>
                         <a:t>TYPE</a:t>
                       </a:r>
-                      <a:endParaRPr lang="en-US" dirty="0"/>
                     </a:p>
                   </a:txBody>
                   <a:tcPr/>
@@ -10704,10 +10437,9 @@
                     <a:lstStyle/>
                     <a:p>
                       <a:r>
-                        <a:rPr lang="en-US" dirty="0" smtClean="0"/>
+                        <a:rPr lang="en-US" dirty="0"/>
                         <a:t>SIZE</a:t>
                       </a:r>
-                      <a:endParaRPr lang="en-US" dirty="0"/>
                     </a:p>
                   </a:txBody>
                   <a:tcPr/>
@@ -10725,10 +10457,9 @@
                     <a:lstStyle/>
                     <a:p>
                       <a:r>
-                        <a:rPr lang="en-US" dirty="0" smtClean="0"/>
+                        <a:rPr lang="en-US" dirty="0"/>
                         <a:t>char</a:t>
                       </a:r>
-                      <a:endParaRPr lang="en-US" dirty="0"/>
                     </a:p>
                   </a:txBody>
                   <a:tcPr/>
@@ -10739,10 +10470,9 @@
                     <a:lstStyle/>
                     <a:p>
                       <a:r>
-                        <a:rPr lang="en-US" dirty="0" smtClean="0"/>
+                        <a:rPr lang="en-US" dirty="0"/>
                         <a:t>1</a:t>
                       </a:r>
-                      <a:endParaRPr lang="en-US" dirty="0"/>
                     </a:p>
                   </a:txBody>
                   <a:tcPr/>
@@ -10760,14 +10490,13 @@
                     <a:lstStyle/>
                     <a:p>
                       <a:r>
-                        <a:rPr lang="en-US" dirty="0" err="1" smtClean="0"/>
+                        <a:rPr lang="en-US" dirty="0" err="1"/>
                         <a:t>Int</a:t>
                       </a:r>
                       <a:r>
-                        <a:rPr lang="en-US" dirty="0" smtClean="0"/>
+                        <a:rPr lang="en-US" dirty="0"/>
                         <a:t> </a:t>
                       </a:r>
-                      <a:endParaRPr lang="en-US" dirty="0"/>
                     </a:p>
                   </a:txBody>
                   <a:tcPr/>
@@ -10778,10 +10507,9 @@
                     <a:lstStyle/>
                     <a:p>
                       <a:r>
-                        <a:rPr lang="en-US" dirty="0" smtClean="0"/>
+                        <a:rPr lang="en-US" dirty="0"/>
                         <a:t>4</a:t>
                       </a:r>
-                      <a:endParaRPr lang="en-US" dirty="0"/>
                     </a:p>
                   </a:txBody>
                   <a:tcPr/>
@@ -10799,10 +10527,9 @@
                     <a:lstStyle/>
                     <a:p>
                       <a:r>
-                        <a:rPr lang="en-US" dirty="0" smtClean="0"/>
+                        <a:rPr lang="en-US" dirty="0"/>
                         <a:t>float</a:t>
                       </a:r>
-                      <a:endParaRPr lang="en-US" dirty="0"/>
                     </a:p>
                   </a:txBody>
                   <a:tcPr/>
@@ -10813,10 +10540,9 @@
                     <a:lstStyle/>
                     <a:p>
                       <a:r>
-                        <a:rPr lang="en-US" dirty="0" smtClean="0"/>
+                        <a:rPr lang="en-US" dirty="0"/>
                         <a:t>4</a:t>
                       </a:r>
-                      <a:endParaRPr lang="en-US" dirty="0"/>
                     </a:p>
                   </a:txBody>
                   <a:tcPr/>
@@ -10834,10 +10560,9 @@
                     <a:lstStyle/>
                     <a:p>
                       <a:r>
-                        <a:rPr lang="en-US" dirty="0" smtClean="0"/>
+                        <a:rPr lang="en-US" dirty="0"/>
                         <a:t>double</a:t>
                       </a:r>
-                      <a:endParaRPr lang="en-US" dirty="0"/>
                     </a:p>
                   </a:txBody>
                   <a:tcPr/>
@@ -10848,10 +10573,9 @@
                     <a:lstStyle/>
                     <a:p>
                       <a:r>
-                        <a:rPr lang="en-US" dirty="0" smtClean="0"/>
+                        <a:rPr lang="en-US" dirty="0"/>
                         <a:t>8</a:t>
                       </a:r>
-                      <a:endParaRPr lang="en-US" dirty="0"/>
                     </a:p>
                   </a:txBody>
                   <a:tcPr/>
@@ -10889,17 +10613,17 @@
           <a:lstStyle/>
           <a:p>
             <a:r>
-              <a:rPr lang="en-US" dirty="0" smtClean="0"/>
+              <a:rPr lang="en-US" dirty="0"/>
               <a:t>COMMON SIZES</a:t>
             </a:r>
           </a:p>
           <a:p>
             <a:r>
-              <a:rPr lang="en-US" dirty="0" smtClean="0"/>
+              <a:rPr lang="en-US" dirty="0"/>
               <a:t>See </a:t>
             </a:r>
             <a:r>
-              <a:rPr lang="en-US" dirty="0" err="1" smtClean="0">
+              <a:rPr lang="en-US" dirty="0" err="1">
                 <a:latin typeface="Courier New" panose="02070309020205020404" pitchFamily="49" charset="0"/>
                 <a:cs typeface="Courier New" panose="02070309020205020404" pitchFamily="49" charset="0"/>
               </a:rPr>
@@ -10935,17 +10659,16 @@
           <a:lstStyle/>
           <a:p>
             <a:r>
-              <a:rPr lang="en-US" dirty="0" smtClean="0"/>
+              <a:rPr lang="en-US" dirty="0"/>
               <a:t>TYPICAL ADDRESS appears like</a:t>
             </a:r>
             <a:br>
-              <a:rPr lang="en-US" dirty="0" smtClean="0"/>
+              <a:rPr lang="en-US" dirty="0"/>
             </a:br>
             <a:r>
-              <a:rPr lang="en-US" dirty="0" smtClean="0"/>
+              <a:rPr lang="en-US" dirty="0"/>
               <a:t>0x7ffdc3478ad4</a:t>
             </a:r>
-            <a:endParaRPr lang="en-US" dirty="0"/>
           </a:p>
         </p:txBody>
       </p:sp>
@@ -11302,19 +11025,19 @@
           <a:lstStyle/>
           <a:p>
             <a:r>
-              <a:rPr lang="en-US" dirty="0" smtClean="0"/>
+              <a:rPr lang="en-US" dirty="0"/>
               <a:t>Types in C – </a:t>
             </a:r>
             <a:r>
-              <a:rPr lang="en-US" b="1" i="1" dirty="0" smtClean="0"/>
+              <a:rPr lang="en-US" b="1" i="1" dirty="0"/>
               <a:t>some</a:t>
             </a:r>
             <a:r>
-              <a:rPr lang="en-US" dirty="0" smtClean="0"/>
+              <a:rPr lang="en-US" dirty="0"/>
               <a:t> </a:t>
             </a:r>
             <a:r>
-              <a:rPr lang="en-US" smtClean="0"/>
+              <a:rPr lang="en-US"/>
               <a:t>common ones</a:t>
             </a:r>
             <a:endParaRPr lang="en-US" i="1" dirty="0"/>
@@ -11344,21 +11067,21 @@
           <a:lstStyle/>
           <a:p>
             <a:r>
-              <a:rPr lang="en-US" sz="2000" dirty="0" smtClean="0">
+              <a:rPr lang="en-US" sz="2000" b="1" dirty="0">
                 <a:latin typeface="Courier New" panose="02070309020205020404" pitchFamily="49" charset="0"/>
                 <a:cs typeface="Courier New" panose="02070309020205020404" pitchFamily="49" charset="0"/>
               </a:rPr>
-              <a:t>char  x; 		         1  	</a:t>
+              <a:t>char  x; </a:t>
             </a:r>
             <a:r>
               <a:rPr lang="en-US" sz="2000" dirty="0">
                 <a:latin typeface="Courier New" panose="02070309020205020404" pitchFamily="49" charset="0"/>
                 <a:cs typeface="Courier New" panose="02070309020205020404" pitchFamily="49" charset="0"/>
               </a:rPr>
-              <a:t>%</a:t>
-            </a:r>
-            <a:r>
-              <a:rPr lang="en-US" sz="2000" b="1" dirty="0" smtClean="0">
+              <a:t>		         1  	%</a:t>
+            </a:r>
+            <a:r>
+              <a:rPr lang="en-US" sz="2000" b="1" dirty="0">
                 <a:solidFill>
                   <a:schemeClr val="accent5"/>
                 </a:solidFill>
@@ -11368,28 +11091,28 @@
               <a:t>c    </a:t>
             </a:r>
             <a:r>
-              <a:rPr lang="en-US" sz="2000" dirty="0" smtClean="0">
+              <a:rPr lang="en-US" sz="2000" dirty="0">
                 <a:latin typeface="Courier New" panose="02070309020205020404" pitchFamily="49" charset="0"/>
                 <a:cs typeface="Courier New" panose="02070309020205020404" pitchFamily="49" charset="0"/>
               </a:rPr>
               <a:t>e.g.,   </a:t>
             </a:r>
             <a:r>
-              <a:rPr lang="en-US" sz="2000" dirty="0" err="1" smtClean="0">
+              <a:rPr lang="en-US" sz="2000" dirty="0" err="1">
                 <a:latin typeface="Courier New" panose="02070309020205020404" pitchFamily="49" charset="0"/>
                 <a:cs typeface="Courier New" panose="02070309020205020404" pitchFamily="49" charset="0"/>
               </a:rPr>
               <a:t>printf</a:t>
             </a:r>
             <a:r>
-              <a:rPr lang="en-US" sz="2000" dirty="0" smtClean="0">
+              <a:rPr lang="en-US" sz="2000" dirty="0">
                 <a:latin typeface="Courier New" panose="02070309020205020404" pitchFamily="49" charset="0"/>
                 <a:cs typeface="Courier New" panose="02070309020205020404" pitchFamily="49" charset="0"/>
               </a:rPr>
               <a:t>(“</a:t>
             </a:r>
             <a:r>
-              <a:rPr lang="en-US" sz="2000" b="1" dirty="0" smtClean="0">
+              <a:rPr lang="en-US" sz="2000" b="1" dirty="0">
                 <a:solidFill>
                   <a:schemeClr val="accent5"/>
                 </a:solidFill>
@@ -11399,58 +11122,51 @@
               <a:t>%c</a:t>
             </a:r>
             <a:r>
-              <a:rPr lang="en-US" sz="2000" dirty="0" smtClean="0">
-                <a:latin typeface="Courier New" panose="02070309020205020404" pitchFamily="49" charset="0"/>
-                <a:cs typeface="Courier New" panose="02070309020205020404" pitchFamily="49" charset="0"/>
-              </a:rPr>
-              <a:t>\</a:t>
-            </a:r>
-            <a:r>
-              <a:rPr lang="en-US" sz="2000" dirty="0" err="1" smtClean="0">
-                <a:latin typeface="Courier New" panose="02070309020205020404" pitchFamily="49" charset="0"/>
-                <a:cs typeface="Courier New" panose="02070309020205020404" pitchFamily="49" charset="0"/>
-              </a:rPr>
-              <a:t>n”,x</a:t>
-            </a:r>
-            <a:r>
-              <a:rPr lang="en-US" sz="2000" dirty="0" smtClean="0">
-                <a:latin typeface="Courier New" panose="02070309020205020404" pitchFamily="49" charset="0"/>
-                <a:cs typeface="Courier New" panose="02070309020205020404" pitchFamily="49" charset="0"/>
-              </a:rPr>
-              <a:t>);        </a:t>
-            </a:r>
-          </a:p>
-          <a:p>
-            <a:r>
-              <a:rPr lang="en-US" sz="2000" dirty="0" err="1" smtClean="0">
-                <a:latin typeface="Courier New" panose="02070309020205020404" pitchFamily="49" charset="0"/>
-                <a:cs typeface="Courier New" panose="02070309020205020404" pitchFamily="49" charset="0"/>
-              </a:rPr>
-              <a:t>int</a:t>
-            </a:r>
-            <a:r>
-              <a:rPr lang="en-US" sz="2000" dirty="0" smtClean="0">
-                <a:latin typeface="Courier New" panose="02070309020205020404" pitchFamily="49" charset="0"/>
-                <a:cs typeface="Courier New" panose="02070309020205020404" pitchFamily="49" charset="0"/>
-              </a:rPr>
-              <a:t>   y;		         4	</a:t>
-            </a:r>
-            <a:r>
               <a:rPr lang="en-US" sz="2000" dirty="0">
                 <a:latin typeface="Courier New" panose="02070309020205020404" pitchFamily="49" charset="0"/>
                 <a:cs typeface="Courier New" panose="02070309020205020404" pitchFamily="49" charset="0"/>
               </a:rPr>
-              <a:t> </a:t>
-            </a:r>
-            <a:r>
-              <a:rPr lang="en-US" sz="2000" dirty="0" smtClean="0">
+              <a:t>\</a:t>
+            </a:r>
+            <a:r>
+              <a:rPr lang="en-US" sz="2000" dirty="0" err="1">
                 <a:latin typeface="Courier New" panose="02070309020205020404" pitchFamily="49" charset="0"/>
                 <a:cs typeface="Courier New" panose="02070309020205020404" pitchFamily="49" charset="0"/>
               </a:rPr>
-              <a:t>     </a:t>
-            </a:r>
-            <a:r>
-              <a:rPr lang="en-US" sz="2000" b="1" dirty="0" smtClean="0">
+              <a:t>n”,x</a:t>
+            </a:r>
+            <a:r>
+              <a:rPr lang="en-US" sz="2000" dirty="0">
+                <a:latin typeface="Courier New" panose="02070309020205020404" pitchFamily="49" charset="0"/>
+                <a:cs typeface="Courier New" panose="02070309020205020404" pitchFamily="49" charset="0"/>
+              </a:rPr>
+              <a:t>);        </a:t>
+            </a:r>
+          </a:p>
+          <a:p>
+            <a:r>
+              <a:rPr lang="en-US" sz="2000" b="1" dirty="0" err="1">
+                <a:latin typeface="Courier New" panose="02070309020205020404" pitchFamily="49" charset="0"/>
+                <a:cs typeface="Courier New" panose="02070309020205020404" pitchFamily="49" charset="0"/>
+              </a:rPr>
+              <a:t>int</a:t>
+            </a:r>
+            <a:r>
+              <a:rPr lang="en-US" sz="2000" b="1" dirty="0">
+                <a:latin typeface="Courier New" panose="02070309020205020404" pitchFamily="49" charset="0"/>
+                <a:cs typeface="Courier New" panose="02070309020205020404" pitchFamily="49" charset="0"/>
+              </a:rPr>
+              <a:t>   y;</a:t>
+            </a:r>
+            <a:r>
+              <a:rPr lang="en-US" sz="2000" dirty="0">
+                <a:latin typeface="Courier New" panose="02070309020205020404" pitchFamily="49" charset="0"/>
+                <a:cs typeface="Courier New" panose="02070309020205020404" pitchFamily="49" charset="0"/>
+              </a:rPr>
+              <a:t>		         4	      </a:t>
+            </a:r>
+            <a:r>
+              <a:rPr lang="en-US" sz="2000" b="1" dirty="0">
                 <a:solidFill>
                   <a:schemeClr val="accent5"/>
                 </a:solidFill>
@@ -11460,7 +11176,7 @@
               <a:t>%d   </a:t>
             </a:r>
             <a:r>
-              <a:rPr lang="en-US" sz="2000" dirty="0" smtClean="0">
+              <a:rPr lang="en-US" sz="2000" dirty="0">
                 <a:solidFill>
                   <a:schemeClr val="accent5"/>
                 </a:solidFill>
@@ -11470,7 +11186,7 @@
               <a:t> </a:t>
             </a:r>
             <a:r>
-              <a:rPr lang="en-US" sz="2000" b="1" dirty="0" smtClean="0">
+              <a:rPr lang="en-US" sz="2000" b="1" dirty="0">
                 <a:solidFill>
                   <a:schemeClr val="accent5"/>
                 </a:solidFill>
@@ -11480,14 +11196,14 @@
               <a:t>%o</a:t>
             </a:r>
             <a:r>
-              <a:rPr lang="en-US" sz="2000" b="1" dirty="0" smtClean="0">
+              <a:rPr lang="en-US" sz="2000" b="1" dirty="0">
                 <a:latin typeface="Courier New" panose="02070309020205020404" pitchFamily="49" charset="0"/>
                 <a:cs typeface="Courier New" panose="02070309020205020404" pitchFamily="49" charset="0"/>
               </a:rPr>
               <a:t>    </a:t>
             </a:r>
             <a:r>
-              <a:rPr lang="en-US" sz="2000" b="1" dirty="0" smtClean="0">
+              <a:rPr lang="en-US" sz="2000" b="1" dirty="0">
                 <a:solidFill>
                   <a:schemeClr val="accent5"/>
                 </a:solidFill>
@@ -11499,79 +11215,65 @@
           </a:p>
           <a:p>
             <a:r>
-              <a:rPr lang="en-US" sz="2000" dirty="0" smtClean="0">
-                <a:latin typeface="Courier New" panose="02070309020205020404" pitchFamily="49" charset="0"/>
-                <a:cs typeface="Courier New" panose="02070309020205020404" pitchFamily="49" charset="0"/>
-              </a:rPr>
-              <a:t>short </a:t>
-            </a:r>
-            <a:r>
-              <a:rPr lang="en-US" sz="2000" dirty="0" err="1" smtClean="0">
-                <a:latin typeface="Courier New" panose="02070309020205020404" pitchFamily="49" charset="0"/>
-                <a:cs typeface="Courier New" panose="02070309020205020404" pitchFamily="49" charset="0"/>
-              </a:rPr>
-              <a:t>int</a:t>
-            </a:r>
-            <a:r>
-              <a:rPr lang="en-US" sz="2000" dirty="0" smtClean="0">
-                <a:latin typeface="Courier New" panose="02070309020205020404" pitchFamily="49" charset="0"/>
-                <a:cs typeface="Courier New" panose="02070309020205020404" pitchFamily="49" charset="0"/>
-              </a:rPr>
-              <a:t> </a:t>
-            </a:r>
-            <a:r>
-              <a:rPr lang="en-US" sz="2000" dirty="0" err="1" smtClean="0">
-                <a:latin typeface="Courier New" panose="02070309020205020404" pitchFamily="49" charset="0"/>
-                <a:cs typeface="Courier New" panose="02070309020205020404" pitchFamily="49" charset="0"/>
-              </a:rPr>
-              <a:t>xs</a:t>
-            </a:r>
-            <a:r>
-              <a:rPr lang="en-US" sz="2000" dirty="0" smtClean="0">
-                <a:latin typeface="Courier New" panose="02070309020205020404" pitchFamily="49" charset="0"/>
-                <a:cs typeface="Courier New" panose="02070309020205020404" pitchFamily="49" charset="0"/>
-              </a:rPr>
-              <a:t>;	         2</a:t>
-            </a:r>
-          </a:p>
-          <a:p>
-            <a:r>
-              <a:rPr lang="en-US" sz="2000" dirty="0" smtClean="0">
-                <a:latin typeface="Courier New" panose="02070309020205020404" pitchFamily="49" charset="0"/>
-                <a:cs typeface="Courier New" panose="02070309020205020404" pitchFamily="49" charset="0"/>
-              </a:rPr>
-              <a:t>long </a:t>
-            </a:r>
-            <a:r>
-              <a:rPr lang="en-US" sz="2000" dirty="0" err="1" smtClean="0">
-                <a:latin typeface="Courier New" panose="02070309020205020404" pitchFamily="49" charset="0"/>
-                <a:cs typeface="Courier New" panose="02070309020205020404" pitchFamily="49" charset="0"/>
-              </a:rPr>
-              <a:t>int</a:t>
-            </a:r>
-            <a:r>
-              <a:rPr lang="en-US" sz="2000" dirty="0" smtClean="0">
-                <a:latin typeface="Courier New" panose="02070309020205020404" pitchFamily="49" charset="0"/>
-                <a:cs typeface="Courier New" panose="02070309020205020404" pitchFamily="49" charset="0"/>
-              </a:rPr>
-              <a:t>   xl;	         4	</a:t>
-            </a:r>
-            <a:r>
               <a:rPr lang="en-US" sz="2000" dirty="0">
                 <a:latin typeface="Courier New" panose="02070309020205020404" pitchFamily="49" charset="0"/>
                 <a:cs typeface="Courier New" panose="02070309020205020404" pitchFamily="49" charset="0"/>
               </a:rPr>
-              <a:t> </a:t>
-            </a:r>
-            <a:r>
-              <a:rPr lang="en-US" sz="2000" dirty="0" smtClean="0">
+              <a:t>short </a:t>
+            </a:r>
+            <a:r>
+              <a:rPr lang="en-US" sz="2000" dirty="0" err="1">
                 <a:latin typeface="Courier New" panose="02070309020205020404" pitchFamily="49" charset="0"/>
                 <a:cs typeface="Courier New" panose="02070309020205020404" pitchFamily="49" charset="0"/>
               </a:rPr>
-              <a:t>     </a:t>
-            </a:r>
-            <a:r>
-              <a:rPr lang="en-US" sz="2000" b="1" dirty="0" smtClean="0">
+              <a:t>int</a:t>
+            </a:r>
+            <a:r>
+              <a:rPr lang="en-US" sz="2000" dirty="0">
+                <a:latin typeface="Courier New" panose="02070309020205020404" pitchFamily="49" charset="0"/>
+                <a:cs typeface="Courier New" panose="02070309020205020404" pitchFamily="49" charset="0"/>
+              </a:rPr>
+              <a:t> </a:t>
+            </a:r>
+            <a:r>
+              <a:rPr lang="en-US" sz="2000" dirty="0" err="1">
+                <a:latin typeface="Courier New" panose="02070309020205020404" pitchFamily="49" charset="0"/>
+                <a:cs typeface="Courier New" panose="02070309020205020404" pitchFamily="49" charset="0"/>
+              </a:rPr>
+              <a:t>xs</a:t>
+            </a:r>
+            <a:r>
+              <a:rPr lang="en-US" sz="2000" dirty="0">
+                <a:latin typeface="Courier New" panose="02070309020205020404" pitchFamily="49" charset="0"/>
+                <a:cs typeface="Courier New" panose="02070309020205020404" pitchFamily="49" charset="0"/>
+              </a:rPr>
+              <a:t>;	         2</a:t>
+            </a:r>
+          </a:p>
+          <a:p>
+            <a:r>
+              <a:rPr lang="en-US" sz="2000" dirty="0">
+                <a:latin typeface="Courier New" panose="02070309020205020404" pitchFamily="49" charset="0"/>
+                <a:cs typeface="Courier New" panose="02070309020205020404" pitchFamily="49" charset="0"/>
+              </a:rPr>
+              <a:t>long </a:t>
+            </a:r>
+            <a:r>
+              <a:rPr lang="en-US" sz="2000" dirty="0" err="1">
+                <a:latin typeface="Courier New" panose="02070309020205020404" pitchFamily="49" charset="0"/>
+                <a:cs typeface="Courier New" panose="02070309020205020404" pitchFamily="49" charset="0"/>
+              </a:rPr>
+              <a:t>int</a:t>
+            </a:r>
+            <a:r>
+              <a:rPr lang="en-US" sz="2000" dirty="0">
+                <a:latin typeface="Courier New" panose="02070309020205020404" pitchFamily="49" charset="0"/>
+                <a:cs typeface="Courier New" panose="02070309020205020404" pitchFamily="49" charset="0"/>
+              </a:rPr>
+              <a:t>   xl;	         4	      </a:t>
+            </a:r>
+            <a:r>
+              <a:rPr lang="en-US" sz="2000" b="1" dirty="0">
                 <a:solidFill>
                   <a:schemeClr val="accent5"/>
                 </a:solidFill>
@@ -11581,7 +11283,7 @@
               <a:t>%</a:t>
             </a:r>
             <a:r>
-              <a:rPr lang="en-US" sz="2000" b="1" dirty="0" err="1" smtClean="0">
+              <a:rPr lang="en-US" sz="2000" b="1" dirty="0" err="1">
                 <a:solidFill>
                   <a:schemeClr val="accent5"/>
                 </a:solidFill>
@@ -11589,149 +11291,6 @@
                 <a:cs typeface="Courier New" panose="02070309020205020404" pitchFamily="49" charset="0"/>
               </a:rPr>
               <a:t>ld</a:t>
-            </a:r>
-            <a:endParaRPr lang="en-US" sz="2000" b="1" dirty="0" smtClean="0">
-              <a:solidFill>
-                <a:schemeClr val="accent5"/>
-              </a:solidFill>
-              <a:latin typeface="Courier New" panose="02070309020205020404" pitchFamily="49" charset="0"/>
-              <a:cs typeface="Courier New" panose="02070309020205020404" pitchFamily="49" charset="0"/>
-            </a:endParaRPr>
-          </a:p>
-          <a:p>
-            <a:r>
-              <a:rPr lang="en-US" sz="2000" dirty="0" smtClean="0">
-                <a:latin typeface="Courier New" panose="02070309020205020404" pitchFamily="49" charset="0"/>
-                <a:cs typeface="Courier New" panose="02070309020205020404" pitchFamily="49" charset="0"/>
-              </a:rPr>
-              <a:t>unsigned short </a:t>
-            </a:r>
-            <a:r>
-              <a:rPr lang="en-US" sz="2000" dirty="0" err="1" smtClean="0">
-                <a:latin typeface="Courier New" panose="02070309020205020404" pitchFamily="49" charset="0"/>
-                <a:cs typeface="Courier New" panose="02070309020205020404" pitchFamily="49" charset="0"/>
-              </a:rPr>
-              <a:t>int</a:t>
-            </a:r>
-            <a:r>
-              <a:rPr lang="en-US" sz="2000" dirty="0" smtClean="0">
-                <a:latin typeface="Courier New" panose="02070309020205020404" pitchFamily="49" charset="0"/>
-                <a:cs typeface="Courier New" panose="02070309020205020404" pitchFamily="49" charset="0"/>
-              </a:rPr>
-              <a:t>  </a:t>
-            </a:r>
-            <a:r>
-              <a:rPr lang="en-US" sz="2000" dirty="0" err="1" smtClean="0">
-                <a:latin typeface="Courier New" panose="02070309020205020404" pitchFamily="49" charset="0"/>
-                <a:cs typeface="Courier New" panose="02070309020205020404" pitchFamily="49" charset="0"/>
-              </a:rPr>
-              <a:t>ux</a:t>
-            </a:r>
-            <a:r>
-              <a:rPr lang="en-US" sz="2000" dirty="0" smtClean="0">
-                <a:latin typeface="Courier New" panose="02070309020205020404" pitchFamily="49" charset="0"/>
-                <a:cs typeface="Courier New" panose="02070309020205020404" pitchFamily="49" charset="0"/>
-              </a:rPr>
-              <a:t>;  2</a:t>
-            </a:r>
-          </a:p>
-          <a:p>
-            <a:r>
-              <a:rPr lang="en-US" sz="2000" dirty="0">
-                <a:latin typeface="Courier New" panose="02070309020205020404" pitchFamily="49" charset="0"/>
-                <a:cs typeface="Courier New" panose="02070309020205020404" pitchFamily="49" charset="0"/>
-              </a:rPr>
-              <a:t>u</a:t>
-            </a:r>
-            <a:r>
-              <a:rPr lang="en-US" sz="2000" dirty="0" smtClean="0">
-                <a:latin typeface="Courier New" panose="02070309020205020404" pitchFamily="49" charset="0"/>
-                <a:cs typeface="Courier New" panose="02070309020205020404" pitchFamily="49" charset="0"/>
-              </a:rPr>
-              <a:t>nsigned </a:t>
-            </a:r>
-            <a:r>
-              <a:rPr lang="en-US" sz="2000" dirty="0" err="1" smtClean="0">
-                <a:latin typeface="Courier New" panose="02070309020205020404" pitchFamily="49" charset="0"/>
-                <a:cs typeface="Courier New" panose="02070309020205020404" pitchFamily="49" charset="0"/>
-              </a:rPr>
-              <a:t>int</a:t>
-            </a:r>
-            <a:r>
-              <a:rPr lang="en-US" sz="2000" dirty="0" smtClean="0">
-                <a:latin typeface="Courier New" panose="02070309020205020404" pitchFamily="49" charset="0"/>
-                <a:cs typeface="Courier New" panose="02070309020205020404" pitchFamily="49" charset="0"/>
-              </a:rPr>
-              <a:t> ux2;        4         </a:t>
-            </a:r>
-            <a:r>
-              <a:rPr lang="en-US" sz="2000" b="1" dirty="0" smtClean="0">
-                <a:solidFill>
-                  <a:schemeClr val="accent5"/>
-                </a:solidFill>
-                <a:latin typeface="Courier New" panose="02070309020205020404" pitchFamily="49" charset="0"/>
-                <a:cs typeface="Courier New" panose="02070309020205020404" pitchFamily="49" charset="0"/>
-              </a:rPr>
-              <a:t>%u</a:t>
-            </a:r>
-          </a:p>
-          <a:p>
-            <a:r>
-              <a:rPr lang="en-US" sz="2000" dirty="0" smtClean="0">
-                <a:latin typeface="Courier New" panose="02070309020205020404" pitchFamily="49" charset="0"/>
-                <a:cs typeface="Courier New" panose="02070309020205020404" pitchFamily="49" charset="0"/>
-              </a:rPr>
-              <a:t>float   f1;</a:t>
-            </a:r>
-            <a:r>
-              <a:rPr lang="en-US" sz="2000" dirty="0">
-                <a:latin typeface="Courier New" panose="02070309020205020404" pitchFamily="49" charset="0"/>
-                <a:cs typeface="Courier New" panose="02070309020205020404" pitchFamily="49" charset="0"/>
-              </a:rPr>
-              <a:t>	</a:t>
-            </a:r>
-            <a:r>
-              <a:rPr lang="en-US" sz="2000" dirty="0" smtClean="0">
-                <a:latin typeface="Courier New" panose="02070309020205020404" pitchFamily="49" charset="0"/>
-                <a:cs typeface="Courier New" panose="02070309020205020404" pitchFamily="49" charset="0"/>
-              </a:rPr>
-              <a:t>         4        </a:t>
-            </a:r>
-            <a:r>
-              <a:rPr lang="en-US" sz="2000" b="1" dirty="0" smtClean="0">
-                <a:solidFill>
-                  <a:schemeClr val="accent5"/>
-                </a:solidFill>
-                <a:latin typeface="Courier New" panose="02070309020205020404" pitchFamily="49" charset="0"/>
-                <a:cs typeface="Courier New" panose="02070309020205020404" pitchFamily="49" charset="0"/>
-              </a:rPr>
-              <a:t>%f     </a:t>
-            </a:r>
-          </a:p>
-          <a:p>
-            <a:r>
-              <a:rPr lang="en-US" sz="2000" dirty="0">
-                <a:latin typeface="Courier New" panose="02070309020205020404" pitchFamily="49" charset="0"/>
-                <a:cs typeface="Courier New" panose="02070309020205020404" pitchFamily="49" charset="0"/>
-              </a:rPr>
-              <a:t>d</a:t>
-            </a:r>
-            <a:r>
-              <a:rPr lang="en-US" sz="2000" dirty="0" smtClean="0">
-                <a:latin typeface="Courier New" panose="02070309020205020404" pitchFamily="49" charset="0"/>
-                <a:cs typeface="Courier New" panose="02070309020205020404" pitchFamily="49" charset="0"/>
-              </a:rPr>
-              <a:t>ouble  f2;	         8	      </a:t>
-            </a:r>
-            <a:r>
-              <a:rPr lang="en-US" sz="2000" b="1" dirty="0" smtClean="0">
-                <a:solidFill>
-                  <a:schemeClr val="accent5"/>
-                </a:solidFill>
-                <a:latin typeface="Courier New" panose="02070309020205020404" pitchFamily="49" charset="0"/>
-                <a:cs typeface="Courier New" panose="02070309020205020404" pitchFamily="49" charset="0"/>
-              </a:rPr>
-              <a:t>%lf %e</a:t>
             </a:r>
             <a:endParaRPr lang="en-US" sz="2000" b="1" dirty="0">
               <a:solidFill>
@@ -11740,6 +11299,128 @@
               <a:latin typeface="Courier New" panose="02070309020205020404" pitchFamily="49" charset="0"/>
               <a:cs typeface="Courier New" panose="02070309020205020404" pitchFamily="49" charset="0"/>
             </a:endParaRPr>
+          </a:p>
+          <a:p>
+            <a:r>
+              <a:rPr lang="en-US" sz="2000" dirty="0">
+                <a:latin typeface="Courier New" panose="02070309020205020404" pitchFamily="49" charset="0"/>
+                <a:cs typeface="Courier New" panose="02070309020205020404" pitchFamily="49" charset="0"/>
+              </a:rPr>
+              <a:t>unsigned short </a:t>
+            </a:r>
+            <a:r>
+              <a:rPr lang="en-US" sz="2000" dirty="0" err="1">
+                <a:latin typeface="Courier New" panose="02070309020205020404" pitchFamily="49" charset="0"/>
+                <a:cs typeface="Courier New" panose="02070309020205020404" pitchFamily="49" charset="0"/>
+              </a:rPr>
+              <a:t>int</a:t>
+            </a:r>
+            <a:r>
+              <a:rPr lang="en-US" sz="2000" dirty="0">
+                <a:latin typeface="Courier New" panose="02070309020205020404" pitchFamily="49" charset="0"/>
+                <a:cs typeface="Courier New" panose="02070309020205020404" pitchFamily="49" charset="0"/>
+              </a:rPr>
+              <a:t>  </a:t>
+            </a:r>
+            <a:r>
+              <a:rPr lang="en-US" sz="2000" dirty="0" err="1">
+                <a:latin typeface="Courier New" panose="02070309020205020404" pitchFamily="49" charset="0"/>
+                <a:cs typeface="Courier New" panose="02070309020205020404" pitchFamily="49" charset="0"/>
+              </a:rPr>
+              <a:t>ux</a:t>
+            </a:r>
+            <a:r>
+              <a:rPr lang="en-US" sz="2000" dirty="0">
+                <a:latin typeface="Courier New" panose="02070309020205020404" pitchFamily="49" charset="0"/>
+                <a:cs typeface="Courier New" panose="02070309020205020404" pitchFamily="49" charset="0"/>
+              </a:rPr>
+              <a:t>;  2</a:t>
+            </a:r>
+          </a:p>
+          <a:p>
+            <a:r>
+              <a:rPr lang="en-US" sz="2000" dirty="0">
+                <a:latin typeface="Courier New" panose="02070309020205020404" pitchFamily="49" charset="0"/>
+                <a:cs typeface="Courier New" panose="02070309020205020404" pitchFamily="49" charset="0"/>
+              </a:rPr>
+              <a:t>unsigned </a:t>
+            </a:r>
+            <a:r>
+              <a:rPr lang="en-US" sz="2000" dirty="0" err="1">
+                <a:latin typeface="Courier New" panose="02070309020205020404" pitchFamily="49" charset="0"/>
+                <a:cs typeface="Courier New" panose="02070309020205020404" pitchFamily="49" charset="0"/>
+              </a:rPr>
+              <a:t>int</a:t>
+            </a:r>
+            <a:r>
+              <a:rPr lang="en-US" sz="2000" dirty="0">
+                <a:latin typeface="Courier New" panose="02070309020205020404" pitchFamily="49" charset="0"/>
+                <a:cs typeface="Courier New" panose="02070309020205020404" pitchFamily="49" charset="0"/>
+              </a:rPr>
+              <a:t> ux2;        4         </a:t>
+            </a:r>
+            <a:r>
+              <a:rPr lang="en-US" sz="2000" b="1" dirty="0">
+                <a:solidFill>
+                  <a:schemeClr val="accent5"/>
+                </a:solidFill>
+                <a:latin typeface="Courier New" panose="02070309020205020404" pitchFamily="49" charset="0"/>
+                <a:cs typeface="Courier New" panose="02070309020205020404" pitchFamily="49" charset="0"/>
+              </a:rPr>
+              <a:t>%u</a:t>
+            </a:r>
+          </a:p>
+          <a:p>
+            <a:r>
+              <a:rPr lang="en-US" sz="2000" b="1" dirty="0">
+                <a:latin typeface="Courier New" panose="02070309020205020404" pitchFamily="49" charset="0"/>
+                <a:cs typeface="Courier New" panose="02070309020205020404" pitchFamily="49" charset="0"/>
+              </a:rPr>
+              <a:t>float   f1;</a:t>
+            </a:r>
+            <a:r>
+              <a:rPr lang="en-US" sz="2000" dirty="0">
+                <a:latin typeface="Courier New" panose="02070309020205020404" pitchFamily="49" charset="0"/>
+                <a:cs typeface="Courier New" panose="02070309020205020404" pitchFamily="49" charset="0"/>
+              </a:rPr>
+              <a:t>	         4        </a:t>
+            </a:r>
+            <a:r>
+              <a:rPr lang="en-US" sz="2000" b="1" dirty="0">
+                <a:solidFill>
+                  <a:schemeClr val="accent5"/>
+                </a:solidFill>
+                <a:latin typeface="Courier New" panose="02070309020205020404" pitchFamily="49" charset="0"/>
+                <a:cs typeface="Courier New" panose="02070309020205020404" pitchFamily="49" charset="0"/>
+              </a:rPr>
+              <a:t>%f     </a:t>
+            </a:r>
+          </a:p>
+          <a:p>
+            <a:r>
+              <a:rPr lang="en-US" sz="2000" b="1" dirty="0">
+                <a:latin typeface="Courier New" panose="02070309020205020404" pitchFamily="49" charset="0"/>
+                <a:cs typeface="Courier New" panose="02070309020205020404" pitchFamily="49" charset="0"/>
+              </a:rPr>
+              <a:t>double  f2;</a:t>
+            </a:r>
+            <a:r>
+              <a:rPr lang="en-US" sz="2000" dirty="0">
+                <a:latin typeface="Courier New" panose="02070309020205020404" pitchFamily="49" charset="0"/>
+                <a:cs typeface="Courier New" panose="02070309020205020404" pitchFamily="49" charset="0"/>
+              </a:rPr>
+              <a:t>	         8	      </a:t>
+            </a:r>
+            <a:r>
+              <a:rPr lang="en-US" sz="2000" b="1" dirty="0">
+                <a:solidFill>
+                  <a:schemeClr val="accent5"/>
+                </a:solidFill>
+                <a:latin typeface="Courier New" panose="02070309020205020404" pitchFamily="49" charset="0"/>
+                <a:cs typeface="Courier New" panose="02070309020205020404" pitchFamily="49" charset="0"/>
+              </a:rPr>
+              <a:t>%lf %e</a:t>
+            </a:r>
           </a:p>
         </p:txBody>
       </p:sp>
@@ -11776,7 +11457,7 @@
           <a:lstStyle/>
           <a:p>
             <a:r>
-              <a:rPr lang="en-US" sz="2000" b="1" dirty="0" smtClean="0">
+              <a:rPr lang="en-US" sz="2000" b="1" dirty="0">
                 <a:solidFill>
                   <a:schemeClr val="accent5"/>
                 </a:solidFill>
@@ -11786,7 +11467,7 @@
               <a:t>%p</a:t>
             </a:r>
             <a:r>
-              <a:rPr lang="en-US" sz="2000" dirty="0" smtClean="0">
+              <a:rPr lang="en-US" sz="2000" dirty="0">
                 <a:latin typeface="Courier New" panose="02070309020205020404" pitchFamily="49" charset="0"/>
                 <a:cs typeface="Courier New" panose="02070309020205020404" pitchFamily="49" charset="0"/>
               </a:rPr>
@@ -11795,26 +11476,33 @@
           </a:p>
           <a:p>
             <a:r>
-              <a:rPr lang="en-US" sz="2000" b="1" dirty="0" smtClean="0">
+              <a:rPr lang="en-US" sz="2000" b="1" dirty="0">
                 <a:solidFill>
                   <a:schemeClr val="accent5"/>
                 </a:solidFill>
                 <a:latin typeface="Courier New" panose="02070309020205020404" pitchFamily="49" charset="0"/>
                 <a:cs typeface="Courier New" panose="02070309020205020404" pitchFamily="49" charset="0"/>
               </a:rPr>
-              <a:t>%s       “</a:t>
-            </a:r>
-            <a:r>
-              <a:rPr lang="en-US" sz="2000" dirty="0" smtClean="0">
+              <a:t>%s       </a:t>
+            </a:r>
+            <a:r>
+              <a:rPr lang="en-US" sz="2000" b="1" dirty="0">
                 <a:latin typeface="Courier New" panose="02070309020205020404" pitchFamily="49" charset="0"/>
                 <a:cs typeface="Courier New" panose="02070309020205020404" pitchFamily="49" charset="0"/>
               </a:rPr>
-              <a:t>string” of characters</a:t>
-            </a:r>
-          </a:p>
-          <a:p>
-            <a:r>
-              <a:rPr lang="en-US" sz="2000" b="1" dirty="0" smtClean="0">
+              <a:t>“string” </a:t>
+            </a:r>
+            <a:r>
+              <a:rPr lang="en-US" sz="2000" dirty="0">
+                <a:latin typeface="Courier New" panose="02070309020205020404" pitchFamily="49" charset="0"/>
+                <a:cs typeface="Courier New" panose="02070309020205020404" pitchFamily="49" charset="0"/>
+              </a:rPr>
+              <a:t>of characters</a:t>
+            </a:r>
+          </a:p>
+          <a:p>
+            <a:r>
+              <a:rPr lang="en-US" sz="2000" b="1" dirty="0">
                 <a:solidFill>
                   <a:schemeClr val="accent5"/>
                 </a:solidFill>
@@ -11824,14 +11512,14 @@
               <a:t>%%  </a:t>
             </a:r>
             <a:r>
-              <a:rPr lang="en-US" sz="2000" dirty="0" smtClean="0">
+              <a:rPr lang="en-US" sz="2000" dirty="0">
                 <a:latin typeface="Courier New" panose="02070309020205020404" pitchFamily="49" charset="0"/>
                 <a:cs typeface="Courier New" panose="02070309020205020404" pitchFamily="49" charset="0"/>
               </a:rPr>
               <a:t>     just the percentage sign </a:t>
             </a:r>
             <a:r>
-              <a:rPr lang="en-US" sz="2000" dirty="0" smtClean="0">
+              <a:rPr lang="en-US" sz="2000" dirty="0">
                 <a:latin typeface="Courier New" panose="02070309020205020404" pitchFamily="49" charset="0"/>
                 <a:cs typeface="Courier New" panose="02070309020205020404" pitchFamily="49" charset="0"/>
                 <a:sym typeface="Wingdings" panose="05000000000000000000" pitchFamily="2" charset="2"/>
@@ -11840,7 +11528,7 @@
             </a:r>
           </a:p>
           <a:p>
-            <a:endParaRPr lang="en-US" sz="2000" dirty="0" smtClean="0">
+            <a:endParaRPr lang="en-US" sz="2000" dirty="0">
               <a:latin typeface="Courier New" panose="02070309020205020404" pitchFamily="49" charset="0"/>
               <a:cs typeface="Courier New" panose="02070309020205020404" pitchFamily="49" charset="0"/>
             </a:endParaRPr>
@@ -11851,14 +11539,7 @@
                 <a:latin typeface="Garamond" panose="02020404030301010803" pitchFamily="18" charset="0"/>
                 <a:cs typeface="Courier New" panose="02070309020205020404" pitchFamily="49" charset="0"/>
               </a:rPr>
-              <a:t> </a:t>
-            </a:r>
-            <a:r>
-              <a:rPr lang="en-US" sz="2000" i="1" dirty="0" smtClean="0">
-                <a:latin typeface="Garamond" panose="02020404030301010803" pitchFamily="18" charset="0"/>
-                <a:cs typeface="Courier New" panose="02070309020205020404" pitchFamily="49" charset="0"/>
-              </a:rPr>
-              <a:t>- we’ll revisit when we go a bit further</a:t>
+              <a:t> - we’ll revisit when we go a bit further</a:t>
             </a:r>
           </a:p>
           <a:p>
@@ -11898,18 +11579,17 @@
           <a:lstStyle/>
           <a:p>
             <a:r>
-              <a:rPr lang="en-US" sz="2000" dirty="0" smtClean="0"/>
+              <a:rPr lang="en-US" sz="2000" dirty="0"/>
               <a:t>  variable declaration                                 size                           </a:t>
             </a:r>
             <a:r>
-              <a:rPr lang="en-US" sz="2000" dirty="0" err="1" smtClean="0"/>
+              <a:rPr lang="en-US" sz="2000" dirty="0" err="1"/>
               <a:t>printf</a:t>
             </a:r>
             <a:r>
-              <a:rPr lang="en-US" sz="2000" dirty="0" smtClean="0"/>
+              <a:rPr lang="en-US" sz="2000" dirty="0"/>
               <a:t> conversion character</a:t>
             </a:r>
-            <a:endParaRPr lang="en-US" sz="2000" dirty="0"/>
           </a:p>
         </p:txBody>
       </p:sp>
@@ -12037,24 +11717,23 @@
           <a:lstStyle/>
           <a:p>
             <a:r>
-              <a:rPr lang="en-US" dirty="0" err="1" smtClean="0">
+              <a:rPr lang="en-US" dirty="0" err="1">
                 <a:latin typeface="Courier New" panose="02070309020205020404" pitchFamily="49" charset="0"/>
                 <a:cs typeface="Courier New" panose="02070309020205020404" pitchFamily="49" charset="0"/>
               </a:rPr>
               <a:t>const</a:t>
             </a:r>
             <a:r>
-              <a:rPr lang="en-US" dirty="0" smtClean="0">
+              <a:rPr lang="en-US" dirty="0">
                 <a:latin typeface="Courier New" panose="02070309020205020404" pitchFamily="49" charset="0"/>
                 <a:cs typeface="Courier New" panose="02070309020205020404" pitchFamily="49" charset="0"/>
               </a:rPr>
               <a:t> </a:t>
             </a:r>
             <a:r>
-              <a:rPr lang="en-US" dirty="0" smtClean="0"/>
+              <a:rPr lang="en-US" dirty="0"/>
               <a:t>qualified  variables</a:t>
             </a:r>
-            <a:endParaRPr lang="en-US" dirty="0"/>
           </a:p>
         </p:txBody>
       </p:sp>
@@ -12074,49 +11753,14 @@
           <a:lstStyle/>
           <a:p>
             <a:r>
-              <a:rPr lang="en-US" dirty="0" smtClean="0"/>
+              <a:rPr lang="en-US" dirty="0"/>
               <a:t>Consider an initialized variable definition like:</a:t>
             </a:r>
             <a:br>
-              <a:rPr lang="en-US" dirty="0" smtClean="0"/>
+              <a:rPr lang="en-US" dirty="0"/>
             </a:br>
             <a:r>
-              <a:rPr lang="en-US" dirty="0" smtClean="0"/>
-              <a:t>    </a:t>
-            </a:r>
-            <a:r>
-              <a:rPr lang="en-US" dirty="0" err="1" smtClean="0">
-                <a:latin typeface="Courier New" panose="02070309020205020404" pitchFamily="49" charset="0"/>
-                <a:cs typeface="Courier New" panose="02070309020205020404" pitchFamily="49" charset="0"/>
-              </a:rPr>
-              <a:t>int</a:t>
-            </a:r>
-            <a:r>
-              <a:rPr lang="en-US" dirty="0" smtClean="0">
-                <a:latin typeface="Courier New" panose="02070309020205020404" pitchFamily="49" charset="0"/>
-                <a:cs typeface="Courier New" panose="02070309020205020404" pitchFamily="49" charset="0"/>
-              </a:rPr>
-              <a:t> a = 1729;</a:t>
-            </a:r>
-          </a:p>
-          <a:p>
-            <a:r>
-              <a:rPr lang="en-US" dirty="0" smtClean="0"/>
-              <a:t>We can prepend the definition by the keyword </a:t>
-            </a:r>
-            <a:r>
-              <a:rPr lang="en-US" dirty="0" err="1" smtClean="0"/>
-              <a:t>const</a:t>
-            </a:r>
-            <a:r>
-              <a:rPr lang="en-US" dirty="0" smtClean="0"/>
-              <a:t>:</a:t>
-            </a:r>
-            <a:br>
-              <a:rPr lang="en-US" dirty="0" smtClean="0"/>
-            </a:br>
-            <a:r>
-              <a:rPr lang="en-US" dirty="0" smtClean="0"/>
+              <a:rPr lang="en-US" dirty="0"/>
               <a:t>    </a:t>
             </a:r>
             <a:r>
@@ -12124,65 +11768,93 @@
                 <a:latin typeface="Courier New" panose="02070309020205020404" pitchFamily="49" charset="0"/>
                 <a:cs typeface="Courier New" panose="02070309020205020404" pitchFamily="49" charset="0"/>
               </a:rPr>
-              <a:t>const</a:t>
+              <a:t>int</a:t>
             </a:r>
             <a:r>
               <a:rPr lang="en-US" dirty="0">
                 <a:latin typeface="Courier New" panose="02070309020205020404" pitchFamily="49" charset="0"/>
                 <a:cs typeface="Courier New" panose="02070309020205020404" pitchFamily="49" charset="0"/>
               </a:rPr>
-              <a:t> </a:t>
+              <a:t> a = 1729;</a:t>
+            </a:r>
+          </a:p>
+          <a:p>
+            <a:r>
+              <a:rPr lang="en-US" dirty="0"/>
+              <a:t>We can prepend the definition by the keyword </a:t>
+            </a:r>
+            <a:r>
+              <a:rPr lang="en-US" dirty="0" err="1"/>
+              <a:t>const</a:t>
+            </a:r>
+            <a:r>
+              <a:rPr lang="en-US" dirty="0"/>
+              <a:t>:</a:t>
+            </a:r>
+            <a:br>
+              <a:rPr lang="en-US" dirty="0"/>
+            </a:br>
+            <a:r>
+              <a:rPr lang="en-US" dirty="0"/>
+              <a:t>    </a:t>
             </a:r>
             <a:r>
               <a:rPr lang="en-US" dirty="0" err="1">
                 <a:latin typeface="Courier New" panose="02070309020205020404" pitchFamily="49" charset="0"/>
                 <a:cs typeface="Courier New" panose="02070309020205020404" pitchFamily="49" charset="0"/>
               </a:rPr>
-              <a:t>int</a:t>
+              <a:t>const</a:t>
             </a:r>
             <a:r>
               <a:rPr lang="en-US" dirty="0">
                 <a:latin typeface="Courier New" panose="02070309020205020404" pitchFamily="49" charset="0"/>
                 <a:cs typeface="Courier New" panose="02070309020205020404" pitchFamily="49" charset="0"/>
               </a:rPr>
+              <a:t> </a:t>
+            </a:r>
+            <a:r>
+              <a:rPr lang="en-US" dirty="0" err="1">
+                <a:latin typeface="Courier New" panose="02070309020205020404" pitchFamily="49" charset="0"/>
+                <a:cs typeface="Courier New" panose="02070309020205020404" pitchFamily="49" charset="0"/>
+              </a:rPr>
+              <a:t>int</a:t>
+            </a:r>
+            <a:r>
+              <a:rPr lang="en-US" dirty="0">
+                <a:latin typeface="Courier New" panose="02070309020205020404" pitchFamily="49" charset="0"/>
+                <a:cs typeface="Courier New" panose="02070309020205020404" pitchFamily="49" charset="0"/>
+              </a:rPr>
               <a:t> a = 1729;</a:t>
             </a:r>
           </a:p>
           <a:p>
             <a:r>
-              <a:rPr lang="en-US" dirty="0" smtClean="0"/>
+              <a:rPr lang="en-US" dirty="0"/>
               <a:t>This indicates that the value of the variable will never be changed. Otherwise it is treated as any variable would be.  (</a:t>
             </a:r>
             <a:r>
               <a:rPr lang="en-US" i="1" dirty="0">
                 <a:latin typeface="Garamond" panose="02020404030301010803" pitchFamily="18" charset="0"/>
               </a:rPr>
-              <a:t>Y</a:t>
-            </a:r>
-            <a:r>
-              <a:rPr lang="en-US" i="1" dirty="0" smtClean="0">
-                <a:latin typeface="Garamond" panose="02020404030301010803" pitchFamily="18" charset="0"/>
-              </a:rPr>
-              <a:t>ou could call them variables which are constant!</a:t>
-            </a:r>
-            <a:r>
-              <a:rPr lang="en-US" dirty="0" smtClean="0"/>
+              <a:t>You could call them variables which are constant!</a:t>
+            </a:r>
+            <a:r>
+              <a:rPr lang="en-US" dirty="0"/>
               <a:t>)</a:t>
             </a:r>
           </a:p>
           <a:p>
             <a:r>
-              <a:rPr lang="en-US" dirty="0" smtClean="0"/>
+              <a:rPr lang="en-US" dirty="0"/>
               <a:t>Why would one do that?</a:t>
             </a:r>
           </a:p>
           <a:p>
             <a:pPr lvl="1"/>
             <a:r>
-              <a:rPr lang="en-US" dirty="0" smtClean="0"/>
+              <a:rPr lang="en-US" dirty="0"/>
               <a:t>It turns out to be particularly useful in function definitions.</a:t>
             </a:r>
-            <a:endParaRPr lang="en-US" dirty="0"/>
           </a:p>
         </p:txBody>
       </p:sp>
@@ -12196,13 +11868,6 @@
   <p:clrMapOvr>
     <a:masterClrMapping/>
   </p:clrMapOvr>
-  <p:timing>
-    <p:tnLst>
-      <p:par>
-        <p:cTn id="1" dur="indefinite" restart="never" nodeType="tmRoot"/>
-      </p:par>
-    </p:tnLst>
-  </p:timing>
 </p:sld>
 </file>
 
@@ -12239,10 +11904,9 @@
           <a:lstStyle/>
           <a:p>
             <a:r>
-              <a:rPr lang="en-US" dirty="0" smtClean="0"/>
+              <a:rPr lang="en-US" dirty="0"/>
               <a:t>Types are important</a:t>
             </a:r>
-            <a:endParaRPr lang="en-US" dirty="0"/>
           </a:p>
         </p:txBody>
       </p:sp>
@@ -12262,13 +11926,13 @@
           <a:lstStyle/>
           <a:p>
             <a:r>
-              <a:rPr lang="en-US" dirty="0" smtClean="0"/>
+              <a:rPr lang="en-US" dirty="0"/>
               <a:t>They determine for variables, how much storage to allocate</a:t>
             </a:r>
           </a:p>
           <a:p>
             <a:r>
-              <a:rPr lang="en-US" dirty="0" smtClean="0"/>
+              <a:rPr lang="en-US" dirty="0"/>
               <a:t>They determine how operators will work</a:t>
             </a:r>
           </a:p>
@@ -12287,13 +11951,6 @@
   <p:clrMapOvr>
     <a:masterClrMapping/>
   </p:clrMapOvr>
-  <p:timing>
-    <p:tnLst>
-      <p:par>
-        <p:cTn id="1" dur="indefinite" restart="never" nodeType="tmRoot"/>
-      </p:par>
-    </p:tnLst>
-  </p:timing>
 </p:sld>
 </file>
 
@@ -12330,10 +11987,9 @@
           <a:lstStyle/>
           <a:p>
             <a:r>
-              <a:rPr lang="en-US" dirty="0" smtClean="0"/>
+              <a:rPr lang="en-US" dirty="0"/>
               <a:t>Statements in C</a:t>
             </a:r>
-            <a:endParaRPr lang="en-US" dirty="0"/>
           </a:p>
         </p:txBody>
       </p:sp>
@@ -12366,13 +12022,6 @@
   <p:clrMapOvr>
     <a:masterClrMapping/>
   </p:clrMapOvr>
-  <p:timing>
-    <p:tnLst>
-      <p:par>
-        <p:cTn id="1" dur="indefinite" restart="never" nodeType="tmRoot"/>
-      </p:par>
-    </p:tnLst>
-  </p:timing>
 </p:sld>
 </file>
 

--- a/slides/01-operators-assignment-functions.pptx
+++ b/slides/01-operators-assignment-functions.pptx
@@ -133,11 +133,26 @@
 <pc:chgInfo xmlns:a="http://schemas.openxmlformats.org/drawingml/2006/main" xmlns:r="http://schemas.openxmlformats.org/officeDocument/2006/relationships" xmlns:ac="http://schemas.microsoft.com/office/drawing/2013/main/command" xmlns:pc="http://schemas.microsoft.com/office/powerpoint/2013/main/command">
   <pc:docChgLst>
     <pc:chgData name="Badrinath R" userId="155a43e7-1f5f-414f-9bca-c8a1af989a19" providerId="ADAL" clId="{C392A6AF-ABEB-4834-A7B6-F887D36BA966}"/>
-    <pc:docChg chg="modSld">
-      <pc:chgData name="Badrinath R" userId="155a43e7-1f5f-414f-9bca-c8a1af989a19" providerId="ADAL" clId="{C392A6AF-ABEB-4834-A7B6-F887D36BA966}" dt="2025-08-01T10:33:13.395" v="6" actId="207"/>
+    <pc:docChg chg="custSel modSld">
+      <pc:chgData name="Badrinath R" userId="155a43e7-1f5f-414f-9bca-c8a1af989a19" providerId="ADAL" clId="{C392A6AF-ABEB-4834-A7B6-F887D36BA966}" dt="2025-08-10T04:26:02.289" v="222" actId="20577"/>
       <pc:docMkLst>
         <pc:docMk/>
       </pc:docMkLst>
+      <pc:sldChg chg="modSp mod">
+        <pc:chgData name="Badrinath R" userId="155a43e7-1f5f-414f-9bca-c8a1af989a19" providerId="ADAL" clId="{C392A6AF-ABEB-4834-A7B6-F887D36BA966}" dt="2025-08-10T04:26:02.289" v="222" actId="20577"/>
+        <pc:sldMkLst>
+          <pc:docMk/>
+          <pc:sldMk cId="2667542011" sldId="256"/>
+        </pc:sldMkLst>
+        <pc:spChg chg="mod">
+          <ac:chgData name="Badrinath R" userId="155a43e7-1f5f-414f-9bca-c8a1af989a19" providerId="ADAL" clId="{C392A6AF-ABEB-4834-A7B6-F887D36BA966}" dt="2025-08-10T04:26:02.289" v="222" actId="20577"/>
+          <ac:spMkLst>
+            <pc:docMk/>
+            <pc:sldMk cId="2667542011" sldId="256"/>
+            <ac:spMk id="3" creationId="{00000000-0000-0000-0000-000000000000}"/>
+          </ac:spMkLst>
+        </pc:spChg>
+      </pc:sldChg>
       <pc:sldChg chg="modSp mod">
         <pc:chgData name="Badrinath R" userId="155a43e7-1f5f-414f-9bca-c8a1af989a19" providerId="ADAL" clId="{C392A6AF-ABEB-4834-A7B6-F887D36BA966}" dt="2025-08-01T10:33:13.395" v="6" actId="207"/>
         <pc:sldMkLst>
@@ -295,7 +310,7 @@
           <a:p>
             <a:fld id="{44DE90E4-0BE9-46B2-B913-37DA2C3229A5}" type="datetimeFigureOut">
               <a:rPr lang="en-US" smtClean="0"/>
-              <a:t>8/1/2025</a:t>
+              <a:t>8/10/2025</a:t>
             </a:fld>
             <a:endParaRPr lang="en-US"/>
           </a:p>
@@ -463,7 +478,7 @@
           <a:p>
             <a:fld id="{44DE90E4-0BE9-46B2-B913-37DA2C3229A5}" type="datetimeFigureOut">
               <a:rPr lang="en-US" smtClean="0"/>
-              <a:t>8/1/2025</a:t>
+              <a:t>8/10/2025</a:t>
             </a:fld>
             <a:endParaRPr lang="en-US"/>
           </a:p>
@@ -641,7 +656,7 @@
           <a:p>
             <a:fld id="{44DE90E4-0BE9-46B2-B913-37DA2C3229A5}" type="datetimeFigureOut">
               <a:rPr lang="en-US" smtClean="0"/>
-              <a:t>8/1/2025</a:t>
+              <a:t>8/10/2025</a:t>
             </a:fld>
             <a:endParaRPr lang="en-US"/>
           </a:p>
@@ -809,7 +824,7 @@
           <a:p>
             <a:fld id="{44DE90E4-0BE9-46B2-B913-37DA2C3229A5}" type="datetimeFigureOut">
               <a:rPr lang="en-US" smtClean="0"/>
-              <a:t>8/1/2025</a:t>
+              <a:t>8/10/2025</a:t>
             </a:fld>
             <a:endParaRPr lang="en-US"/>
           </a:p>
@@ -1054,7 +1069,7 @@
           <a:p>
             <a:fld id="{44DE90E4-0BE9-46B2-B913-37DA2C3229A5}" type="datetimeFigureOut">
               <a:rPr lang="en-US" smtClean="0"/>
-              <a:t>8/1/2025</a:t>
+              <a:t>8/10/2025</a:t>
             </a:fld>
             <a:endParaRPr lang="en-US"/>
           </a:p>
@@ -1283,7 +1298,7 @@
           <a:p>
             <a:fld id="{44DE90E4-0BE9-46B2-B913-37DA2C3229A5}" type="datetimeFigureOut">
               <a:rPr lang="en-US" smtClean="0"/>
-              <a:t>8/1/2025</a:t>
+              <a:t>8/10/2025</a:t>
             </a:fld>
             <a:endParaRPr lang="en-US"/>
           </a:p>
@@ -1647,7 +1662,7 @@
           <a:p>
             <a:fld id="{44DE90E4-0BE9-46B2-B913-37DA2C3229A5}" type="datetimeFigureOut">
               <a:rPr lang="en-US" smtClean="0"/>
-              <a:t>8/1/2025</a:t>
+              <a:t>8/10/2025</a:t>
             </a:fld>
             <a:endParaRPr lang="en-US"/>
           </a:p>
@@ -1764,7 +1779,7 @@
           <a:p>
             <a:fld id="{44DE90E4-0BE9-46B2-B913-37DA2C3229A5}" type="datetimeFigureOut">
               <a:rPr lang="en-US" smtClean="0"/>
-              <a:t>8/1/2025</a:t>
+              <a:t>8/10/2025</a:t>
             </a:fld>
             <a:endParaRPr lang="en-US"/>
           </a:p>
@@ -1859,7 +1874,7 @@
           <a:p>
             <a:fld id="{44DE90E4-0BE9-46B2-B913-37DA2C3229A5}" type="datetimeFigureOut">
               <a:rPr lang="en-US" smtClean="0"/>
-              <a:t>8/1/2025</a:t>
+              <a:t>8/10/2025</a:t>
             </a:fld>
             <a:endParaRPr lang="en-US"/>
           </a:p>
@@ -2134,7 +2149,7 @@
           <a:p>
             <a:fld id="{44DE90E4-0BE9-46B2-B913-37DA2C3229A5}" type="datetimeFigureOut">
               <a:rPr lang="en-US" smtClean="0"/>
-              <a:t>8/1/2025</a:t>
+              <a:t>8/10/2025</a:t>
             </a:fld>
             <a:endParaRPr lang="en-US"/>
           </a:p>
@@ -2386,7 +2401,7 @@
           <a:p>
             <a:fld id="{44DE90E4-0BE9-46B2-B913-37DA2C3229A5}" type="datetimeFigureOut">
               <a:rPr lang="en-US" smtClean="0"/>
-              <a:t>8/1/2025</a:t>
+              <a:t>8/10/2025</a:t>
             </a:fld>
             <a:endParaRPr lang="en-US"/>
           </a:p>
@@ -2597,7 +2612,7 @@
           <a:p>
             <a:fld id="{44DE90E4-0BE9-46B2-B913-37DA2C3229A5}" type="datetimeFigureOut">
               <a:rPr lang="en-US" smtClean="0"/>
-              <a:t>8/1/2025</a:t>
+              <a:t>8/10/2025</a:t>
             </a:fld>
             <a:endParaRPr lang="en-US"/>
           </a:p>
@@ -3034,14 +3049,128 @@
             <p:ph type="subTitle" idx="1"/>
           </p:nvPr>
         </p:nvSpPr>
-        <p:spPr/>
-        <p:txBody>
-          <a:bodyPr/>
+        <p:spPr>
+          <a:xfrm>
+            <a:off x="1524000" y="3602038"/>
+            <a:ext cx="9144000" cy="2648860"/>
+          </a:xfrm>
+        </p:spPr>
+        <p:txBody>
+          <a:bodyPr>
+            <a:normAutofit fontScale="92500" lnSpcReduction="10000"/>
+          </a:bodyPr>
           <a:lstStyle/>
           <a:p>
             <a:r>
               <a:rPr lang="en-US" dirty="0"/>
               <a:t>Part -1 – getting familiarity with programs</a:t>
+            </a:r>
+          </a:p>
+          <a:p>
+            <a:r>
+              <a:rPr lang="en-US" dirty="0"/>
+              <a:t>Before this make sure you have seen a few programs</a:t>
+            </a:r>
+          </a:p>
+          <a:p>
+            <a:r>
+              <a:rPr lang="en-US" sz="2000" dirty="0" err="1">
+                <a:latin typeface="Courier New" panose="02070309020205020404" pitchFamily="49" charset="0"/>
+                <a:cs typeface="Courier New" panose="02070309020205020404" pitchFamily="49" charset="0"/>
+              </a:rPr>
+              <a:t>discriminant.c</a:t>
+            </a:r>
+            <a:endParaRPr lang="en-US" sz="2000" dirty="0">
+              <a:latin typeface="Courier New" panose="02070309020205020404" pitchFamily="49" charset="0"/>
+              <a:cs typeface="Courier New" panose="02070309020205020404" pitchFamily="49" charset="0"/>
+            </a:endParaRPr>
+          </a:p>
+          <a:p>
+            <a:r>
+              <a:rPr lang="en-US" sz="2000" dirty="0" err="1">
+                <a:latin typeface="Courier New" panose="02070309020205020404" pitchFamily="49" charset="0"/>
+                <a:cs typeface="Courier New" panose="02070309020205020404" pitchFamily="49" charset="0"/>
+              </a:rPr>
+              <a:t>very_first.c</a:t>
+            </a:r>
+            <a:endParaRPr lang="en-US" sz="2000" dirty="0">
+              <a:latin typeface="Courier New" panose="02070309020205020404" pitchFamily="49" charset="0"/>
+              <a:cs typeface="Courier New" panose="02070309020205020404" pitchFamily="49" charset="0"/>
+            </a:endParaRPr>
+          </a:p>
+          <a:p>
+            <a:r>
+              <a:rPr lang="en-US" sz="2000" dirty="0" err="1">
+                <a:latin typeface="Courier New" panose="02070309020205020404" pitchFamily="49" charset="0"/>
+                <a:cs typeface="Courier New" panose="02070309020205020404" pitchFamily="49" charset="0"/>
+              </a:rPr>
+              <a:t>first_examples.c</a:t>
+            </a:r>
+            <a:endParaRPr lang="en-US" sz="2000" dirty="0">
+              <a:latin typeface="Courier New" panose="02070309020205020404" pitchFamily="49" charset="0"/>
+              <a:cs typeface="Courier New" panose="02070309020205020404" pitchFamily="49" charset="0"/>
+            </a:endParaRPr>
+          </a:p>
+          <a:p>
+            <a:r>
+              <a:rPr lang="en-US" sz="2000" dirty="0" err="1">
+                <a:latin typeface="Courier New" panose="02070309020205020404" pitchFamily="49" charset="0"/>
+                <a:cs typeface="Courier New" panose="02070309020205020404" pitchFamily="49" charset="0"/>
+              </a:rPr>
+              <a:t>hello_world.c</a:t>
+            </a:r>
+            <a:endParaRPr lang="en-US" sz="2000" dirty="0">
+              <a:latin typeface="Courier New" panose="02070309020205020404" pitchFamily="49" charset="0"/>
+              <a:cs typeface="Courier New" panose="02070309020205020404" pitchFamily="49" charset="0"/>
+            </a:endParaRPr>
+          </a:p>
+          <a:p>
+            <a:r>
+              <a:rPr lang="en-US" sz="2000">
+                <a:cs typeface="Courier New" panose="02070309020205020404" pitchFamily="49" charset="0"/>
+              </a:rPr>
+              <a:t>And written </a:t>
+            </a:r>
+            <a:r>
+              <a:rPr lang="en-US" sz="2000" dirty="0">
+                <a:cs typeface="Courier New" panose="02070309020205020404" pitchFamily="49" charset="0"/>
+              </a:rPr>
+              <a:t>your own</a:t>
+            </a:r>
+            <a:r>
+              <a:rPr lang="en-US" sz="2000" dirty="0">
+                <a:latin typeface="Courier New" panose="02070309020205020404" pitchFamily="49" charset="0"/>
+                <a:cs typeface="Courier New" panose="02070309020205020404" pitchFamily="49" charset="0"/>
+              </a:rPr>
+              <a:t> </a:t>
+            </a:r>
+            <a:r>
+              <a:rPr lang="en-US" sz="2000" dirty="0" err="1">
+                <a:latin typeface="Courier New" panose="02070309020205020404" pitchFamily="49" charset="0"/>
+                <a:cs typeface="Courier New" panose="02070309020205020404" pitchFamily="49" charset="0"/>
+              </a:rPr>
+              <a:t>Farenheit</a:t>
+            </a:r>
+            <a:r>
+              <a:rPr lang="en-US" sz="2000" dirty="0">
+                <a:latin typeface="Courier New" panose="02070309020205020404" pitchFamily="49" charset="0"/>
+                <a:cs typeface="Courier New" panose="02070309020205020404" pitchFamily="49" charset="0"/>
+              </a:rPr>
+              <a:t> to </a:t>
+            </a:r>
+            <a:r>
+              <a:rPr lang="en-US" sz="2000" dirty="0" err="1">
+                <a:latin typeface="Courier New" panose="02070309020205020404" pitchFamily="49" charset="0"/>
+                <a:cs typeface="Courier New" panose="02070309020205020404" pitchFamily="49" charset="0"/>
+              </a:rPr>
+              <a:t>Celcius</a:t>
+            </a:r>
+            <a:r>
+              <a:rPr lang="en-US" sz="2000" dirty="0">
+                <a:latin typeface="Courier New" panose="02070309020205020404" pitchFamily="49" charset="0"/>
+                <a:cs typeface="Courier New" panose="02070309020205020404" pitchFamily="49" charset="0"/>
+              </a:rPr>
+              <a:t> converter</a:t>
             </a:r>
           </a:p>
         </p:txBody>
